--- a/doc/Labs/LabWork1.pptx
+++ b/doc/Labs/LabWork1.pptx
@@ -4,6 +4,9 @@
   <p:sldMasterIdLst>
     <p:sldMasterId id="2147483660" r:id="rId1"/>
   </p:sldMasterIdLst>
+  <p:notesMasterIdLst>
+    <p:notesMasterId r:id="rId20"/>
+  </p:notesMasterIdLst>
   <p:sldIdLst>
     <p:sldId id="256" r:id="rId2"/>
     <p:sldId id="259" r:id="rId3"/>
@@ -13,21 +16,16 @@
     <p:sldId id="265" r:id="rId7"/>
     <p:sldId id="270" r:id="rId8"/>
     <p:sldId id="271" r:id="rId9"/>
-    <p:sldId id="272" r:id="rId10"/>
-    <p:sldId id="266" r:id="rId11"/>
-    <p:sldId id="267" r:id="rId12"/>
-    <p:sldId id="268" r:id="rId13"/>
-    <p:sldId id="273" r:id="rId14"/>
-    <p:sldId id="274" r:id="rId15"/>
-    <p:sldId id="275" r:id="rId16"/>
-    <p:sldId id="276" r:id="rId17"/>
-    <p:sldId id="277" r:id="rId18"/>
-    <p:sldId id="278" r:id="rId19"/>
-    <p:sldId id="279" r:id="rId20"/>
-    <p:sldId id="280" r:id="rId21"/>
-    <p:sldId id="282" r:id="rId22"/>
-    <p:sldId id="283" r:id="rId23"/>
-    <p:sldId id="284" r:id="rId24"/>
+    <p:sldId id="266" r:id="rId10"/>
+    <p:sldId id="267" r:id="rId11"/>
+    <p:sldId id="273" r:id="rId12"/>
+    <p:sldId id="276" r:id="rId13"/>
+    <p:sldId id="279" r:id="rId14"/>
+    <p:sldId id="280" r:id="rId15"/>
+    <p:sldId id="282" r:id="rId16"/>
+    <p:sldId id="283" r:id="rId17"/>
+    <p:sldId id="284" r:id="rId18"/>
+    <p:sldId id="285" r:id="rId19"/>
   </p:sldIdLst>
   <p:sldSz cx="9144000" cy="6858000" type="screen4x3"/>
   <p:notesSz cx="6858000" cy="9144000"/>
@@ -126,7 +124,482 @@
       </a:defRPr>
     </a:lvl9pPr>
   </p:defaultTextStyle>
+  <p:extLst>
+    <p:ext uri="{521415D9-36F7-43E2-AB2F-B90AF26B5E84}">
+      <p14:sectionLst xmlns:p14="http://schemas.microsoft.com/office/powerpoint/2010/main">
+        <p14:section name="Раздел по умолчанию" id="{C0823EAE-0913-49FA-81BB-A178D80DC31D}">
+          <p14:sldIdLst>
+            <p14:sldId id="256"/>
+            <p14:sldId id="259"/>
+            <p14:sldId id="260"/>
+            <p14:sldId id="261"/>
+            <p14:sldId id="263"/>
+            <p14:sldId id="265"/>
+            <p14:sldId id="270"/>
+            <p14:sldId id="271"/>
+            <p14:sldId id="266"/>
+            <p14:sldId id="267"/>
+            <p14:sldId id="273"/>
+            <p14:sldId id="276"/>
+            <p14:sldId id="279"/>
+            <p14:sldId id="280"/>
+            <p14:sldId id="282"/>
+            <p14:sldId id="283"/>
+            <p14:sldId id="284"/>
+            <p14:sldId id="285"/>
+          </p14:sldIdLst>
+        </p14:section>
+      </p14:sectionLst>
+    </p:ext>
+    <p:ext uri="{EFAFB233-063F-42B5-8137-9DF3F51BA10A}">
+      <p15:sldGuideLst xmlns:p15="http://schemas.microsoft.com/office/powerpoint/2012/main">
+        <p15:guide id="1" orient="horz" pos="2160">
+          <p15:clr>
+            <a:srgbClr val="A4A3A4"/>
+          </p15:clr>
+        </p15:guide>
+        <p15:guide id="2" pos="2880">
+          <p15:clr>
+            <a:srgbClr val="A4A3A4"/>
+          </p15:clr>
+        </p15:guide>
+      </p15:sldGuideLst>
+    </p:ext>
+  </p:extLst>
 </p:presentation>
+</file>
+
+<file path=ppt/notesMasters/notesMaster1.xml><?xml version="1.0" encoding="utf-8"?>
+<p:notesMaster xmlns:a="http://schemas.openxmlformats.org/drawingml/2006/main" xmlns:r="http://schemas.openxmlformats.org/officeDocument/2006/relationships" xmlns:p="http://schemas.openxmlformats.org/presentationml/2006/main">
+  <p:cSld>
+    <p:bg>
+      <p:bgRef idx="1001">
+        <a:schemeClr val="bg1"/>
+      </p:bgRef>
+    </p:bg>
+    <p:spTree>
+      <p:nvGrpSpPr>
+        <p:cNvPr id="1" name=""/>
+        <p:cNvGrpSpPr/>
+        <p:nvPr/>
+      </p:nvGrpSpPr>
+      <p:grpSpPr>
+        <a:xfrm>
+          <a:off x="0" y="0"/>
+          <a:ext cx="0" cy="0"/>
+          <a:chOff x="0" y="0"/>
+          <a:chExt cx="0" cy="0"/>
+        </a:xfrm>
+      </p:grpSpPr>
+      <p:sp>
+        <p:nvSpPr>
+          <p:cNvPr id="2" name="Верхний колонтитул 1"/>
+          <p:cNvSpPr>
+            <a:spLocks noGrp="1"/>
+          </p:cNvSpPr>
+          <p:nvPr>
+            <p:ph type="hdr" sz="quarter"/>
+          </p:nvPr>
+        </p:nvSpPr>
+        <p:spPr>
+          <a:xfrm>
+            <a:off x="0" y="0"/>
+            <a:ext cx="2971800" cy="458788"/>
+          </a:xfrm>
+          <a:prstGeom prst="rect">
+            <a:avLst/>
+          </a:prstGeom>
+        </p:spPr>
+        <p:txBody>
+          <a:bodyPr vert="horz" lIns="91440" tIns="45720" rIns="91440" bIns="45720" rtlCol="0"/>
+          <a:lstStyle>
+            <a:lvl1pPr algn="l">
+              <a:defRPr sz="1200"/>
+            </a:lvl1pPr>
+          </a:lstStyle>
+          <a:p>
+            <a:endParaRPr lang="ru-RU"/>
+          </a:p>
+        </p:txBody>
+      </p:sp>
+      <p:sp>
+        <p:nvSpPr>
+          <p:cNvPr id="3" name="Дата 2"/>
+          <p:cNvSpPr>
+            <a:spLocks noGrp="1"/>
+          </p:cNvSpPr>
+          <p:nvPr>
+            <p:ph type="dt" idx="1"/>
+          </p:nvPr>
+        </p:nvSpPr>
+        <p:spPr>
+          <a:xfrm>
+            <a:off x="3884613" y="0"/>
+            <a:ext cx="2971800" cy="458788"/>
+          </a:xfrm>
+          <a:prstGeom prst="rect">
+            <a:avLst/>
+          </a:prstGeom>
+        </p:spPr>
+        <p:txBody>
+          <a:bodyPr vert="horz" lIns="91440" tIns="45720" rIns="91440" bIns="45720" rtlCol="0"/>
+          <a:lstStyle>
+            <a:lvl1pPr algn="r">
+              <a:defRPr sz="1200"/>
+            </a:lvl1pPr>
+          </a:lstStyle>
+          <a:p>
+            <a:fld id="{ABCC478D-9571-4DA3-A228-C57D01FD3581}" type="datetimeFigureOut">
+              <a:rPr lang="ru-RU" smtClean="0"/>
+              <a:t>06.02.2022</a:t>
+            </a:fld>
+            <a:endParaRPr lang="ru-RU"/>
+          </a:p>
+        </p:txBody>
+      </p:sp>
+      <p:sp>
+        <p:nvSpPr>
+          <p:cNvPr id="4" name="Образ слайда 3"/>
+          <p:cNvSpPr>
+            <a:spLocks noGrp="1" noRot="1" noChangeAspect="1"/>
+          </p:cNvSpPr>
+          <p:nvPr>
+            <p:ph type="sldImg" idx="2"/>
+          </p:nvPr>
+        </p:nvSpPr>
+        <p:spPr>
+          <a:xfrm>
+            <a:off x="1371600" y="1143000"/>
+            <a:ext cx="4114800" cy="3086100"/>
+          </a:xfrm>
+          <a:prstGeom prst="rect">
+            <a:avLst/>
+          </a:prstGeom>
+          <a:noFill/>
+          <a:ln w="12700">
+            <a:solidFill>
+              <a:prstClr val="black"/>
+            </a:solidFill>
+          </a:ln>
+        </p:spPr>
+        <p:txBody>
+          <a:bodyPr vert="horz" lIns="91440" tIns="45720" rIns="91440" bIns="45720" rtlCol="0" anchor="ctr"/>
+          <a:lstStyle/>
+          <a:p>
+            <a:endParaRPr lang="ru-RU"/>
+          </a:p>
+        </p:txBody>
+      </p:sp>
+      <p:sp>
+        <p:nvSpPr>
+          <p:cNvPr id="5" name="Заметки 4"/>
+          <p:cNvSpPr>
+            <a:spLocks noGrp="1"/>
+          </p:cNvSpPr>
+          <p:nvPr>
+            <p:ph type="body" sz="quarter" idx="3"/>
+          </p:nvPr>
+        </p:nvSpPr>
+        <p:spPr>
+          <a:xfrm>
+            <a:off x="685800" y="4400550"/>
+            <a:ext cx="5486400" cy="3600450"/>
+          </a:xfrm>
+          <a:prstGeom prst="rect">
+            <a:avLst/>
+          </a:prstGeom>
+        </p:spPr>
+        <p:txBody>
+          <a:bodyPr vert="horz" lIns="91440" tIns="45720" rIns="91440" bIns="45720" rtlCol="0"/>
+          <a:lstStyle/>
+          <a:p>
+            <a:pPr lvl="0"/>
+            <a:r>
+              <a:rPr lang="ru-RU"/>
+              <a:t>Образец текста</a:t>
+            </a:r>
+          </a:p>
+          <a:p>
+            <a:pPr lvl="1"/>
+            <a:r>
+              <a:rPr lang="ru-RU"/>
+              <a:t>Второй уровень</a:t>
+            </a:r>
+          </a:p>
+          <a:p>
+            <a:pPr lvl="2"/>
+            <a:r>
+              <a:rPr lang="ru-RU"/>
+              <a:t>Третий уровень</a:t>
+            </a:r>
+          </a:p>
+          <a:p>
+            <a:pPr lvl="3"/>
+            <a:r>
+              <a:rPr lang="ru-RU"/>
+              <a:t>Четвертый уровень</a:t>
+            </a:r>
+          </a:p>
+          <a:p>
+            <a:pPr lvl="4"/>
+            <a:r>
+              <a:rPr lang="ru-RU"/>
+              <a:t>Пятый уровень</a:t>
+            </a:r>
+          </a:p>
+        </p:txBody>
+      </p:sp>
+      <p:sp>
+        <p:nvSpPr>
+          <p:cNvPr id="6" name="Нижний колонтитул 5"/>
+          <p:cNvSpPr>
+            <a:spLocks noGrp="1"/>
+          </p:cNvSpPr>
+          <p:nvPr>
+            <p:ph type="ftr" sz="quarter" idx="4"/>
+          </p:nvPr>
+        </p:nvSpPr>
+        <p:spPr>
+          <a:xfrm>
+            <a:off x="0" y="8685213"/>
+            <a:ext cx="2971800" cy="458787"/>
+          </a:xfrm>
+          <a:prstGeom prst="rect">
+            <a:avLst/>
+          </a:prstGeom>
+        </p:spPr>
+        <p:txBody>
+          <a:bodyPr vert="horz" lIns="91440" tIns="45720" rIns="91440" bIns="45720" rtlCol="0" anchor="b"/>
+          <a:lstStyle>
+            <a:lvl1pPr algn="l">
+              <a:defRPr sz="1200"/>
+            </a:lvl1pPr>
+          </a:lstStyle>
+          <a:p>
+            <a:endParaRPr lang="ru-RU"/>
+          </a:p>
+        </p:txBody>
+      </p:sp>
+      <p:sp>
+        <p:nvSpPr>
+          <p:cNvPr id="7" name="Номер слайда 6"/>
+          <p:cNvSpPr>
+            <a:spLocks noGrp="1"/>
+          </p:cNvSpPr>
+          <p:nvPr>
+            <p:ph type="sldNum" sz="quarter" idx="5"/>
+          </p:nvPr>
+        </p:nvSpPr>
+        <p:spPr>
+          <a:xfrm>
+            <a:off x="3884613" y="8685213"/>
+            <a:ext cx="2971800" cy="458787"/>
+          </a:xfrm>
+          <a:prstGeom prst="rect">
+            <a:avLst/>
+          </a:prstGeom>
+        </p:spPr>
+        <p:txBody>
+          <a:bodyPr vert="horz" lIns="91440" tIns="45720" rIns="91440" bIns="45720" rtlCol="0" anchor="b"/>
+          <a:lstStyle>
+            <a:lvl1pPr algn="r">
+              <a:defRPr sz="1200"/>
+            </a:lvl1pPr>
+          </a:lstStyle>
+          <a:p>
+            <a:fld id="{98F22DA1-4166-47A0-8449-B526633E0D11}" type="slidenum">
+              <a:rPr lang="ru-RU" smtClean="0"/>
+              <a:t>‹#›</a:t>
+            </a:fld>
+            <a:endParaRPr lang="ru-RU"/>
+          </a:p>
+        </p:txBody>
+      </p:sp>
+    </p:spTree>
+    <p:extLst>
+      <p:ext uri="{BB962C8B-B14F-4D97-AF65-F5344CB8AC3E}">
+        <p14:creationId xmlns:p14="http://schemas.microsoft.com/office/powerpoint/2010/main" val="490587694"/>
+      </p:ext>
+    </p:extLst>
+  </p:cSld>
+  <p:clrMap bg1="lt1" tx1="dk1" bg2="lt2" tx2="dk2" accent1="accent1" accent2="accent2" accent3="accent3" accent4="accent4" accent5="accent5" accent6="accent6" hlink="hlink" folHlink="folHlink"/>
+  <p:notesStyle>
+    <a:lvl1pPr marL="0" algn="l" defTabSz="914400" rtl="0" eaLnBrk="1" latinLnBrk="0" hangingPunct="1">
+      <a:defRPr sz="1200" kern="1200">
+        <a:solidFill>
+          <a:schemeClr val="tx1"/>
+        </a:solidFill>
+        <a:latin typeface="+mn-lt"/>
+        <a:ea typeface="+mn-ea"/>
+        <a:cs typeface="+mn-cs"/>
+      </a:defRPr>
+    </a:lvl1pPr>
+    <a:lvl2pPr marL="457200" algn="l" defTabSz="914400" rtl="0" eaLnBrk="1" latinLnBrk="0" hangingPunct="1">
+      <a:defRPr sz="1200" kern="1200">
+        <a:solidFill>
+          <a:schemeClr val="tx1"/>
+        </a:solidFill>
+        <a:latin typeface="+mn-lt"/>
+        <a:ea typeface="+mn-ea"/>
+        <a:cs typeface="+mn-cs"/>
+      </a:defRPr>
+    </a:lvl2pPr>
+    <a:lvl3pPr marL="914400" algn="l" defTabSz="914400" rtl="0" eaLnBrk="1" latinLnBrk="0" hangingPunct="1">
+      <a:defRPr sz="1200" kern="1200">
+        <a:solidFill>
+          <a:schemeClr val="tx1"/>
+        </a:solidFill>
+        <a:latin typeface="+mn-lt"/>
+        <a:ea typeface="+mn-ea"/>
+        <a:cs typeface="+mn-cs"/>
+      </a:defRPr>
+    </a:lvl3pPr>
+    <a:lvl4pPr marL="1371600" algn="l" defTabSz="914400" rtl="0" eaLnBrk="1" latinLnBrk="0" hangingPunct="1">
+      <a:defRPr sz="1200" kern="1200">
+        <a:solidFill>
+          <a:schemeClr val="tx1"/>
+        </a:solidFill>
+        <a:latin typeface="+mn-lt"/>
+        <a:ea typeface="+mn-ea"/>
+        <a:cs typeface="+mn-cs"/>
+      </a:defRPr>
+    </a:lvl4pPr>
+    <a:lvl5pPr marL="1828800" algn="l" defTabSz="914400" rtl="0" eaLnBrk="1" latinLnBrk="0" hangingPunct="1">
+      <a:defRPr sz="1200" kern="1200">
+        <a:solidFill>
+          <a:schemeClr val="tx1"/>
+        </a:solidFill>
+        <a:latin typeface="+mn-lt"/>
+        <a:ea typeface="+mn-ea"/>
+        <a:cs typeface="+mn-cs"/>
+      </a:defRPr>
+    </a:lvl5pPr>
+    <a:lvl6pPr marL="2286000" algn="l" defTabSz="914400" rtl="0" eaLnBrk="1" latinLnBrk="0" hangingPunct="1">
+      <a:defRPr sz="1200" kern="1200">
+        <a:solidFill>
+          <a:schemeClr val="tx1"/>
+        </a:solidFill>
+        <a:latin typeface="+mn-lt"/>
+        <a:ea typeface="+mn-ea"/>
+        <a:cs typeface="+mn-cs"/>
+      </a:defRPr>
+    </a:lvl6pPr>
+    <a:lvl7pPr marL="2743200" algn="l" defTabSz="914400" rtl="0" eaLnBrk="1" latinLnBrk="0" hangingPunct="1">
+      <a:defRPr sz="1200" kern="1200">
+        <a:solidFill>
+          <a:schemeClr val="tx1"/>
+        </a:solidFill>
+        <a:latin typeface="+mn-lt"/>
+        <a:ea typeface="+mn-ea"/>
+        <a:cs typeface="+mn-cs"/>
+      </a:defRPr>
+    </a:lvl7pPr>
+    <a:lvl8pPr marL="3200400" algn="l" defTabSz="914400" rtl="0" eaLnBrk="1" latinLnBrk="0" hangingPunct="1">
+      <a:defRPr sz="1200" kern="1200">
+        <a:solidFill>
+          <a:schemeClr val="tx1"/>
+        </a:solidFill>
+        <a:latin typeface="+mn-lt"/>
+        <a:ea typeface="+mn-ea"/>
+        <a:cs typeface="+mn-cs"/>
+      </a:defRPr>
+    </a:lvl8pPr>
+    <a:lvl9pPr marL="3657600" algn="l" defTabSz="914400" rtl="0" eaLnBrk="1" latinLnBrk="0" hangingPunct="1">
+      <a:defRPr sz="1200" kern="1200">
+        <a:solidFill>
+          <a:schemeClr val="tx1"/>
+        </a:solidFill>
+        <a:latin typeface="+mn-lt"/>
+        <a:ea typeface="+mn-ea"/>
+        <a:cs typeface="+mn-cs"/>
+      </a:defRPr>
+    </a:lvl9pPr>
+  </p:notesStyle>
+</p:notesMaster>
+</file>
+
+<file path=ppt/notesSlides/notesSlide1.xml><?xml version="1.0" encoding="utf-8"?>
+<p:notes xmlns:a="http://schemas.openxmlformats.org/drawingml/2006/main" xmlns:r="http://schemas.openxmlformats.org/officeDocument/2006/relationships" xmlns:p="http://schemas.openxmlformats.org/presentationml/2006/main">
+  <p:cSld>
+    <p:spTree>
+      <p:nvGrpSpPr>
+        <p:cNvPr id="1" name=""/>
+        <p:cNvGrpSpPr/>
+        <p:nvPr/>
+      </p:nvGrpSpPr>
+      <p:grpSpPr>
+        <a:xfrm>
+          <a:off x="0" y="0"/>
+          <a:ext cx="0" cy="0"/>
+          <a:chOff x="0" y="0"/>
+          <a:chExt cx="0" cy="0"/>
+        </a:xfrm>
+      </p:grpSpPr>
+      <p:sp>
+        <p:nvSpPr>
+          <p:cNvPr id="2" name="Образ слайда 1"/>
+          <p:cNvSpPr>
+            <a:spLocks noGrp="1" noRot="1" noChangeAspect="1"/>
+          </p:cNvSpPr>
+          <p:nvPr>
+            <p:ph type="sldImg"/>
+          </p:nvPr>
+        </p:nvSpPr>
+        <p:spPr/>
+      </p:sp>
+      <p:sp>
+        <p:nvSpPr>
+          <p:cNvPr id="3" name="Заметки 2"/>
+          <p:cNvSpPr>
+            <a:spLocks noGrp="1"/>
+          </p:cNvSpPr>
+          <p:nvPr>
+            <p:ph type="body" idx="1"/>
+          </p:nvPr>
+        </p:nvSpPr>
+        <p:spPr/>
+        <p:txBody>
+          <a:bodyPr/>
+          <a:lstStyle/>
+          <a:p>
+            <a:endParaRPr lang="ru-RU" dirty="0"/>
+          </a:p>
+        </p:txBody>
+      </p:sp>
+      <p:sp>
+        <p:nvSpPr>
+          <p:cNvPr id="4" name="Номер слайда 3"/>
+          <p:cNvSpPr>
+            <a:spLocks noGrp="1"/>
+          </p:cNvSpPr>
+          <p:nvPr>
+            <p:ph type="sldNum" sz="quarter" idx="5"/>
+          </p:nvPr>
+        </p:nvSpPr>
+        <p:spPr/>
+        <p:txBody>
+          <a:bodyPr/>
+          <a:lstStyle/>
+          <a:p>
+            <a:fld id="{98F22DA1-4166-47A0-8449-B526633E0D11}" type="slidenum">
+              <a:rPr lang="ru-RU" smtClean="0"/>
+              <a:t>12</a:t>
+            </a:fld>
+            <a:endParaRPr lang="ru-RU"/>
+          </a:p>
+        </p:txBody>
+      </p:sp>
+    </p:spTree>
+    <p:extLst>
+      <p:ext uri="{BB962C8B-B14F-4D97-AF65-F5344CB8AC3E}">
+        <p14:creationId xmlns:p14="http://schemas.microsoft.com/office/powerpoint/2010/main" val="4232163814"/>
+      </p:ext>
+    </p:extLst>
+  </p:cSld>
+  <p:clrMapOvr>
+    <a:masterClrMapping/>
+  </p:clrMapOvr>
+</p:notes>
 </file>
 
 <file path=ppt/slideLayouts/slideLayout1.xml><?xml version="1.0" encoding="utf-8"?>
@@ -173,7 +646,7 @@
           </a:lstStyle>
           <a:p>
             <a:r>
-              <a:rPr lang="ru-RU" smtClean="0"/>
+              <a:rPr lang="ru-RU"/>
               <a:t>Образец заголовка</a:t>
             </a:r>
             <a:endParaRPr lang="en-US" dirty="0"/>
@@ -293,7 +766,7 @@
           </a:lstStyle>
           <a:p>
             <a:r>
-              <a:rPr lang="ru-RU" smtClean="0"/>
+              <a:rPr lang="ru-RU"/>
               <a:t>Образец подзаголовка</a:t>
             </a:r>
             <a:endParaRPr lang="en-US" dirty="0"/>
@@ -317,7 +790,7 @@
           <a:p>
             <a:fld id="{B4C71EC6-210F-42DE-9C53-41977AD35B3D}" type="datetimeFigureOut">
               <a:rPr lang="ru-RU" smtClean="0"/>
-              <a:t>01.02.2022</a:t>
+              <a:t>06.02.2022</a:t>
             </a:fld>
             <a:endParaRPr lang="ru-RU"/>
           </a:p>
@@ -441,7 +914,7 @@
           <a:lstStyle/>
           <a:p>
             <a:r>
-              <a:rPr lang="ru-RU" smtClean="0"/>
+              <a:rPr lang="ru-RU"/>
               <a:t>Образец заголовка</a:t>
             </a:r>
             <a:endParaRPr lang="en-US"/>
@@ -465,35 +938,35 @@
           <a:p>
             <a:pPr lvl="0"/>
             <a:r>
-              <a:rPr lang="ru-RU" smtClean="0"/>
+              <a:rPr lang="ru-RU"/>
               <a:t>Образец текста</a:t>
             </a:r>
           </a:p>
           <a:p>
             <a:pPr lvl="1"/>
             <a:r>
-              <a:rPr lang="ru-RU" smtClean="0"/>
+              <a:rPr lang="ru-RU"/>
               <a:t>Второй уровень</a:t>
             </a:r>
           </a:p>
           <a:p>
             <a:pPr lvl="2"/>
             <a:r>
-              <a:rPr lang="ru-RU" smtClean="0"/>
+              <a:rPr lang="ru-RU"/>
               <a:t>Третий уровень</a:t>
             </a:r>
           </a:p>
           <a:p>
             <a:pPr lvl="3"/>
             <a:r>
-              <a:rPr lang="ru-RU" smtClean="0"/>
+              <a:rPr lang="ru-RU"/>
               <a:t>Четвертый уровень</a:t>
             </a:r>
           </a:p>
           <a:p>
             <a:pPr lvl="4"/>
             <a:r>
-              <a:rPr lang="ru-RU" smtClean="0"/>
+              <a:rPr lang="ru-RU"/>
               <a:t>Пятый уровень</a:t>
             </a:r>
             <a:endParaRPr lang="en-US"/>
@@ -517,7 +990,7 @@
           <a:p>
             <a:fld id="{B4C71EC6-210F-42DE-9C53-41977AD35B3D}" type="datetimeFigureOut">
               <a:rPr lang="ru-RU" smtClean="0"/>
-              <a:t>01.02.2022</a:t>
+              <a:t>06.02.2022</a:t>
             </a:fld>
             <a:endParaRPr lang="ru-RU"/>
           </a:p>
@@ -611,7 +1084,7 @@
           <a:lstStyle/>
           <a:p>
             <a:r>
-              <a:rPr lang="ru-RU" smtClean="0"/>
+              <a:rPr lang="ru-RU"/>
               <a:t>Образец заголовка</a:t>
             </a:r>
             <a:endParaRPr lang="en-US" dirty="0"/>
@@ -640,35 +1113,35 @@
           <a:p>
             <a:pPr lvl="0"/>
             <a:r>
-              <a:rPr lang="ru-RU" smtClean="0"/>
+              <a:rPr lang="ru-RU"/>
               <a:t>Образец текста</a:t>
             </a:r>
           </a:p>
           <a:p>
             <a:pPr lvl="1"/>
             <a:r>
-              <a:rPr lang="ru-RU" smtClean="0"/>
+              <a:rPr lang="ru-RU"/>
               <a:t>Второй уровень</a:t>
             </a:r>
           </a:p>
           <a:p>
             <a:pPr lvl="2"/>
             <a:r>
-              <a:rPr lang="ru-RU" smtClean="0"/>
+              <a:rPr lang="ru-RU"/>
               <a:t>Третий уровень</a:t>
             </a:r>
           </a:p>
           <a:p>
             <a:pPr lvl="3"/>
             <a:r>
-              <a:rPr lang="ru-RU" smtClean="0"/>
+              <a:rPr lang="ru-RU"/>
               <a:t>Четвертый уровень</a:t>
             </a:r>
           </a:p>
           <a:p>
             <a:pPr lvl="4"/>
             <a:r>
-              <a:rPr lang="ru-RU" smtClean="0"/>
+              <a:rPr lang="ru-RU"/>
               <a:t>Пятый уровень</a:t>
             </a:r>
             <a:endParaRPr lang="en-US" dirty="0"/>
@@ -692,7 +1165,7 @@
           <a:p>
             <a:fld id="{B4C71EC6-210F-42DE-9C53-41977AD35B3D}" type="datetimeFigureOut">
               <a:rPr lang="ru-RU" smtClean="0"/>
-              <a:t>01.02.2022</a:t>
+              <a:t>06.02.2022</a:t>
             </a:fld>
             <a:endParaRPr lang="ru-RU"/>
           </a:p>
@@ -781,7 +1254,7 @@
           <a:lstStyle/>
           <a:p>
             <a:r>
-              <a:rPr lang="ru-RU" smtClean="0"/>
+              <a:rPr lang="ru-RU"/>
               <a:t>Образец заголовка</a:t>
             </a:r>
             <a:endParaRPr lang="en-US"/>
@@ -805,35 +1278,35 @@
           <a:p>
             <a:pPr lvl="0"/>
             <a:r>
-              <a:rPr lang="ru-RU" smtClean="0"/>
+              <a:rPr lang="ru-RU"/>
               <a:t>Образец текста</a:t>
             </a:r>
           </a:p>
           <a:p>
             <a:pPr lvl="1"/>
             <a:r>
-              <a:rPr lang="ru-RU" smtClean="0"/>
+              <a:rPr lang="ru-RU"/>
               <a:t>Второй уровень</a:t>
             </a:r>
           </a:p>
           <a:p>
             <a:pPr lvl="2"/>
             <a:r>
-              <a:rPr lang="ru-RU" smtClean="0"/>
+              <a:rPr lang="ru-RU"/>
               <a:t>Третий уровень</a:t>
             </a:r>
           </a:p>
           <a:p>
             <a:pPr lvl="3"/>
             <a:r>
-              <a:rPr lang="ru-RU" smtClean="0"/>
+              <a:rPr lang="ru-RU"/>
               <a:t>Четвертый уровень</a:t>
             </a:r>
           </a:p>
           <a:p>
             <a:pPr lvl="4"/>
             <a:r>
-              <a:rPr lang="ru-RU" smtClean="0"/>
+              <a:rPr lang="ru-RU"/>
               <a:t>Пятый уровень</a:t>
             </a:r>
             <a:endParaRPr lang="en-US"/>
@@ -857,7 +1330,7 @@
           <a:p>
             <a:fld id="{B4C71EC6-210F-42DE-9C53-41977AD35B3D}" type="datetimeFigureOut">
               <a:rPr lang="ru-RU" smtClean="0"/>
-              <a:t>01.02.2022</a:t>
+              <a:t>06.02.2022</a:t>
             </a:fld>
             <a:endParaRPr lang="ru-RU"/>
           </a:p>
@@ -962,7 +1435,7 @@
           </a:lstStyle>
           <a:p>
             <a:r>
-              <a:rPr lang="ru-RU" smtClean="0"/>
+              <a:rPr lang="ru-RU"/>
               <a:t>Образец заголовка</a:t>
             </a:r>
             <a:endParaRPr lang="en-US" dirty="0"/>
@@ -1082,7 +1555,7 @@
           <a:p>
             <a:pPr lvl="0"/>
             <a:r>
-              <a:rPr lang="ru-RU" smtClean="0"/>
+              <a:rPr lang="ru-RU"/>
               <a:t>Образец текста</a:t>
             </a:r>
           </a:p>
@@ -1105,7 +1578,7 @@
           <a:p>
             <a:fld id="{B4C71EC6-210F-42DE-9C53-41977AD35B3D}" type="datetimeFigureOut">
               <a:rPr lang="ru-RU" smtClean="0"/>
-              <a:t>01.02.2022</a:t>
+              <a:t>06.02.2022</a:t>
             </a:fld>
             <a:endParaRPr lang="ru-RU"/>
           </a:p>
@@ -1229,7 +1702,7 @@
           <a:lstStyle/>
           <a:p>
             <a:r>
-              <a:rPr lang="ru-RU" smtClean="0"/>
+              <a:rPr lang="ru-RU"/>
               <a:t>Образец заголовка</a:t>
             </a:r>
             <a:endParaRPr lang="en-US"/>
@@ -1286,35 +1759,35 @@
           <a:p>
             <a:pPr lvl="0"/>
             <a:r>
-              <a:rPr lang="ru-RU" smtClean="0"/>
+              <a:rPr lang="ru-RU"/>
               <a:t>Образец текста</a:t>
             </a:r>
           </a:p>
           <a:p>
             <a:pPr lvl="1"/>
             <a:r>
-              <a:rPr lang="ru-RU" smtClean="0"/>
+              <a:rPr lang="ru-RU"/>
               <a:t>Второй уровень</a:t>
             </a:r>
           </a:p>
           <a:p>
             <a:pPr lvl="2"/>
             <a:r>
-              <a:rPr lang="ru-RU" smtClean="0"/>
+              <a:rPr lang="ru-RU"/>
               <a:t>Третий уровень</a:t>
             </a:r>
           </a:p>
           <a:p>
             <a:pPr lvl="3"/>
             <a:r>
-              <a:rPr lang="ru-RU" smtClean="0"/>
+              <a:rPr lang="ru-RU"/>
               <a:t>Четвертый уровень</a:t>
             </a:r>
           </a:p>
           <a:p>
             <a:pPr lvl="4"/>
             <a:r>
-              <a:rPr lang="ru-RU" smtClean="0"/>
+              <a:rPr lang="ru-RU"/>
               <a:t>Пятый уровень</a:t>
             </a:r>
             <a:endParaRPr lang="en-US" dirty="0"/>
@@ -1371,35 +1844,35 @@
           <a:p>
             <a:pPr lvl="0"/>
             <a:r>
-              <a:rPr lang="ru-RU" smtClean="0"/>
+              <a:rPr lang="ru-RU"/>
               <a:t>Образец текста</a:t>
             </a:r>
           </a:p>
           <a:p>
             <a:pPr lvl="1"/>
             <a:r>
-              <a:rPr lang="ru-RU" smtClean="0"/>
+              <a:rPr lang="ru-RU"/>
               <a:t>Второй уровень</a:t>
             </a:r>
           </a:p>
           <a:p>
             <a:pPr lvl="2"/>
             <a:r>
-              <a:rPr lang="ru-RU" smtClean="0"/>
+              <a:rPr lang="ru-RU"/>
               <a:t>Третий уровень</a:t>
             </a:r>
           </a:p>
           <a:p>
             <a:pPr lvl="3"/>
             <a:r>
-              <a:rPr lang="ru-RU" smtClean="0"/>
+              <a:rPr lang="ru-RU"/>
               <a:t>Четвертый уровень</a:t>
             </a:r>
           </a:p>
           <a:p>
             <a:pPr lvl="4"/>
             <a:r>
-              <a:rPr lang="ru-RU" smtClean="0"/>
+              <a:rPr lang="ru-RU"/>
               <a:t>Пятый уровень</a:t>
             </a:r>
             <a:endParaRPr lang="en-US" dirty="0"/>
@@ -1423,7 +1896,7 @@
           <a:p>
             <a:fld id="{B4C71EC6-210F-42DE-9C53-41977AD35B3D}" type="datetimeFigureOut">
               <a:rPr lang="ru-RU" smtClean="0"/>
-              <a:t>01.02.2022</a:t>
+              <a:t>06.02.2022</a:t>
             </a:fld>
             <a:endParaRPr lang="ru-RU"/>
           </a:p>
@@ -1516,7 +1989,7 @@
           </a:lstStyle>
           <a:p>
             <a:r>
-              <a:rPr lang="ru-RU" smtClean="0"/>
+              <a:rPr lang="ru-RU"/>
               <a:t>Образец заголовка</a:t>
             </a:r>
             <a:endParaRPr lang="en-US" dirty="0"/>
@@ -1605,7 +2078,7 @@
           <a:p>
             <a:pPr lvl="0"/>
             <a:r>
-              <a:rPr lang="ru-RU" smtClean="0"/>
+              <a:rPr lang="ru-RU"/>
               <a:t>Образец текста</a:t>
             </a:r>
           </a:p>
@@ -1661,35 +2134,35 @@
           <a:p>
             <a:pPr lvl="0"/>
             <a:r>
-              <a:rPr lang="ru-RU" smtClean="0"/>
+              <a:rPr lang="ru-RU"/>
               <a:t>Образец текста</a:t>
             </a:r>
           </a:p>
           <a:p>
             <a:pPr lvl="1"/>
             <a:r>
-              <a:rPr lang="ru-RU" smtClean="0"/>
+              <a:rPr lang="ru-RU"/>
               <a:t>Второй уровень</a:t>
             </a:r>
           </a:p>
           <a:p>
             <a:pPr lvl="2"/>
             <a:r>
-              <a:rPr lang="ru-RU" smtClean="0"/>
+              <a:rPr lang="ru-RU"/>
               <a:t>Третий уровень</a:t>
             </a:r>
           </a:p>
           <a:p>
             <a:pPr lvl="3"/>
             <a:r>
-              <a:rPr lang="ru-RU" smtClean="0"/>
+              <a:rPr lang="ru-RU"/>
               <a:t>Четвертый уровень</a:t>
             </a:r>
           </a:p>
           <a:p>
             <a:pPr lvl="4"/>
             <a:r>
-              <a:rPr lang="ru-RU" smtClean="0"/>
+              <a:rPr lang="ru-RU"/>
               <a:t>Пятый уровень</a:t>
             </a:r>
             <a:endParaRPr lang="en-US" dirty="0"/>
@@ -1781,7 +2254,7 @@
           <a:p>
             <a:pPr lvl="0"/>
             <a:r>
-              <a:rPr lang="ru-RU" smtClean="0"/>
+              <a:rPr lang="ru-RU"/>
               <a:t>Образец текста</a:t>
             </a:r>
           </a:p>
@@ -1837,35 +2310,35 @@
           <a:p>
             <a:pPr lvl="0"/>
             <a:r>
-              <a:rPr lang="ru-RU" smtClean="0"/>
+              <a:rPr lang="ru-RU"/>
               <a:t>Образец текста</a:t>
             </a:r>
           </a:p>
           <a:p>
             <a:pPr lvl="1"/>
             <a:r>
-              <a:rPr lang="ru-RU" smtClean="0"/>
+              <a:rPr lang="ru-RU"/>
               <a:t>Второй уровень</a:t>
             </a:r>
           </a:p>
           <a:p>
             <a:pPr lvl="2"/>
             <a:r>
-              <a:rPr lang="ru-RU" smtClean="0"/>
+              <a:rPr lang="ru-RU"/>
               <a:t>Третий уровень</a:t>
             </a:r>
           </a:p>
           <a:p>
             <a:pPr lvl="3"/>
             <a:r>
-              <a:rPr lang="ru-RU" smtClean="0"/>
+              <a:rPr lang="ru-RU"/>
               <a:t>Четвертый уровень</a:t>
             </a:r>
           </a:p>
           <a:p>
             <a:pPr lvl="4"/>
             <a:r>
-              <a:rPr lang="ru-RU" smtClean="0"/>
+              <a:rPr lang="ru-RU"/>
               <a:t>Пятый уровень</a:t>
             </a:r>
             <a:endParaRPr lang="en-US" dirty="0"/>
@@ -1889,7 +2362,7 @@
           <a:p>
             <a:fld id="{B4C71EC6-210F-42DE-9C53-41977AD35B3D}" type="datetimeFigureOut">
               <a:rPr lang="ru-RU" smtClean="0"/>
-              <a:t>01.02.2022</a:t>
+              <a:t>06.02.2022</a:t>
             </a:fld>
             <a:endParaRPr lang="ru-RU"/>
           </a:p>
@@ -2013,7 +2486,7 @@
           <a:lstStyle/>
           <a:p>
             <a:r>
-              <a:rPr lang="ru-RU" smtClean="0"/>
+              <a:rPr lang="ru-RU"/>
               <a:t>Образец заголовка</a:t>
             </a:r>
             <a:endParaRPr lang="en-US"/>
@@ -2037,7 +2510,7 @@
           <a:p>
             <a:fld id="{B4C71EC6-210F-42DE-9C53-41977AD35B3D}" type="datetimeFigureOut">
               <a:rPr lang="ru-RU" smtClean="0"/>
-              <a:t>01.02.2022</a:t>
+              <a:t>06.02.2022</a:t>
             </a:fld>
             <a:endParaRPr lang="ru-RU"/>
           </a:p>
@@ -2127,7 +2600,7 @@
           <a:p>
             <a:fld id="{B4C71EC6-210F-42DE-9C53-41977AD35B3D}" type="datetimeFigureOut">
               <a:rPr lang="ru-RU" smtClean="0"/>
-              <a:t>01.02.2022</a:t>
+              <a:t>06.02.2022</a:t>
             </a:fld>
             <a:endParaRPr lang="ru-RU"/>
           </a:p>
@@ -2227,7 +2700,7 @@
           </a:lstStyle>
           <a:p>
             <a:r>
-              <a:rPr lang="ru-RU" smtClean="0"/>
+              <a:rPr lang="ru-RU"/>
               <a:t>Образец заголовка</a:t>
             </a:r>
             <a:endParaRPr lang="en-US" dirty="0"/>
@@ -2284,35 +2757,35 @@
           <a:p>
             <a:pPr lvl="0"/>
             <a:r>
-              <a:rPr lang="ru-RU" smtClean="0"/>
+              <a:rPr lang="ru-RU"/>
               <a:t>Образец текста</a:t>
             </a:r>
           </a:p>
           <a:p>
             <a:pPr lvl="1"/>
             <a:r>
-              <a:rPr lang="ru-RU" smtClean="0"/>
+              <a:rPr lang="ru-RU"/>
               <a:t>Второй уровень</a:t>
             </a:r>
           </a:p>
           <a:p>
             <a:pPr lvl="2"/>
             <a:r>
-              <a:rPr lang="ru-RU" smtClean="0"/>
+              <a:rPr lang="ru-RU"/>
               <a:t>Третий уровень</a:t>
             </a:r>
           </a:p>
           <a:p>
             <a:pPr lvl="3"/>
             <a:r>
-              <a:rPr lang="ru-RU" smtClean="0"/>
+              <a:rPr lang="ru-RU"/>
               <a:t>Четвертый уровень</a:t>
             </a:r>
           </a:p>
           <a:p>
             <a:pPr lvl="4"/>
             <a:r>
-              <a:rPr lang="ru-RU" smtClean="0"/>
+              <a:rPr lang="ru-RU"/>
               <a:t>Пятый уровень</a:t>
             </a:r>
             <a:endParaRPr lang="en-US" dirty="0"/>
@@ -2378,7 +2851,7 @@
           <a:p>
             <a:pPr lvl="0"/>
             <a:r>
-              <a:rPr lang="ru-RU" smtClean="0"/>
+              <a:rPr lang="ru-RU"/>
               <a:t>Образец текста</a:t>
             </a:r>
           </a:p>
@@ -2401,7 +2874,7 @@
           <a:p>
             <a:fld id="{B4C71EC6-210F-42DE-9C53-41977AD35B3D}" type="datetimeFigureOut">
               <a:rPr lang="ru-RU" smtClean="0"/>
-              <a:t>01.02.2022</a:t>
+              <a:t>06.02.2022</a:t>
             </a:fld>
             <a:endParaRPr lang="ru-RU"/>
           </a:p>
@@ -2536,7 +3009,7 @@
           </a:lstStyle>
           <a:p>
             <a:r>
-              <a:rPr lang="ru-RU" smtClean="0"/>
+              <a:rPr lang="ru-RU"/>
               <a:t>Образец заголовка</a:t>
             </a:r>
             <a:endParaRPr lang="en-US" dirty="0"/>
@@ -2617,7 +3090,7 @@
           </a:lstStyle>
           <a:p>
             <a:r>
-              <a:rPr lang="ru-RU" smtClean="0"/>
+              <a:rPr lang="ru-RU"/>
               <a:t>Вставка рисунка</a:t>
             </a:r>
             <a:endParaRPr lang="en-US" dirty="0"/>
@@ -2683,7 +3156,7 @@
           <a:p>
             <a:pPr lvl="0"/>
             <a:r>
-              <a:rPr lang="ru-RU" smtClean="0"/>
+              <a:rPr lang="ru-RU"/>
               <a:t>Образец текста</a:t>
             </a:r>
           </a:p>
@@ -2706,7 +3179,7 @@
           <a:p>
             <a:fld id="{B4C71EC6-210F-42DE-9C53-41977AD35B3D}" type="datetimeFigureOut">
               <a:rPr lang="ru-RU" smtClean="0"/>
-              <a:t>01.02.2022</a:t>
+              <a:t>06.02.2022</a:t>
             </a:fld>
             <a:endParaRPr lang="ru-RU"/>
           </a:p>
@@ -2856,7 +3329,7 @@
           <a:lstStyle/>
           <a:p>
             <a:r>
-              <a:rPr lang="ru-RU" smtClean="0"/>
+              <a:rPr lang="ru-RU"/>
               <a:t>Образец заголовка</a:t>
             </a:r>
             <a:endParaRPr lang="en-US" dirty="0"/>
@@ -2890,35 +3363,35 @@
           <a:p>
             <a:pPr lvl="0"/>
             <a:r>
-              <a:rPr lang="ru-RU" smtClean="0"/>
+              <a:rPr lang="ru-RU"/>
               <a:t>Образец текста</a:t>
             </a:r>
           </a:p>
           <a:p>
             <a:pPr lvl="1"/>
             <a:r>
-              <a:rPr lang="ru-RU" smtClean="0"/>
+              <a:rPr lang="ru-RU"/>
               <a:t>Второй уровень</a:t>
             </a:r>
           </a:p>
           <a:p>
             <a:pPr lvl="2"/>
             <a:r>
-              <a:rPr lang="ru-RU" smtClean="0"/>
+              <a:rPr lang="ru-RU"/>
               <a:t>Третий уровень</a:t>
             </a:r>
           </a:p>
           <a:p>
             <a:pPr lvl="3"/>
             <a:r>
-              <a:rPr lang="ru-RU" smtClean="0"/>
+              <a:rPr lang="ru-RU"/>
               <a:t>Четвертый уровень</a:t>
             </a:r>
           </a:p>
           <a:p>
             <a:pPr lvl="4"/>
             <a:r>
-              <a:rPr lang="ru-RU" smtClean="0"/>
+              <a:rPr lang="ru-RU"/>
               <a:t>Пятый уровень</a:t>
             </a:r>
             <a:endParaRPr lang="en-US" dirty="0"/>
@@ -3004,7 +3477,7 @@
           <a:p>
             <a:fld id="{B4C71EC6-210F-42DE-9C53-41977AD35B3D}" type="datetimeFigureOut">
               <a:rPr lang="ru-RU" smtClean="0"/>
-              <a:t>01.02.2022</a:t>
+              <a:t>06.02.2022</a:t>
             </a:fld>
             <a:endParaRPr lang="ru-RU"/>
           </a:p>
@@ -3411,24 +3884,28 @@
             <p:ph type="ctrTitle"/>
           </p:nvPr>
         </p:nvSpPr>
-        <p:spPr/>
+        <p:spPr>
+          <a:xfrm>
+            <a:off x="647700" y="1573039"/>
+            <a:ext cx="7848600" cy="1093961"/>
+          </a:xfrm>
+        </p:spPr>
         <p:txBody>
           <a:bodyPr/>
           <a:lstStyle/>
           <a:p>
             <a:r>
-              <a:rPr lang="ru-RU" dirty="0" smtClean="0"/>
-              <a:t>Системы на кристалле (</a:t>
-            </a:r>
-            <a:r>
-              <a:rPr lang="ru-RU" dirty="0" err="1" smtClean="0"/>
-              <a:t>снк</a:t>
-            </a:r>
-            <a:r>
-              <a:rPr lang="ru-RU" dirty="0" smtClean="0"/>
-              <a:t>)</a:t>
-            </a:r>
-            <a:endParaRPr lang="ru-RU" dirty="0"/>
+              <a:rPr lang="ru-RU" sz="3200" dirty="0"/>
+              <a:t>Проектирование </a:t>
+            </a:r>
+            <a:r>
+              <a:rPr lang="ru-RU" sz="3200" dirty="0" err="1"/>
+              <a:t>Снк</a:t>
+            </a:r>
+            <a:r>
+              <a:rPr lang="ru-RU" sz="3200" dirty="0"/>
+              <a:t> с программируемой архитектурой</a:t>
+            </a:r>
           </a:p>
         </p:txBody>
       </p:sp>
@@ -3447,7 +3924,10 @@
           <a:bodyPr/>
           <a:lstStyle/>
           <a:p>
-            <a:endParaRPr lang="ru-RU" dirty="0"/>
+            <a:r>
+              <a:rPr lang="ru-RU" dirty="0"/>
+              <a:t>Лабораторная работа №1</a:t>
+            </a:r>
           </a:p>
         </p:txBody>
       </p:sp>
@@ -3461,13 +3941,6 @@
   <p:clrMapOvr>
     <a:masterClrMapping/>
   </p:clrMapOvr>
-  <p:timing>
-    <p:tnLst>
-      <p:par>
-        <p:cTn id="1" dur="indefinite" restart="never" nodeType="tmRoot"/>
-      </p:par>
-    </p:tnLst>
-  </p:timing>
 </p:sld>
 </file>
 
@@ -3498,176 +3971,447 @@
             <p:ph type="title"/>
           </p:nvPr>
         </p:nvSpPr>
-        <p:spPr/>
-        <p:txBody>
-          <a:bodyPr/>
-          <a:lstStyle/>
-          <a:p>
-            <a:r>
-              <a:rPr lang="ru-RU" dirty="0" smtClean="0"/>
-              <a:t>Описание интерфейса </a:t>
-            </a:r>
-            <a:r>
-              <a:rPr lang="en-US" dirty="0" smtClean="0"/>
-              <a:t>SPI </a:t>
-            </a:r>
-            <a:r>
-              <a:rPr lang="ru-RU" dirty="0" smtClean="0"/>
-              <a:t>на </a:t>
-            </a:r>
-            <a:r>
-              <a:rPr lang="en-US" dirty="0" smtClean="0"/>
-              <a:t>SV</a:t>
-            </a:r>
-            <a:endParaRPr lang="ru-RU" dirty="0"/>
-          </a:p>
-        </p:txBody>
-      </p:sp>
-      <p:sp>
-        <p:nvSpPr>
-          <p:cNvPr id="3" name="Объект 2"/>
-          <p:cNvSpPr>
-            <a:spLocks noGrp="1"/>
-          </p:cNvSpPr>
-          <p:nvPr>
-            <p:ph idx="1"/>
-          </p:nvPr>
-        </p:nvSpPr>
-        <p:spPr/>
+        <p:spPr>
+          <a:xfrm>
+            <a:off x="457200" y="533400"/>
+            <a:ext cx="8229600" cy="663352"/>
+          </a:xfrm>
+        </p:spPr>
         <p:txBody>
           <a:bodyPr>
-            <a:normAutofit fontScale="92500" lnSpcReduction="10000"/>
+            <a:normAutofit fontScale="90000"/>
           </a:bodyPr>
           <a:lstStyle/>
           <a:p>
             <a:r>
+              <a:rPr lang="ru-RU" dirty="0"/>
+              <a:t>Описание интерфейса </a:t>
+            </a:r>
+            <a:r>
               <a:rPr lang="en-US" dirty="0"/>
-              <a:t>`timescale 1ns/1ns</a:t>
-            </a:r>
-          </a:p>
-          <a:p>
-            <a:endParaRPr lang="en-US" dirty="0"/>
-          </a:p>
-          <a:p>
+              <a:t>SPI </a:t>
+            </a:r>
+            <a:r>
+              <a:rPr lang="ru-RU" dirty="0"/>
+              <a:t>на </a:t>
+            </a:r>
             <a:r>
               <a:rPr lang="en-US" dirty="0"/>
-              <a:t>interface SPI</a:t>
-            </a:r>
-          </a:p>
-          <a:p>
-            <a:r>
-              <a:rPr lang="en-US" dirty="0" smtClean="0"/>
-              <a:t>    (</a:t>
-            </a:r>
-            <a:r>
-              <a:rPr lang="en-US" dirty="0"/>
-              <a:t>	</a:t>
-            </a:r>
-          </a:p>
-          <a:p>
-            <a:r>
-              <a:rPr lang="en-US" dirty="0" smtClean="0"/>
-              <a:t>        input </a:t>
-            </a:r>
-            <a:r>
-              <a:rPr lang="en-US" dirty="0" err="1"/>
-              <a:t>clk</a:t>
-            </a:r>
-            <a:r>
-              <a:rPr lang="en-US" dirty="0"/>
+              <a:t>SV</a:t>
+            </a:r>
+            <a:endParaRPr lang="ru-RU" dirty="0"/>
+          </a:p>
+        </p:txBody>
+      </p:sp>
+      <p:sp>
+        <p:nvSpPr>
+          <p:cNvPr id="6" name="TextBox 5">
+            <a:extLst>
+              <a:ext uri="{FF2B5EF4-FFF2-40B4-BE49-F238E27FC236}">
+                <a16:creationId xmlns:a16="http://schemas.microsoft.com/office/drawing/2014/main" id="{087CE33E-9E53-4903-8DB4-D8BE2A63240A}"/>
+              </a:ext>
+            </a:extLst>
+          </p:cNvPr>
+          <p:cNvSpPr txBox="1"/>
+          <p:nvPr/>
+        </p:nvSpPr>
+        <p:spPr>
+          <a:xfrm>
+            <a:off x="457200" y="2780927"/>
+            <a:ext cx="3600400" cy="2862322"/>
+          </a:xfrm>
+          <a:prstGeom prst="rect">
+            <a:avLst/>
+          </a:prstGeom>
+          <a:noFill/>
+          <a:ln>
+            <a:solidFill>
+              <a:schemeClr val="tx1"/>
+            </a:solidFill>
+          </a:ln>
+        </p:spPr>
+        <p:txBody>
+          <a:bodyPr wrap="square" rtlCol="0">
+            <a:spAutoFit/>
+          </a:bodyPr>
+          <a:lstStyle/>
+          <a:p>
+            <a:pPr marL="324000">
+              <a:buFont typeface="+mj-lt"/>
+              <a:buAutoNum type="arabicPeriod"/>
+            </a:pPr>
+            <a:r>
+              <a:rPr lang="en-US" dirty="0">
+                <a:solidFill>
+                  <a:srgbClr val="002060"/>
+                </a:solidFill>
+              </a:rPr>
+              <a:t> module Slave(</a:t>
+            </a:r>
+          </a:p>
+          <a:p>
+            <a:pPr marL="324000">
+              <a:buFont typeface="+mj-lt"/>
+              <a:buAutoNum type="arabicPeriod"/>
+            </a:pPr>
+            <a:r>
+              <a:rPr lang="en-US" dirty="0">
+                <a:solidFill>
+                  <a:srgbClr val="002060"/>
+                </a:solidFill>
+              </a:rPr>
+              <a:t>            input   clk,</a:t>
+            </a:r>
+          </a:p>
+          <a:p>
+            <a:pPr marL="324000">
+              <a:buFont typeface="+mj-lt"/>
+              <a:buAutoNum type="arabicPeriod"/>
+            </a:pPr>
+            <a:r>
+              <a:rPr lang="en-US" dirty="0">
+                <a:solidFill>
+                  <a:srgbClr val="002060"/>
+                </a:solidFill>
+              </a:rPr>
+              <a:t>            input   </a:t>
+            </a:r>
+            <a:r>
+              <a:rPr lang="en-US" dirty="0" err="1">
+                <a:solidFill>
+                  <a:srgbClr val="002060"/>
+                </a:solidFill>
+              </a:rPr>
+              <a:t>mosi</a:t>
+            </a:r>
+            <a:r>
+              <a:rPr lang="en-US" dirty="0">
+                <a:solidFill>
+                  <a:srgbClr val="002060"/>
+                </a:solidFill>
+              </a:rPr>
               <a:t>,</a:t>
             </a:r>
           </a:p>
           <a:p>
-            <a:r>
-              <a:rPr lang="en-US" dirty="0" smtClean="0"/>
-              <a:t>        input </a:t>
-            </a:r>
-            <a:r>
-              <a:rPr lang="en-US" dirty="0" err="1"/>
-              <a:t>rst</a:t>
-            </a:r>
-            <a:endParaRPr lang="en-US" dirty="0"/>
-          </a:p>
-          <a:p>
-            <a:r>
-              <a:rPr lang="en-US" dirty="0" smtClean="0"/>
+            <a:pPr marL="324000">
+              <a:buFont typeface="+mj-lt"/>
+              <a:buAutoNum type="arabicPeriod"/>
+            </a:pPr>
+            <a:r>
+              <a:rPr lang="en-US" dirty="0">
+                <a:solidFill>
+                  <a:srgbClr val="002060"/>
+                </a:solidFill>
+              </a:rPr>
+              <a:t>            input   ss,</a:t>
+            </a:r>
+          </a:p>
+          <a:p>
+            <a:pPr marL="324000">
+              <a:buFont typeface="+mj-lt"/>
+              <a:buAutoNum type="arabicPeriod"/>
+            </a:pPr>
+            <a:r>
+              <a:rPr lang="en-US" dirty="0">
+                <a:solidFill>
+                  <a:srgbClr val="002060"/>
+                </a:solidFill>
+              </a:rPr>
+              <a:t>            output  miso</a:t>
+            </a:r>
+          </a:p>
+          <a:p>
+            <a:pPr marL="324000">
+              <a:buFont typeface="+mj-lt"/>
+              <a:buAutoNum type="arabicPeriod"/>
+            </a:pPr>
+            <a:r>
+              <a:rPr lang="en-US" dirty="0">
+                <a:solidFill>
+                  <a:srgbClr val="002060"/>
+                </a:solidFill>
+              </a:rPr>
               <a:t>    );</a:t>
             </a:r>
-            <a:endParaRPr lang="en-US" dirty="0"/>
-          </a:p>
-          <a:p>
-            <a:r>
-              <a:rPr lang="en-US" dirty="0"/>
-              <a:t>	</a:t>
-            </a:r>
-          </a:p>
-          <a:p>
-            <a:r>
-              <a:rPr lang="en-US" dirty="0" smtClean="0"/>
-              <a:t>    logic </a:t>
-            </a:r>
-            <a:r>
-              <a:rPr lang="en-US" dirty="0"/>
-              <a:t>MOSI;</a:t>
-            </a:r>
-          </a:p>
-          <a:p>
-            <a:r>
-              <a:rPr lang="en-US" dirty="0" smtClean="0"/>
-              <a:t>    logic </a:t>
-            </a:r>
-            <a:r>
-              <a:rPr lang="en-US" dirty="0"/>
-              <a:t>MISO;</a:t>
-            </a:r>
-          </a:p>
-          <a:p>
-            <a:r>
-              <a:rPr lang="en-US" dirty="0" smtClean="0"/>
-              <a:t>    logic </a:t>
-            </a:r>
-            <a:r>
-              <a:rPr lang="en-US" dirty="0"/>
-              <a:t>SS;</a:t>
-            </a:r>
-          </a:p>
-          <a:p>
-            <a:r>
-              <a:rPr lang="en-US" dirty="0"/>
-              <a:t>	</a:t>
-            </a:r>
-          </a:p>
-          <a:p>
-            <a:r>
-              <a:rPr lang="en-US" dirty="0" err="1"/>
-              <a:t>endinterface</a:t>
-            </a:r>
-            <a:r>
-              <a:rPr lang="en-US" dirty="0"/>
-              <a:t> : SPI</a:t>
+          </a:p>
+          <a:p>
+            <a:pPr marL="324000">
+              <a:buFont typeface="+mj-lt"/>
+              <a:buAutoNum type="arabicPeriod"/>
+            </a:pPr>
+            <a:r>
+              <a:rPr lang="en-US" dirty="0">
+                <a:solidFill>
+                  <a:srgbClr val="002060"/>
+                </a:solidFill>
+              </a:rPr>
+              <a:t> </a:t>
+            </a:r>
+          </a:p>
+          <a:p>
+            <a:pPr marL="324000">
+              <a:buFont typeface="+mj-lt"/>
+              <a:buAutoNum type="arabicPeriod"/>
+            </a:pPr>
+            <a:r>
+              <a:rPr lang="en-US" dirty="0">
+                <a:solidFill>
+                  <a:srgbClr val="002060"/>
+                </a:solidFill>
+              </a:rPr>
+              <a:t>    /* logic */</a:t>
+            </a:r>
+          </a:p>
+          <a:p>
+            <a:pPr marL="324000">
+              <a:buFont typeface="+mj-lt"/>
+              <a:buAutoNum type="arabicPeriod"/>
+            </a:pPr>
+            <a:r>
+              <a:rPr lang="en-US" dirty="0">
+                <a:solidFill>
+                  <a:srgbClr val="002060"/>
+                </a:solidFill>
+              </a:rPr>
+              <a:t>        </a:t>
+            </a:r>
+          </a:p>
+          <a:p>
+            <a:pPr marL="324000">
+              <a:buFont typeface="+mj-lt"/>
+              <a:buAutoNum type="arabicPeriod"/>
+            </a:pPr>
+            <a:r>
+              <a:rPr lang="en-US" dirty="0">
+                <a:solidFill>
+                  <a:srgbClr val="002060"/>
+                </a:solidFill>
+              </a:rPr>
+              <a:t>    endmodule : Slave</a:t>
             </a:r>
             <a:endParaRPr lang="ru-RU" dirty="0"/>
+          </a:p>
+        </p:txBody>
+      </p:sp>
+      <p:sp>
+        <p:nvSpPr>
+          <p:cNvPr id="7" name="TextBox 6">
+            <a:extLst>
+              <a:ext uri="{FF2B5EF4-FFF2-40B4-BE49-F238E27FC236}">
+                <a16:creationId xmlns:a16="http://schemas.microsoft.com/office/drawing/2014/main" id="{E76BDB79-6248-40B5-B19B-AA232E889C93}"/>
+              </a:ext>
+            </a:extLst>
+          </p:cNvPr>
+          <p:cNvSpPr txBox="1"/>
+          <p:nvPr/>
+        </p:nvSpPr>
+        <p:spPr>
+          <a:xfrm>
+            <a:off x="5220072" y="3196426"/>
+            <a:ext cx="3600400" cy="2031325"/>
+          </a:xfrm>
+          <a:prstGeom prst="rect">
+            <a:avLst/>
+          </a:prstGeom>
+          <a:noFill/>
+          <a:ln>
+            <a:solidFill>
+              <a:schemeClr val="tx1"/>
+            </a:solidFill>
+          </a:ln>
+        </p:spPr>
+        <p:txBody>
+          <a:bodyPr wrap="square" rtlCol="0">
+            <a:spAutoFit/>
+          </a:bodyPr>
+          <a:lstStyle/>
+          <a:p>
+            <a:pPr marL="324000">
+              <a:buFont typeface="+mj-lt"/>
+              <a:buAutoNum type="arabicPeriod"/>
+            </a:pPr>
+            <a:r>
+              <a:rPr lang="en-US" dirty="0">
+                <a:solidFill>
+                  <a:srgbClr val="002060"/>
+                </a:solidFill>
+              </a:rPr>
+              <a:t> module Slave(</a:t>
+            </a:r>
+          </a:p>
+          <a:p>
+            <a:pPr marL="324000">
+              <a:buFont typeface="+mj-lt"/>
+              <a:buAutoNum type="arabicPeriod"/>
+            </a:pPr>
+            <a:r>
+              <a:rPr lang="en-US" dirty="0">
+                <a:solidFill>
+                  <a:srgbClr val="002060"/>
+                </a:solidFill>
+              </a:rPr>
+              <a:t>            </a:t>
+            </a:r>
+            <a:r>
+              <a:rPr lang="en-US" dirty="0" err="1">
+                <a:solidFill>
+                  <a:srgbClr val="002060"/>
+                </a:solidFill>
+              </a:rPr>
+              <a:t>SPI_if</a:t>
+            </a:r>
+            <a:r>
+              <a:rPr lang="en-US" dirty="0">
+                <a:solidFill>
+                  <a:srgbClr val="002060"/>
+                </a:solidFill>
+              </a:rPr>
+              <a:t> </a:t>
+            </a:r>
+            <a:r>
+              <a:rPr lang="en-US" dirty="0" err="1">
+                <a:solidFill>
+                  <a:srgbClr val="002060"/>
+                </a:solidFill>
+              </a:rPr>
+              <a:t>spi</a:t>
+            </a:r>
+            <a:endParaRPr lang="en-US" dirty="0">
+              <a:solidFill>
+                <a:srgbClr val="002060"/>
+              </a:solidFill>
+            </a:endParaRPr>
+          </a:p>
+          <a:p>
+            <a:pPr marL="324000">
+              <a:buFont typeface="+mj-lt"/>
+              <a:buAutoNum type="arabicPeriod"/>
+            </a:pPr>
+            <a:r>
+              <a:rPr lang="en-US" dirty="0">
+                <a:solidFill>
+                  <a:srgbClr val="002060"/>
+                </a:solidFill>
+              </a:rPr>
+              <a:t>    );</a:t>
+            </a:r>
+          </a:p>
+          <a:p>
+            <a:pPr marL="324000">
+              <a:buFont typeface="+mj-lt"/>
+              <a:buAutoNum type="arabicPeriod"/>
+            </a:pPr>
+            <a:r>
+              <a:rPr lang="en-US" dirty="0">
+                <a:solidFill>
+                  <a:srgbClr val="002060"/>
+                </a:solidFill>
+              </a:rPr>
+              <a:t> </a:t>
+            </a:r>
+          </a:p>
+          <a:p>
+            <a:pPr marL="324000">
+              <a:buFont typeface="+mj-lt"/>
+              <a:buAutoNum type="arabicPeriod"/>
+            </a:pPr>
+            <a:r>
+              <a:rPr lang="en-US" dirty="0">
+                <a:solidFill>
+                  <a:srgbClr val="002060"/>
+                </a:solidFill>
+              </a:rPr>
+              <a:t>    /* logic */</a:t>
+            </a:r>
+          </a:p>
+          <a:p>
+            <a:pPr marL="324000">
+              <a:buFont typeface="+mj-lt"/>
+              <a:buAutoNum type="arabicPeriod"/>
+            </a:pPr>
+            <a:r>
+              <a:rPr lang="en-US" dirty="0">
+                <a:solidFill>
+                  <a:srgbClr val="002060"/>
+                </a:solidFill>
+              </a:rPr>
+              <a:t>        </a:t>
+            </a:r>
+          </a:p>
+          <a:p>
+            <a:pPr marL="324000">
+              <a:buFont typeface="+mj-lt"/>
+              <a:buAutoNum type="arabicPeriod"/>
+            </a:pPr>
+            <a:r>
+              <a:rPr lang="en-US" dirty="0">
+                <a:solidFill>
+                  <a:srgbClr val="002060"/>
+                </a:solidFill>
+              </a:rPr>
+              <a:t>    endmodule : Slave</a:t>
+            </a:r>
+            <a:endParaRPr lang="ru-RU" dirty="0"/>
+          </a:p>
+        </p:txBody>
+      </p:sp>
+      <p:sp>
+        <p:nvSpPr>
+          <p:cNvPr id="8" name="Стрелка: вправо 7">
+            <a:extLst>
+              <a:ext uri="{FF2B5EF4-FFF2-40B4-BE49-F238E27FC236}">
+                <a16:creationId xmlns:a16="http://schemas.microsoft.com/office/drawing/2014/main" id="{C158FCDE-021F-4641-8242-F03457A3435C}"/>
+              </a:ext>
+            </a:extLst>
+          </p:cNvPr>
+          <p:cNvSpPr/>
+          <p:nvPr/>
+        </p:nvSpPr>
+        <p:spPr>
+          <a:xfrm>
+            <a:off x="4328801" y="3933056"/>
+            <a:ext cx="658418" cy="663352"/>
+          </a:xfrm>
+          <a:prstGeom prst="rightArrow">
+            <a:avLst/>
+          </a:prstGeom>
+        </p:spPr>
+        <p:style>
+          <a:lnRef idx="2">
+            <a:schemeClr val="accent1">
+              <a:shade val="50000"/>
+            </a:schemeClr>
+          </a:lnRef>
+          <a:fillRef idx="1">
+            <a:schemeClr val="accent1"/>
+          </a:fillRef>
+          <a:effectRef idx="0">
+            <a:schemeClr val="accent1"/>
+          </a:effectRef>
+          <a:fontRef idx="minor">
+            <a:schemeClr val="lt1"/>
+          </a:fontRef>
+        </p:style>
+        <p:txBody>
+          <a:bodyPr rtlCol="0" anchor="ctr"/>
+          <a:lstStyle/>
+          <a:p>
+            <a:pPr algn="ctr"/>
+            <a:endParaRPr lang="ru-RU"/>
           </a:p>
         </p:txBody>
       </p:sp>
     </p:spTree>
     <p:extLst>
       <p:ext uri="{BB962C8B-B14F-4D97-AF65-F5344CB8AC3E}">
-        <p14:creationId xmlns:p14="http://schemas.microsoft.com/office/powerpoint/2010/main" val="3757627621"/>
+        <p14:creationId xmlns:p14="http://schemas.microsoft.com/office/powerpoint/2010/main" val="3509461050"/>
       </p:ext>
     </p:extLst>
   </p:cSld>
   <p:clrMapOvr>
     <a:masterClrMapping/>
   </p:clrMapOvr>
-  <p:timing>
-    <p:tnLst>
-      <p:par>
-        <p:cTn id="1" dur="indefinite" restart="never" nodeType="tmRoot"/>
-      </p:par>
-    </p:tnLst>
-  </p:timing>
 </p:sld>
 </file>
 
@@ -3690,177 +4434,518 @@
       </p:grpSpPr>
       <p:sp>
         <p:nvSpPr>
-          <p:cNvPr id="2" name="Заголовок 1"/>
+          <p:cNvPr id="8" name="Заголовок 1">
+            <a:extLst>
+              <a:ext uri="{FF2B5EF4-FFF2-40B4-BE49-F238E27FC236}">
+                <a16:creationId xmlns:a16="http://schemas.microsoft.com/office/drawing/2014/main" id="{A0702EFC-3890-4F7C-9277-E54B8A73B0F0}"/>
+              </a:ext>
+            </a:extLst>
+          </p:cNvPr>
           <p:cNvSpPr>
             <a:spLocks noGrp="1"/>
           </p:cNvSpPr>
           <p:nvPr>
             <p:ph type="title"/>
-          </p:nvPr>
-        </p:nvSpPr>
-        <p:spPr/>
-        <p:txBody>
-          <a:bodyPr/>
-          <a:lstStyle/>
-          <a:p>
-            <a:r>
-              <a:rPr lang="ru-RU" dirty="0" smtClean="0"/>
-              <a:t>Описание интерфейса </a:t>
-            </a:r>
-            <a:r>
-              <a:rPr lang="en-US" dirty="0" smtClean="0"/>
-              <a:t>SPI </a:t>
-            </a:r>
-            <a:r>
-              <a:rPr lang="ru-RU" dirty="0" smtClean="0"/>
-              <a:t>на </a:t>
-            </a:r>
-            <a:r>
-              <a:rPr lang="en-US" dirty="0" smtClean="0"/>
-              <a:t>SV</a:t>
-            </a:r>
-            <a:endParaRPr lang="ru-RU" dirty="0"/>
-          </a:p>
-        </p:txBody>
-      </p:sp>
-      <p:sp>
-        <p:nvSpPr>
-          <p:cNvPr id="3" name="Объект 2"/>
-          <p:cNvSpPr>
-            <a:spLocks noGrp="1"/>
-          </p:cNvSpPr>
-          <p:nvPr>
-            <p:ph idx="1"/>
           </p:nvPr>
         </p:nvSpPr>
         <p:spPr>
           <a:xfrm>
-            <a:off x="467544" y="1576536"/>
-            <a:ext cx="8229600" cy="4876800"/>
+            <a:off x="445244" y="620688"/>
+            <a:ext cx="8229600" cy="663352"/>
           </a:xfrm>
         </p:spPr>
         <p:txBody>
-          <a:bodyPr/>
+          <a:bodyPr>
+            <a:noAutofit/>
+          </a:bodyPr>
           <a:lstStyle/>
           <a:p>
             <a:r>
-              <a:rPr lang="en-US" dirty="0"/>
-              <a:t>`timescale 1ns/1ns</a:t>
-            </a:r>
-          </a:p>
-          <a:p>
-            <a:endParaRPr lang="ru-RU" dirty="0" smtClean="0"/>
-          </a:p>
-          <a:p>
-            <a:r>
-              <a:rPr lang="en-US" dirty="0"/>
-              <a:t>module Slave</a:t>
-            </a:r>
-          </a:p>
-          <a:p>
-            <a:r>
-              <a:rPr lang="en-US" dirty="0" smtClean="0"/>
-              <a:t>    (</a:t>
-            </a:r>
-            <a:endParaRPr lang="en-US" dirty="0"/>
-          </a:p>
-          <a:p>
-            <a:r>
-              <a:rPr lang="en-US" dirty="0" smtClean="0"/>
-              <a:t>        input</a:t>
-            </a:r>
-            <a:r>
-              <a:rPr lang="ru-RU" dirty="0" smtClean="0"/>
+              <a:rPr lang="ru-RU" sz="3600" dirty="0"/>
+              <a:t>Пример описания лог. выражения с использованием интерфейсов</a:t>
+            </a:r>
+          </a:p>
+        </p:txBody>
+      </p:sp>
+      <p:sp>
+        <p:nvSpPr>
+          <p:cNvPr id="11" name="TextBox 10">
+            <a:extLst>
+              <a:ext uri="{FF2B5EF4-FFF2-40B4-BE49-F238E27FC236}">
+                <a16:creationId xmlns:a16="http://schemas.microsoft.com/office/drawing/2014/main" id="{A68CE8C7-8854-4CDA-B81B-31929C82FE44}"/>
+              </a:ext>
+            </a:extLst>
+          </p:cNvPr>
+          <p:cNvSpPr txBox="1"/>
+          <p:nvPr/>
+        </p:nvSpPr>
+        <p:spPr>
+          <a:xfrm>
+            <a:off x="62931" y="1844824"/>
+            <a:ext cx="4464496" cy="3970318"/>
+          </a:xfrm>
+          <a:prstGeom prst="rect">
+            <a:avLst/>
+          </a:prstGeom>
+          <a:noFill/>
+          <a:ln>
+            <a:solidFill>
+              <a:schemeClr val="tx1"/>
+            </a:solidFill>
+          </a:ln>
+        </p:spPr>
+        <p:txBody>
+          <a:bodyPr wrap="square" rtlCol="0">
+            <a:spAutoFit/>
+          </a:bodyPr>
+          <a:lstStyle/>
+          <a:p>
+            <a:pPr marL="108000">
+              <a:buFont typeface="+mj-lt"/>
+              <a:buAutoNum type="arabicPeriod"/>
+            </a:pPr>
+            <a:r>
+              <a:rPr lang="ru-RU" sz="1400" dirty="0">
+                <a:solidFill>
+                  <a:srgbClr val="002060"/>
+                </a:solidFill>
+              </a:rPr>
+              <a:t>     </a:t>
+            </a:r>
+            <a:r>
+              <a:rPr lang="en-US" sz="1400" dirty="0">
+                <a:solidFill>
+                  <a:srgbClr val="002060"/>
+                </a:solidFill>
+              </a:rPr>
+              <a:t>logic [3:0]           cnt;</a:t>
+            </a:r>
+          </a:p>
+          <a:p>
+            <a:pPr marL="108000">
+              <a:buFont typeface="+mj-lt"/>
+              <a:buAutoNum type="arabicPeriod"/>
+            </a:pPr>
+            <a:r>
+              <a:rPr lang="en-US" sz="1400" dirty="0">
+                <a:solidFill>
+                  <a:srgbClr val="002060"/>
+                </a:solidFill>
+              </a:rPr>
+              <a:t>     logic [7:0]           mosi_pkg;</a:t>
+            </a:r>
+          </a:p>
+          <a:p>
+            <a:pPr marL="108000">
+              <a:buFont typeface="+mj-lt"/>
+              <a:buAutoNum type="arabicPeriod"/>
+            </a:pPr>
+            <a:r>
+              <a:rPr lang="en-US" sz="1400" dirty="0">
+                <a:solidFill>
+                  <a:srgbClr val="002060"/>
+                </a:solidFill>
+              </a:rPr>
+              <a:t>     logic [7:0]           miso_pkg;</a:t>
+            </a:r>
+          </a:p>
+          <a:p>
+            <a:pPr marL="108000">
+              <a:buFont typeface="+mj-lt"/>
+              <a:buAutoNum type="arabicPeriod"/>
+            </a:pPr>
+            <a:r>
+              <a:rPr lang="en-US" sz="1400" dirty="0">
+                <a:solidFill>
+                  <a:srgbClr val="002060"/>
+                </a:solidFill>
+              </a:rPr>
+              <a:t>     logic [3:0] [3:0]   memory;</a:t>
+            </a:r>
+          </a:p>
+          <a:p>
+            <a:pPr marL="108000">
+              <a:buFont typeface="+mj-lt"/>
+              <a:buAutoNum type="arabicPeriod"/>
+            </a:pPr>
+            <a:r>
+              <a:rPr lang="en-US" sz="1400" dirty="0">
+                <a:solidFill>
+                  <a:srgbClr val="002060"/>
+                </a:solidFill>
+              </a:rPr>
               <a:t> </a:t>
             </a:r>
-            <a:r>
-              <a:rPr lang="en-US" dirty="0" err="1" smtClean="0"/>
-              <a:t>clk</a:t>
-            </a:r>
-            <a:r>
-              <a:rPr lang="en-US" dirty="0"/>
-              <a:t>,</a:t>
-            </a:r>
-          </a:p>
-          <a:p>
-            <a:r>
-              <a:rPr lang="en-US" dirty="0" smtClean="0"/>
-              <a:t>        input</a:t>
-            </a:r>
-            <a:r>
-              <a:rPr lang="ru-RU" dirty="0" smtClean="0"/>
+          </a:p>
+          <a:p>
+            <a:pPr marL="108000">
+              <a:buFont typeface="+mj-lt"/>
+              <a:buAutoNum type="arabicPeriod"/>
+            </a:pPr>
+            <a:r>
+              <a:rPr lang="en-US" sz="1400" dirty="0">
+                <a:solidFill>
+                  <a:srgbClr val="002060"/>
+                </a:solidFill>
+              </a:rPr>
+              <a:t>    always_ff@(negedge spi.clk or negedge spi.rst)</a:t>
+            </a:r>
+          </a:p>
+          <a:p>
+            <a:pPr marL="108000">
+              <a:buFont typeface="+mj-lt"/>
+              <a:buAutoNum type="arabicPeriod"/>
+            </a:pPr>
+            <a:r>
+              <a:rPr lang="en-US" sz="1400" dirty="0">
+                <a:solidFill>
+                  <a:srgbClr val="002060"/>
+                </a:solidFill>
+              </a:rPr>
+              <a:t>    if (!spi.rst) </a:t>
+            </a:r>
+          </a:p>
+          <a:p>
+            <a:pPr marL="108000">
+              <a:buFont typeface="+mj-lt"/>
+              <a:buAutoNum type="arabicPeriod"/>
+            </a:pPr>
+            <a:r>
+              <a:rPr lang="en-US" sz="1400" dirty="0">
+                <a:solidFill>
+                  <a:srgbClr val="002060"/>
+                </a:solidFill>
+              </a:rPr>
+              <a:t>        cnt &lt;= 4'hF;</a:t>
+            </a:r>
+          </a:p>
+          <a:p>
+            <a:pPr marL="108000">
+              <a:buFont typeface="+mj-lt"/>
+              <a:buAutoNum type="arabicPeriod"/>
+            </a:pPr>
+            <a:r>
+              <a:rPr lang="en-US" sz="1400" dirty="0">
+                <a:solidFill>
+                  <a:srgbClr val="002060"/>
+                </a:solidFill>
+              </a:rPr>
+              <a:t>    else if ( cnt &lt;= 4'h7 ) </a:t>
+            </a:r>
+          </a:p>
+          <a:p>
+            <a:pPr marL="108000">
+              <a:buFont typeface="+mj-lt"/>
+              <a:buAutoNum type="arabicPeriod"/>
+            </a:pPr>
+            <a:r>
+              <a:rPr lang="en-US" sz="1400" dirty="0">
+                <a:solidFill>
+                  <a:srgbClr val="002060"/>
+                </a:solidFill>
+              </a:rPr>
+              <a:t>        cnt &lt;= cnt + 1;</a:t>
+            </a:r>
+          </a:p>
+          <a:p>
+            <a:pPr marL="108000">
+              <a:buFont typeface="+mj-lt"/>
+              <a:buAutoNum type="arabicPeriod"/>
+            </a:pPr>
+            <a:r>
+              <a:rPr lang="en-US" sz="1400" dirty="0">
+                <a:solidFill>
+                  <a:srgbClr val="002060"/>
+                </a:solidFill>
+              </a:rPr>
+              <a:t>    else</a:t>
+            </a:r>
+          </a:p>
+          <a:p>
+            <a:pPr marL="108000">
+              <a:buFont typeface="+mj-lt"/>
+              <a:buAutoNum type="arabicPeriod"/>
+            </a:pPr>
+            <a:r>
+              <a:rPr lang="en-US" sz="1400" dirty="0">
+                <a:solidFill>
+                  <a:srgbClr val="002060"/>
+                </a:solidFill>
+              </a:rPr>
+              <a:t>        cnt &lt;= 4’h0;</a:t>
+            </a:r>
+            <a:endParaRPr lang="ru-RU" sz="1400" dirty="0">
+              <a:solidFill>
+                <a:srgbClr val="002060"/>
+              </a:solidFill>
+            </a:endParaRPr>
+          </a:p>
+          <a:p>
+            <a:pPr marL="108000">
+              <a:buFont typeface="+mj-lt"/>
+              <a:buAutoNum type="arabicPeriod"/>
+            </a:pPr>
+            <a:r>
+              <a:rPr lang="ru-RU" sz="1400" dirty="0">
+                <a:solidFill>
+                  <a:srgbClr val="002060"/>
+                </a:solidFill>
+              </a:rPr>
               <a:t> </a:t>
             </a:r>
-            <a:r>
-              <a:rPr lang="en-US" dirty="0" err="1" smtClean="0"/>
-              <a:t>mosi</a:t>
-            </a:r>
-            <a:r>
-              <a:rPr lang="en-US" dirty="0" smtClean="0"/>
-              <a:t>,</a:t>
-            </a:r>
-            <a:endParaRPr lang="en-US" dirty="0"/>
-          </a:p>
-          <a:p>
-            <a:r>
-              <a:rPr lang="en-US" dirty="0" smtClean="0"/>
-              <a:t>        input </a:t>
-            </a:r>
-            <a:r>
-              <a:rPr lang="en-US" dirty="0" err="1"/>
-              <a:t>ss</a:t>
-            </a:r>
-            <a:r>
-              <a:rPr lang="en-US" dirty="0"/>
-              <a:t>,</a:t>
-            </a:r>
-          </a:p>
-          <a:p>
-            <a:r>
-              <a:rPr lang="en-US" dirty="0" smtClean="0"/>
-              <a:t>        output miso</a:t>
-            </a:r>
-            <a:endParaRPr lang="en-US" dirty="0"/>
-          </a:p>
-          <a:p>
-            <a:r>
-              <a:rPr lang="en-US" dirty="0" smtClean="0"/>
-              <a:t>    );</a:t>
-            </a:r>
-            <a:endParaRPr lang="en-US" dirty="0"/>
-          </a:p>
-          <a:p>
-            <a:r>
-              <a:rPr lang="en-US" dirty="0"/>
+          </a:p>
+          <a:p>
+            <a:pPr marL="108000">
+              <a:buFont typeface="+mj-lt"/>
+              <a:buAutoNum type="arabicPeriod"/>
+            </a:pPr>
+            <a:r>
+              <a:rPr lang="en-US" sz="1400" dirty="0">
+                <a:solidFill>
+                  <a:srgbClr val="002060"/>
+                </a:solidFill>
+              </a:rPr>
+              <a:t> always_ff @( posedge spi.clk or negedge spi.rst ) </a:t>
+            </a:r>
+          </a:p>
+          <a:p>
+            <a:pPr marL="108000">
+              <a:buFont typeface="+mj-lt"/>
+              <a:buAutoNum type="arabicPeriod"/>
+            </a:pPr>
+            <a:r>
+              <a:rPr lang="en-US" sz="1400" dirty="0">
+                <a:solidFill>
+                  <a:srgbClr val="002060"/>
+                </a:solidFill>
+              </a:rPr>
+              <a:t>    if(!spi.rst) </a:t>
+            </a:r>
+          </a:p>
+          <a:p>
+            <a:pPr marL="108000">
+              <a:buFont typeface="+mj-lt"/>
+              <a:buAutoNum type="arabicPeriod"/>
+            </a:pPr>
+            <a:r>
+              <a:rPr lang="en-US" sz="1400" dirty="0">
+                <a:solidFill>
+                  <a:srgbClr val="002060"/>
+                </a:solidFill>
+              </a:rPr>
+              <a:t>        mosi_pkg &lt;= 8'h00;</a:t>
+            </a:r>
+          </a:p>
+          <a:p>
+            <a:pPr marL="108000">
+              <a:buFont typeface="+mj-lt"/>
+              <a:buAutoNum type="arabicPeriod"/>
+            </a:pPr>
+            <a:r>
+              <a:rPr lang="en-US" sz="1400" dirty="0">
+                <a:solidFill>
+                  <a:srgbClr val="002060"/>
+                </a:solidFill>
+              </a:rPr>
+              <a:t>    else</a:t>
+            </a:r>
+          </a:p>
+          <a:p>
+            <a:pPr marL="108000">
+              <a:buFont typeface="+mj-lt"/>
+              <a:buAutoNum type="arabicPeriod"/>
+            </a:pPr>
+            <a:r>
+              <a:rPr lang="en-US" sz="1400" dirty="0">
+                <a:solidFill>
+                  <a:srgbClr val="002060"/>
+                </a:solidFill>
+              </a:rPr>
+              <a:t>        mosi_pkg &lt;= {mosi_pkg[6:0], spi.MOSI};</a:t>
+            </a:r>
+            <a:endParaRPr lang="ru-RU" sz="1400" dirty="0">
+              <a:solidFill>
+                <a:srgbClr val="002060"/>
+              </a:solidFill>
+            </a:endParaRPr>
+          </a:p>
+        </p:txBody>
+      </p:sp>
+      <p:sp>
+        <p:nvSpPr>
+          <p:cNvPr id="12" name="TextBox 11">
+            <a:extLst>
+              <a:ext uri="{FF2B5EF4-FFF2-40B4-BE49-F238E27FC236}">
+                <a16:creationId xmlns:a16="http://schemas.microsoft.com/office/drawing/2014/main" id="{0C6B2A46-C845-4C12-897D-D51E57E8A09A}"/>
+              </a:ext>
+            </a:extLst>
+          </p:cNvPr>
+          <p:cNvSpPr txBox="1"/>
+          <p:nvPr/>
+        </p:nvSpPr>
+        <p:spPr>
+          <a:xfrm>
+            <a:off x="4560044" y="2996952"/>
+            <a:ext cx="4536504" cy="2246769"/>
+          </a:xfrm>
+          <a:prstGeom prst="rect">
+            <a:avLst/>
+          </a:prstGeom>
+          <a:noFill/>
+          <a:ln>
+            <a:solidFill>
+              <a:schemeClr val="tx1"/>
+            </a:solidFill>
+          </a:ln>
+        </p:spPr>
+        <p:txBody>
+          <a:bodyPr wrap="square" rtlCol="0">
+            <a:spAutoFit/>
+          </a:bodyPr>
+          <a:lstStyle/>
+          <a:p>
+            <a:pPr marL="450900" indent="-342900">
+              <a:buFont typeface="+mj-lt"/>
+              <a:buAutoNum type="arabicPeriod" startAt="19"/>
+            </a:pPr>
+            <a:r>
+              <a:rPr lang="en-US" sz="1400" dirty="0">
+                <a:solidFill>
+                  <a:srgbClr val="002060"/>
+                </a:solidFill>
+              </a:rPr>
+              <a:t> always_ff @( negedge spi.clk or negedge spi.rst)</a:t>
+            </a:r>
+          </a:p>
+          <a:p>
+            <a:pPr marL="108000">
+              <a:buFont typeface="+mj-lt"/>
+              <a:buAutoNum type="arabicPeriod" startAt="19"/>
+            </a:pPr>
+            <a:r>
+              <a:rPr lang="en-US" sz="1400" dirty="0">
+                <a:solidFill>
+                  <a:srgbClr val="002060"/>
+                </a:solidFill>
+              </a:rPr>
+              <a:t>    if (spi.rst)</a:t>
+            </a:r>
+          </a:p>
+          <a:p>
+            <a:pPr marL="108000">
+              <a:buFont typeface="+mj-lt"/>
+              <a:buAutoNum type="arabicPeriod" startAt="19"/>
+            </a:pPr>
+            <a:r>
+              <a:rPr lang="en-US" sz="1400" dirty="0">
+                <a:solidFill>
+                  <a:srgbClr val="002060"/>
+                </a:solidFill>
+              </a:rPr>
+              <a:t>        miso_pkg &lt;= 8'h00;</a:t>
+            </a:r>
+          </a:p>
+          <a:p>
+            <a:pPr marL="108000">
+              <a:buFont typeface="+mj-lt"/>
+              <a:buAutoNum type="arabicPeriod" startAt="19"/>
+            </a:pPr>
+            <a:r>
+              <a:rPr lang="en-US" sz="1400" dirty="0">
+                <a:solidFill>
+                  <a:srgbClr val="002060"/>
+                </a:solidFill>
+              </a:rPr>
+              <a:t>    else if ( cnt == 4'h7 &amp;&amp; mosi_pkg[5] )</a:t>
+            </a:r>
+          </a:p>
+          <a:p>
+            <a:pPr marL="108000">
+              <a:buFont typeface="+mj-lt"/>
+              <a:buAutoNum type="arabicPeriod" startAt="19"/>
+            </a:pPr>
+            <a:r>
+              <a:rPr lang="en-US" sz="1400" dirty="0">
+                <a:solidFill>
+                  <a:srgbClr val="002060"/>
+                </a:solidFill>
+              </a:rPr>
+              <a:t>        miso_pkg &lt;= {mosi_pkg[7:4], memory[mosi_pkg[7:6]]};</a:t>
+            </a:r>
+          </a:p>
+          <a:p>
+            <a:pPr marL="108000">
+              <a:buFont typeface="+mj-lt"/>
+              <a:buAutoNum type="arabicPeriod" startAt="19"/>
+            </a:pPr>
+            <a:r>
+              <a:rPr lang="en-US" sz="1400" dirty="0">
+                <a:solidFill>
+                  <a:srgbClr val="002060"/>
+                </a:solidFill>
+              </a:rPr>
+              <a:t>    else</a:t>
+            </a:r>
+          </a:p>
+          <a:p>
+            <a:pPr marL="108000">
+              <a:buFont typeface="+mj-lt"/>
+              <a:buAutoNum type="arabicPeriod" startAt="19"/>
+            </a:pPr>
+            <a:r>
+              <a:rPr lang="en-US" sz="1400" dirty="0">
+                <a:solidFill>
+                  <a:srgbClr val="002060"/>
+                </a:solidFill>
+              </a:rPr>
+              <a:t>        miso_pkg &lt;= miso_pkg &lt;&lt; 1;</a:t>
+            </a:r>
+          </a:p>
+          <a:p>
+            <a:pPr marL="108000">
+              <a:buFont typeface="+mj-lt"/>
+              <a:buAutoNum type="arabicPeriod" startAt="19"/>
+            </a:pPr>
+            <a:r>
+              <a:rPr lang="en-US" sz="1400" dirty="0">
+                <a:solidFill>
+                  <a:srgbClr val="002060"/>
+                </a:solidFill>
+              </a:rPr>
               <a:t>	</a:t>
             </a:r>
           </a:p>
           <a:p>
-            <a:r>
-              <a:rPr lang="en-US" dirty="0" err="1"/>
-              <a:t>endmodule</a:t>
-            </a:r>
-            <a:endParaRPr lang="en-US" dirty="0"/>
+            <a:pPr marL="108000">
+              <a:buFont typeface="+mj-lt"/>
+              <a:buAutoNum type="arabicPeriod" startAt="19"/>
+            </a:pPr>
+            <a:r>
+              <a:rPr lang="en-US" sz="1400" dirty="0">
+                <a:solidFill>
+                  <a:srgbClr val="002060"/>
+                </a:solidFill>
+              </a:rPr>
+              <a:t>    always_comb spi.MISO = miso_pkg[7];</a:t>
+            </a:r>
+            <a:endParaRPr lang="ru-RU" sz="1400" dirty="0">
+              <a:solidFill>
+                <a:srgbClr val="002060"/>
+              </a:solidFill>
+            </a:endParaRPr>
           </a:p>
         </p:txBody>
       </p:sp>
     </p:spTree>
     <p:extLst>
       <p:ext uri="{BB962C8B-B14F-4D97-AF65-F5344CB8AC3E}">
-        <p14:creationId xmlns:p14="http://schemas.microsoft.com/office/powerpoint/2010/main" val="3509461050"/>
+        <p14:creationId xmlns:p14="http://schemas.microsoft.com/office/powerpoint/2010/main" val="3758250143"/>
       </p:ext>
     </p:extLst>
   </p:cSld>
   <p:clrMapOvr>
     <a:masterClrMapping/>
   </p:clrMapOvr>
-  <p:timing>
-    <p:tnLst>
-      <p:par>
-        <p:cTn id="1" dur="indefinite" restart="never" nodeType="tmRoot"/>
-      </p:par>
-    </p:tnLst>
-  </p:timing>
 </p:sld>
 </file>
 
@@ -3897,19 +4982,27 @@
           <a:lstStyle/>
           <a:p>
             <a:r>
-              <a:rPr lang="ru-RU" dirty="0" smtClean="0"/>
-              <a:t>Описание интерфейса </a:t>
-            </a:r>
-            <a:r>
-              <a:rPr lang="en-US" dirty="0" smtClean="0"/>
+              <a:rPr lang="ru-RU" dirty="0"/>
+              <a:t>Описание </a:t>
+            </a:r>
+            <a:r>
+              <a:rPr lang="en-US" dirty="0"/>
+              <a:t>TB</a:t>
+            </a:r>
+            <a:r>
+              <a:rPr lang="ru-RU" dirty="0"/>
+              <a:t> </a:t>
+            </a:r>
+            <a:r>
+              <a:rPr lang="en-US" dirty="0"/>
               <a:t>SPI </a:t>
             </a:r>
             <a:r>
-              <a:rPr lang="ru-RU" dirty="0" smtClean="0"/>
+              <a:rPr lang="ru-RU" dirty="0"/>
               <a:t>на </a:t>
             </a:r>
             <a:r>
-              <a:rPr lang="en-US" dirty="0" smtClean="0"/>
+              <a:rPr lang="en-US" dirty="0"/>
               <a:t>SV</a:t>
             </a:r>
             <a:endParaRPr lang="ru-RU" dirty="0"/>
@@ -3918,90 +5011,713 @@
       </p:sp>
       <p:sp>
         <p:nvSpPr>
-          <p:cNvPr id="3" name="Объект 2"/>
-          <p:cNvSpPr>
-            <a:spLocks noGrp="1"/>
-          </p:cNvSpPr>
-          <p:nvPr>
-            <p:ph idx="1"/>
-          </p:nvPr>
-        </p:nvSpPr>
-        <p:spPr/>
-        <p:txBody>
-          <a:bodyPr/>
+          <p:cNvPr id="6" name="TextBox 5">
+            <a:extLst>
+              <a:ext uri="{FF2B5EF4-FFF2-40B4-BE49-F238E27FC236}">
+                <a16:creationId xmlns:a16="http://schemas.microsoft.com/office/drawing/2014/main" id="{16A14F42-B925-4C14-AAE7-E9FA5F8F32F1}"/>
+              </a:ext>
+            </a:extLst>
+          </p:cNvPr>
+          <p:cNvSpPr txBox="1"/>
+          <p:nvPr/>
+        </p:nvSpPr>
+        <p:spPr>
+          <a:xfrm>
+            <a:off x="251520" y="1629647"/>
+            <a:ext cx="3898776" cy="4401205"/>
+          </a:xfrm>
+          <a:prstGeom prst="rect">
+            <a:avLst/>
+          </a:prstGeom>
+          <a:noFill/>
+          <a:ln>
+            <a:solidFill>
+              <a:schemeClr val="tx1"/>
+            </a:solidFill>
+          </a:ln>
+        </p:spPr>
+        <p:txBody>
+          <a:bodyPr wrap="square" rtlCol="0">
+            <a:spAutoFit/>
+          </a:bodyPr>
           <a:lstStyle/>
           <a:p>
-            <a:pPr marL="0" indent="0">
-              <a:buNone/>
-            </a:pPr>
-            <a:endParaRPr lang="ru-RU" dirty="0" smtClean="0"/>
-          </a:p>
-          <a:p>
-            <a:r>
-              <a:rPr lang="en-US" dirty="0"/>
-              <a:t>module Slave</a:t>
-            </a:r>
-          </a:p>
-          <a:p>
-            <a:r>
-              <a:rPr lang="en-US" dirty="0" smtClean="0"/>
-              <a:t>    (</a:t>
-            </a:r>
-            <a:endParaRPr lang="en-US" dirty="0"/>
-          </a:p>
-          <a:p>
-            <a:r>
-              <a:rPr lang="en-US" dirty="0" smtClean="0"/>
-              <a:t>        SPI </a:t>
-            </a:r>
-            <a:r>
-              <a:rPr lang="en-US" dirty="0" err="1"/>
-              <a:t>my_if</a:t>
-            </a:r>
-            <a:endParaRPr lang="en-US" dirty="0"/>
-          </a:p>
-          <a:p>
-            <a:r>
-              <a:rPr lang="en-US" dirty="0" smtClean="0"/>
+            <a:pPr marL="108000">
+              <a:buFont typeface="+mj-lt"/>
+              <a:buAutoNum type="arabicPeriod"/>
+            </a:pPr>
+            <a:r>
+              <a:rPr lang="en-US" sz="1400" dirty="0">
+                <a:solidFill>
+                  <a:srgbClr val="002060"/>
+                </a:solidFill>
+              </a:rPr>
+              <a:t>    module tb;</a:t>
+            </a:r>
+          </a:p>
+          <a:p>
+            <a:pPr marL="108000">
+              <a:buFont typeface="+mj-lt"/>
+              <a:buAutoNum type="arabicPeriod"/>
+            </a:pPr>
+            <a:r>
+              <a:rPr lang="en-US" sz="1400" dirty="0">
+                <a:solidFill>
+                  <a:srgbClr val="002060"/>
+                </a:solidFill>
+              </a:rPr>
+              <a:t>	</a:t>
+            </a:r>
+          </a:p>
+          <a:p>
+            <a:pPr marL="108000">
+              <a:buFont typeface="+mj-lt"/>
+              <a:buAutoNum type="arabicPeriod"/>
+            </a:pPr>
+            <a:r>
+              <a:rPr lang="en-US" sz="1400" dirty="0">
+                <a:solidFill>
+                  <a:srgbClr val="002060"/>
+                </a:solidFill>
+              </a:rPr>
+              <a:t>    logic       clk   = '0;</a:t>
+            </a:r>
+          </a:p>
+          <a:p>
+            <a:pPr marL="108000">
+              <a:buFont typeface="+mj-lt"/>
+              <a:buAutoNum type="arabicPeriod"/>
+            </a:pPr>
+            <a:r>
+              <a:rPr lang="en-US" sz="1400" dirty="0">
+                <a:solidFill>
+                  <a:srgbClr val="002060"/>
+                </a:solidFill>
+              </a:rPr>
+              <a:t>    logic       </a:t>
+            </a:r>
+            <a:r>
+              <a:rPr lang="en-US" sz="1400" dirty="0" err="1">
+                <a:solidFill>
+                  <a:srgbClr val="002060"/>
+                </a:solidFill>
+              </a:rPr>
+              <a:t>rstn</a:t>
+            </a:r>
+            <a:r>
+              <a:rPr lang="en-US" sz="1400" dirty="0">
+                <a:solidFill>
+                  <a:srgbClr val="002060"/>
+                </a:solidFill>
+              </a:rPr>
+              <a:t>  = '0;</a:t>
+            </a:r>
+          </a:p>
+          <a:p>
+            <a:pPr marL="108000">
+              <a:buFont typeface="+mj-lt"/>
+              <a:buAutoNum type="arabicPeriod"/>
+            </a:pPr>
+            <a:r>
+              <a:rPr lang="en-US" sz="1400" dirty="0">
+                <a:solidFill>
+                  <a:srgbClr val="002060"/>
+                </a:solidFill>
+              </a:rPr>
+              <a:t>    logic [7:0] mosi_pkg;</a:t>
+            </a:r>
+          </a:p>
+          <a:p>
+            <a:pPr marL="108000">
+              <a:buFont typeface="+mj-lt"/>
+              <a:buAutoNum type="arabicPeriod"/>
+            </a:pPr>
+            <a:r>
+              <a:rPr lang="en-US" sz="1400" dirty="0">
+                <a:solidFill>
+                  <a:srgbClr val="002060"/>
+                </a:solidFill>
+              </a:rPr>
+              <a:t>    logic [7:0] miso_pkg;</a:t>
+            </a:r>
+          </a:p>
+          <a:p>
+            <a:pPr marL="108000">
+              <a:buFont typeface="+mj-lt"/>
+              <a:buAutoNum type="arabicPeriod"/>
+            </a:pPr>
+            <a:r>
+              <a:rPr lang="en-US" sz="1400" dirty="0">
+                <a:solidFill>
+                  <a:srgbClr val="002060"/>
+                </a:solidFill>
+              </a:rPr>
+              <a:t>	</a:t>
+            </a:r>
+          </a:p>
+          <a:p>
+            <a:pPr marL="108000">
+              <a:buFont typeface="+mj-lt"/>
+              <a:buAutoNum type="arabicPeriod"/>
+            </a:pPr>
+            <a:r>
+              <a:rPr lang="en-US" sz="1400" dirty="0">
+                <a:solidFill>
+                  <a:srgbClr val="002060"/>
+                </a:solidFill>
+              </a:rPr>
+              <a:t>    SPI my_spi( clk, </a:t>
+            </a:r>
+            <a:r>
+              <a:rPr lang="en-US" sz="1400" dirty="0" err="1">
+                <a:solidFill>
+                  <a:srgbClr val="002060"/>
+                </a:solidFill>
+              </a:rPr>
+              <a:t>rstn</a:t>
+            </a:r>
+            <a:r>
+              <a:rPr lang="en-US" sz="1400" dirty="0">
+                <a:solidFill>
+                  <a:srgbClr val="002060"/>
+                </a:solidFill>
+              </a:rPr>
+              <a:t> );</a:t>
+            </a:r>
+          </a:p>
+          <a:p>
+            <a:pPr marL="108000">
+              <a:buFont typeface="+mj-lt"/>
+              <a:buAutoNum type="arabicPeriod"/>
+            </a:pPr>
+            <a:r>
+              <a:rPr lang="en-US" sz="1400" dirty="0">
+                <a:solidFill>
+                  <a:srgbClr val="002060"/>
+                </a:solidFill>
+              </a:rPr>
+              <a:t>    Slave </a:t>
+            </a:r>
+            <a:r>
+              <a:rPr lang="en-US" sz="1400" dirty="0" err="1">
+                <a:solidFill>
+                  <a:srgbClr val="002060"/>
+                </a:solidFill>
+              </a:rPr>
+              <a:t>udb_slave</a:t>
+            </a:r>
+            <a:r>
+              <a:rPr lang="en-US" sz="1400" dirty="0">
+                <a:solidFill>
+                  <a:srgbClr val="002060"/>
+                </a:solidFill>
+              </a:rPr>
+              <a:t>( </a:t>
+            </a:r>
+            <a:r>
+              <a:rPr lang="en-US" sz="1400" dirty="0" err="1">
+                <a:solidFill>
+                  <a:srgbClr val="002060"/>
+                </a:solidFill>
+              </a:rPr>
+              <a:t>my_spi</a:t>
+            </a:r>
+            <a:r>
+              <a:rPr lang="en-US" sz="1400" dirty="0">
+                <a:solidFill>
+                  <a:srgbClr val="002060"/>
+                </a:solidFill>
+              </a:rPr>
+              <a:t> );</a:t>
+            </a:r>
+          </a:p>
+          <a:p>
+            <a:pPr marL="108000">
+              <a:buFont typeface="+mj-lt"/>
+              <a:buAutoNum type="arabicPeriod"/>
+            </a:pPr>
+            <a:r>
+              <a:rPr lang="en-US" sz="1400" dirty="0">
+                <a:solidFill>
+                  <a:srgbClr val="002060"/>
+                </a:solidFill>
+              </a:rPr>
+              <a:t> </a:t>
+            </a:r>
+          </a:p>
+          <a:p>
+            <a:pPr marL="108000">
+              <a:buFont typeface="+mj-lt"/>
+              <a:buAutoNum type="arabicPeriod"/>
+            </a:pPr>
+            <a:r>
+              <a:rPr lang="en-US" sz="1400" dirty="0">
+                <a:solidFill>
+                  <a:srgbClr val="002060"/>
+                </a:solidFill>
+              </a:rPr>
+              <a:t>    initial begin</a:t>
+            </a:r>
+          </a:p>
+          <a:p>
+            <a:pPr marL="108000">
+              <a:buFont typeface="+mj-lt"/>
+              <a:buAutoNum type="arabicPeriod"/>
+            </a:pPr>
+            <a:r>
+              <a:rPr lang="en-US" sz="1400" dirty="0">
+                <a:solidFill>
+                  <a:srgbClr val="002060"/>
+                </a:solidFill>
+              </a:rPr>
+              <a:t>        #5ns;</a:t>
+            </a:r>
+          </a:p>
+          <a:p>
+            <a:pPr marL="108000">
+              <a:buFont typeface="+mj-lt"/>
+              <a:buAutoNum type="arabicPeriod"/>
+            </a:pPr>
+            <a:r>
+              <a:rPr lang="en-US" sz="1400" dirty="0">
+                <a:solidFill>
+                  <a:srgbClr val="002060"/>
+                </a:solidFill>
+              </a:rPr>
+              <a:t>        </a:t>
+            </a:r>
+            <a:r>
+              <a:rPr lang="en-US" sz="1400" dirty="0" err="1">
+                <a:solidFill>
+                  <a:srgbClr val="002060"/>
+                </a:solidFill>
+              </a:rPr>
+              <a:t>rstn</a:t>
+            </a:r>
+            <a:r>
+              <a:rPr lang="en-US" sz="1400" dirty="0">
+                <a:solidFill>
+                  <a:srgbClr val="002060"/>
+                </a:solidFill>
+              </a:rPr>
+              <a:t> = 1;</a:t>
+            </a:r>
+          </a:p>
+          <a:p>
+            <a:pPr marL="108000">
+              <a:buFont typeface="+mj-lt"/>
+              <a:buAutoNum type="arabicPeriod"/>
+            </a:pPr>
+            <a:r>
+              <a:rPr lang="en-US" sz="1400" dirty="0">
+                <a:solidFill>
+                  <a:srgbClr val="002060"/>
+                </a:solidFill>
+              </a:rPr>
+              <a:t>        spi_do( 2'b01, 1'b0, 1'b1, 4'b1011 );</a:t>
+            </a:r>
+          </a:p>
+          <a:p>
+            <a:pPr marL="108000">
+              <a:buFont typeface="+mj-lt"/>
+              <a:buAutoNum type="arabicPeriod"/>
+            </a:pPr>
+            <a:r>
+              <a:rPr lang="en-US" sz="1400" dirty="0">
+                <a:solidFill>
+                  <a:srgbClr val="002060"/>
+                </a:solidFill>
+              </a:rPr>
+              <a:t>        #15ns $stop;</a:t>
+            </a:r>
+          </a:p>
+          <a:p>
+            <a:pPr marL="108000">
+              <a:buFont typeface="+mj-lt"/>
+              <a:buAutoNum type="arabicPeriod"/>
+            </a:pPr>
+            <a:r>
+              <a:rPr lang="en-US" sz="1400" dirty="0">
+                <a:solidFill>
+                  <a:srgbClr val="002060"/>
+                </a:solidFill>
+              </a:rPr>
+              <a:t>    end</a:t>
+            </a:r>
+          </a:p>
+          <a:p>
+            <a:pPr marL="108000">
+              <a:buFont typeface="+mj-lt"/>
+              <a:buAutoNum type="arabicPeriod"/>
+            </a:pPr>
+            <a:r>
+              <a:rPr lang="en-US" sz="1400" dirty="0">
+                <a:solidFill>
+                  <a:srgbClr val="002060"/>
+                </a:solidFill>
+              </a:rPr>
+              <a:t> </a:t>
+            </a:r>
+          </a:p>
+          <a:p>
+            <a:pPr marL="108000">
+              <a:buFont typeface="+mj-lt"/>
+              <a:buAutoNum type="arabicPeriod"/>
+            </a:pPr>
+            <a:r>
+              <a:rPr lang="en-US" sz="1400" dirty="0">
+                <a:solidFill>
+                  <a:srgbClr val="002060"/>
+                </a:solidFill>
+              </a:rPr>
+              <a:t>    always #10ns clk = ~clk;</a:t>
+            </a:r>
+          </a:p>
+          <a:p>
+            <a:pPr marL="108000">
+              <a:buFont typeface="+mj-lt"/>
+              <a:buAutoNum type="arabicPeriod"/>
+            </a:pPr>
+            <a:r>
+              <a:rPr lang="en-US" sz="1400" dirty="0">
+                <a:solidFill>
+                  <a:srgbClr val="002060"/>
+                </a:solidFill>
+              </a:rPr>
+              <a:t> </a:t>
+            </a:r>
+          </a:p>
+          <a:p>
+            <a:pPr marL="108000">
+              <a:buFont typeface="+mj-lt"/>
+              <a:buAutoNum type="arabicPeriod"/>
+            </a:pPr>
+            <a:r>
+              <a:rPr lang="en-US" sz="1400" dirty="0">
+                <a:solidFill>
+                  <a:srgbClr val="002060"/>
+                </a:solidFill>
+              </a:rPr>
+              <a:t>    endmodule : tb</a:t>
+            </a:r>
+          </a:p>
+        </p:txBody>
+      </p:sp>
+      <p:sp>
+        <p:nvSpPr>
+          <p:cNvPr id="7" name="TextBox 6">
+            <a:extLst>
+              <a:ext uri="{FF2B5EF4-FFF2-40B4-BE49-F238E27FC236}">
+                <a16:creationId xmlns:a16="http://schemas.microsoft.com/office/drawing/2014/main" id="{DA44D499-E4FF-4B75-AEEA-F795CD895518}"/>
+              </a:ext>
+            </a:extLst>
+          </p:cNvPr>
+          <p:cNvSpPr txBox="1"/>
+          <p:nvPr/>
+        </p:nvSpPr>
+        <p:spPr>
+          <a:xfrm>
+            <a:off x="4800602" y="1737370"/>
+            <a:ext cx="3898776" cy="4185761"/>
+          </a:xfrm>
+          <a:prstGeom prst="rect">
+            <a:avLst/>
+          </a:prstGeom>
+          <a:noFill/>
+          <a:ln>
+            <a:solidFill>
+              <a:schemeClr val="tx1"/>
+            </a:solidFill>
+          </a:ln>
+        </p:spPr>
+        <p:txBody>
+          <a:bodyPr wrap="square" rtlCol="0">
+            <a:spAutoFit/>
+          </a:bodyPr>
+          <a:lstStyle/>
+          <a:p>
+            <a:pPr marL="108000">
+              <a:buFont typeface="+mj-lt"/>
+              <a:buAutoNum type="arabicPeriod"/>
+            </a:pPr>
+            <a:r>
+              <a:rPr lang="en-US" sz="1400" dirty="0">
+                <a:solidFill>
+                  <a:srgbClr val="002060"/>
+                </a:solidFill>
+              </a:rPr>
+              <a:t>   task spi_do ( </a:t>
+            </a:r>
+          </a:p>
+          <a:p>
+            <a:pPr marL="108000">
+              <a:buFont typeface="+mj-lt"/>
+              <a:buAutoNum type="arabicPeriod"/>
+            </a:pPr>
+            <a:r>
+              <a:rPr lang="en-US" sz="1400" dirty="0">
+                <a:solidFill>
+                  <a:srgbClr val="002060"/>
+                </a:solidFill>
+              </a:rPr>
+              <a:t>        input [1:0]	addr,</a:t>
+            </a:r>
+          </a:p>
+          <a:p>
+            <a:pPr marL="108000">
+              <a:buFont typeface="+mj-lt"/>
+              <a:buAutoNum type="arabicPeriod"/>
+            </a:pPr>
+            <a:r>
+              <a:rPr lang="en-US" sz="1400" dirty="0">
+                <a:solidFill>
+                  <a:srgbClr val="002060"/>
+                </a:solidFill>
+              </a:rPr>
+              <a:t>        input 	r,</a:t>
+            </a:r>
+          </a:p>
+          <a:p>
+            <a:pPr marL="108000">
+              <a:buFont typeface="+mj-lt"/>
+              <a:buAutoNum type="arabicPeriod"/>
+            </a:pPr>
+            <a:r>
+              <a:rPr lang="en-US" sz="1400" dirty="0">
+                <a:solidFill>
+                  <a:srgbClr val="002060"/>
+                </a:solidFill>
+              </a:rPr>
+              <a:t>        input 	w,</a:t>
+            </a:r>
+          </a:p>
+          <a:p>
+            <a:pPr marL="108000">
+              <a:buFont typeface="+mj-lt"/>
+              <a:buAutoNum type="arabicPeriod"/>
+            </a:pPr>
+            <a:r>
+              <a:rPr lang="en-US" sz="1400" dirty="0">
+                <a:solidFill>
+                  <a:srgbClr val="002060"/>
+                </a:solidFill>
+              </a:rPr>
+              <a:t>        input [3:0]        data</a:t>
+            </a:r>
+          </a:p>
+          <a:p>
+            <a:pPr marL="108000">
+              <a:buFont typeface="+mj-lt"/>
+              <a:buAutoNum type="arabicPeriod"/>
+            </a:pPr>
+            <a:r>
+              <a:rPr lang="en-US" sz="1400" dirty="0">
+                <a:solidFill>
+                  <a:srgbClr val="002060"/>
+                </a:solidFill>
+              </a:rPr>
               <a:t>    );</a:t>
             </a:r>
-            <a:endParaRPr lang="en-US" dirty="0"/>
-          </a:p>
-          <a:p>
-            <a:r>
-              <a:rPr lang="en-US" dirty="0"/>
-              <a:t>	</a:t>
-            </a:r>
-          </a:p>
-          <a:p>
-            <a:r>
-              <a:rPr lang="en-US" dirty="0" err="1"/>
-              <a:t>endmodule</a:t>
-            </a:r>
-            <a:r>
-              <a:rPr lang="en-US" dirty="0"/>
-              <a:t>	</a:t>
-            </a:r>
+          </a:p>
+          <a:p>
+            <a:pPr marL="108000">
+              <a:buFont typeface="+mj-lt"/>
+              <a:buAutoNum type="arabicPeriod"/>
+            </a:pPr>
+            <a:r>
+              <a:rPr lang="en-US" sz="1400" dirty="0">
+                <a:solidFill>
+                  <a:srgbClr val="002060"/>
+                </a:solidFill>
+              </a:rPr>
+              <a:t> </a:t>
+            </a:r>
+          </a:p>
+          <a:p>
+            <a:pPr marL="108000">
+              <a:buFont typeface="+mj-lt"/>
+              <a:buAutoNum type="arabicPeriod"/>
+            </a:pPr>
+            <a:r>
+              <a:rPr lang="en-US" sz="1400" dirty="0">
+                <a:solidFill>
+                  <a:srgbClr val="002060"/>
+                </a:solidFill>
+              </a:rPr>
+              <a:t>      logic [7:0] pkg;</a:t>
+            </a:r>
+          </a:p>
+          <a:p>
+            <a:pPr marL="108000">
+              <a:buFont typeface="+mj-lt"/>
+              <a:buAutoNum type="arabicPeriod"/>
+            </a:pPr>
+            <a:r>
+              <a:rPr lang="en-US" sz="1400" dirty="0">
+                <a:solidFill>
+                  <a:srgbClr val="002060"/>
+                </a:solidFill>
+              </a:rPr>
+              <a:t>      my_spi.SS	= 1;</a:t>
+            </a:r>
+          </a:p>
+          <a:p>
+            <a:pPr marL="108000">
+              <a:buFont typeface="+mj-lt"/>
+              <a:buAutoNum type="arabicPeriod"/>
+            </a:pPr>
+            <a:r>
+              <a:rPr lang="en-US" sz="1400" dirty="0">
+                <a:solidFill>
+                  <a:srgbClr val="002060"/>
+                </a:solidFill>
+              </a:rPr>
+              <a:t>    pkg		= {addr, r, w, data };</a:t>
+            </a:r>
+          </a:p>
+          <a:p>
+            <a:pPr marL="108000">
+              <a:buFont typeface="+mj-lt"/>
+              <a:buAutoNum type="arabicPeriod"/>
+            </a:pPr>
+            <a:r>
+              <a:rPr lang="en-US" sz="1400" dirty="0">
+                <a:solidFill>
+                  <a:srgbClr val="002060"/>
+                </a:solidFill>
+              </a:rPr>
+              <a:t>   </a:t>
+            </a:r>
+          </a:p>
+          <a:p>
+            <a:pPr marL="108000">
+              <a:buFont typeface="+mj-lt"/>
+              <a:buAutoNum type="arabicPeriod"/>
+            </a:pPr>
+            <a:r>
+              <a:rPr lang="en-US" sz="1400" dirty="0">
+                <a:solidFill>
+                  <a:srgbClr val="002060"/>
+                </a:solidFill>
+              </a:rPr>
+              <a:t>    assign my_spi.MOSI = pkg[7];</a:t>
+            </a:r>
+          </a:p>
+          <a:p>
+            <a:pPr marL="108000">
+              <a:buFont typeface="+mj-lt"/>
+              <a:buAutoNum type="arabicPeriod"/>
+            </a:pPr>
+            <a:r>
+              <a:rPr lang="en-US" sz="1400" dirty="0">
+                <a:solidFill>
+                  <a:srgbClr val="002060"/>
+                </a:solidFill>
+              </a:rPr>
+              <a:t>		</a:t>
+            </a:r>
+          </a:p>
+          <a:p>
+            <a:pPr marL="108000">
+              <a:buFont typeface="+mj-lt"/>
+              <a:buAutoNum type="arabicPeriod"/>
+            </a:pPr>
+            <a:r>
+              <a:rPr lang="en-US" sz="1400" dirty="0">
+                <a:solidFill>
+                  <a:srgbClr val="002060"/>
+                </a:solidFill>
+              </a:rPr>
+              <a:t>    repeat(8) @( negedge clk ) begin</a:t>
+            </a:r>
+          </a:p>
+          <a:p>
+            <a:pPr marL="108000">
+              <a:buFont typeface="+mj-lt"/>
+              <a:buAutoNum type="arabicPeriod"/>
+            </a:pPr>
+            <a:r>
+              <a:rPr lang="en-US" sz="1400" dirty="0">
+                <a:solidFill>
+                  <a:srgbClr val="002060"/>
+                </a:solidFill>
+              </a:rPr>
+              <a:t>        my_spi.MOSI = pkg[7];</a:t>
+            </a:r>
+          </a:p>
+          <a:p>
+            <a:pPr marL="108000">
+              <a:buFont typeface="+mj-lt"/>
+              <a:buAutoNum type="arabicPeriod"/>
+            </a:pPr>
+            <a:r>
+              <a:rPr lang="en-US" sz="1400" dirty="0">
+                <a:solidFill>
+                  <a:srgbClr val="002060"/>
+                </a:solidFill>
+              </a:rPr>
+              <a:t>        pkg 	   = pkg &lt;&lt; 1;</a:t>
+            </a:r>
+          </a:p>
+          <a:p>
+            <a:pPr marL="108000">
+              <a:buFont typeface="+mj-lt"/>
+              <a:buAutoNum type="arabicPeriod"/>
+            </a:pPr>
+            <a:r>
+              <a:rPr lang="en-US" sz="1400" dirty="0">
+                <a:solidFill>
+                  <a:srgbClr val="002060"/>
+                </a:solidFill>
+              </a:rPr>
+              <a:t>    end</a:t>
+            </a:r>
+          </a:p>
+          <a:p>
+            <a:pPr marL="108000">
+              <a:buFont typeface="+mj-lt"/>
+              <a:buAutoNum type="arabicPeriod"/>
+            </a:pPr>
+            <a:r>
+              <a:rPr lang="en-US" sz="1400" dirty="0">
+                <a:solidFill>
+                  <a:srgbClr val="002060"/>
+                </a:solidFill>
+              </a:rPr>
+              <a:t>		</a:t>
+            </a:r>
+          </a:p>
+          <a:p>
+            <a:pPr marL="108000">
+              <a:buFont typeface="+mj-lt"/>
+              <a:buAutoNum type="arabicPeriod"/>
+            </a:pPr>
+            <a:r>
+              <a:rPr lang="en-US" sz="1400" dirty="0">
+                <a:solidFill>
+                  <a:srgbClr val="002060"/>
+                </a:solidFill>
+              </a:rPr>
+              <a:t>    endtask</a:t>
+            </a:r>
+            <a:endParaRPr lang="ru-RU" sz="1400" dirty="0">
+              <a:solidFill>
+                <a:srgbClr val="002060"/>
+              </a:solidFill>
+            </a:endParaRPr>
           </a:p>
         </p:txBody>
       </p:sp>
     </p:spTree>
     <p:extLst>
       <p:ext uri="{BB962C8B-B14F-4D97-AF65-F5344CB8AC3E}">
-        <p14:creationId xmlns:p14="http://schemas.microsoft.com/office/powerpoint/2010/main" val="3048928099"/>
+        <p14:creationId xmlns:p14="http://schemas.microsoft.com/office/powerpoint/2010/main" val="764449564"/>
       </p:ext>
     </p:extLst>
   </p:cSld>
   <p:clrMapOvr>
     <a:masterClrMapping/>
   </p:clrMapOvr>
-  <p:timing>
-    <p:tnLst>
-      <p:par>
-        <p:cTn id="1" dur="indefinite" restart="never" nodeType="tmRoot"/>
-      </p:par>
-    </p:tnLst>
-  </p:timing>
 </p:sld>
 </file>
 
@@ -4038,1891 +5754,12 @@
           <a:lstStyle/>
           <a:p>
             <a:r>
-              <a:rPr lang="ru-RU" dirty="0" smtClean="0"/>
-              <a:t>Описание интерфейса </a:t>
-            </a:r>
-            <a:r>
-              <a:rPr lang="en-US" dirty="0" smtClean="0"/>
-              <a:t>SPI </a:t>
-            </a:r>
-            <a:r>
-              <a:rPr lang="ru-RU" dirty="0" smtClean="0"/>
-              <a:t>на </a:t>
-            </a:r>
-            <a:r>
-              <a:rPr lang="en-US" dirty="0" smtClean="0"/>
-              <a:t>SV</a:t>
-            </a:r>
-            <a:endParaRPr lang="ru-RU" dirty="0"/>
-          </a:p>
-        </p:txBody>
-      </p:sp>
-      <p:sp>
-        <p:nvSpPr>
-          <p:cNvPr id="3" name="Объект 2"/>
-          <p:cNvSpPr>
-            <a:spLocks noGrp="1"/>
-          </p:cNvSpPr>
-          <p:nvPr>
-            <p:ph idx="1"/>
-          </p:nvPr>
-        </p:nvSpPr>
-        <p:spPr/>
-        <p:txBody>
-          <a:bodyPr>
-            <a:normAutofit fontScale="92500" lnSpcReduction="10000"/>
-          </a:bodyPr>
-          <a:lstStyle/>
-          <a:p>
-            <a:r>
-              <a:rPr lang="en-US" dirty="0" smtClean="0"/>
-              <a:t>logic </a:t>
+              <a:rPr lang="ru-RU" dirty="0"/>
+              <a:t>Интерфейс </a:t>
             </a:r>
             <a:r>
               <a:rPr lang="en-US" dirty="0"/>
-              <a:t>[3:0]	</a:t>
-            </a:r>
-            <a:r>
-              <a:rPr lang="en-US" dirty="0" smtClean="0"/>
-              <a:t>  </a:t>
-            </a:r>
-            <a:r>
-              <a:rPr lang="en-US" dirty="0" err="1"/>
-              <a:t>cnt</a:t>
-            </a:r>
-            <a:r>
-              <a:rPr lang="en-US" dirty="0"/>
-              <a:t>;</a:t>
-            </a:r>
-          </a:p>
-          <a:p>
-            <a:r>
-              <a:rPr lang="en-US" dirty="0" smtClean="0"/>
-              <a:t>logic </a:t>
-            </a:r>
-            <a:r>
-              <a:rPr lang="en-US" dirty="0"/>
-              <a:t>[7:0] 	</a:t>
-            </a:r>
-            <a:r>
-              <a:rPr lang="en-US" dirty="0" smtClean="0"/>
-              <a:t>  </a:t>
-            </a:r>
-            <a:r>
-              <a:rPr lang="en-US" dirty="0" err="1"/>
-              <a:t>mosi_pkg</a:t>
-            </a:r>
-            <a:r>
-              <a:rPr lang="en-US" dirty="0"/>
-              <a:t>;</a:t>
-            </a:r>
-          </a:p>
-          <a:p>
-            <a:r>
-              <a:rPr lang="en-US" dirty="0" smtClean="0"/>
-              <a:t>logic </a:t>
-            </a:r>
-            <a:r>
-              <a:rPr lang="en-US" dirty="0"/>
-              <a:t>[7:0] 	 </a:t>
-            </a:r>
-            <a:r>
-              <a:rPr lang="en-US" dirty="0" smtClean="0"/>
-              <a:t> </a:t>
-            </a:r>
-            <a:r>
-              <a:rPr lang="en-US" dirty="0" err="1" smtClean="0"/>
-              <a:t>miso_pkg</a:t>
-            </a:r>
-            <a:r>
-              <a:rPr lang="en-US" dirty="0"/>
-              <a:t>;</a:t>
-            </a:r>
-          </a:p>
-          <a:p>
-            <a:r>
-              <a:rPr lang="en-US" dirty="0" smtClean="0"/>
-              <a:t>logic </a:t>
-            </a:r>
-            <a:r>
-              <a:rPr lang="en-US" dirty="0"/>
-              <a:t>[3:0][</a:t>
-            </a:r>
-            <a:r>
-              <a:rPr lang="en-US" dirty="0" smtClean="0"/>
-              <a:t>3:0</a:t>
-            </a:r>
-            <a:r>
-              <a:rPr lang="en-US" dirty="0"/>
-              <a:t>] memory</a:t>
-            </a:r>
-            <a:r>
-              <a:rPr lang="en-US" dirty="0" smtClean="0"/>
-              <a:t>;</a:t>
-            </a:r>
-          </a:p>
-          <a:p>
-            <a:endParaRPr lang="en-US" dirty="0"/>
-          </a:p>
-          <a:p>
-            <a:r>
-              <a:rPr lang="en-US" dirty="0" err="1" smtClean="0"/>
-              <a:t>always_ff</a:t>
-            </a:r>
-            <a:r>
-              <a:rPr lang="en-US" dirty="0" smtClean="0"/>
-              <a:t> </a:t>
-            </a:r>
-            <a:r>
-              <a:rPr lang="en-US" dirty="0"/>
-              <a:t>@( </a:t>
-            </a:r>
-            <a:r>
-              <a:rPr lang="en-US" dirty="0" err="1"/>
-              <a:t>negedge</a:t>
-            </a:r>
-            <a:r>
-              <a:rPr lang="en-US" dirty="0"/>
-              <a:t> </a:t>
-            </a:r>
-            <a:r>
-              <a:rPr lang="en-US" dirty="0" err="1"/>
-              <a:t>my_if.clk</a:t>
-            </a:r>
-            <a:r>
-              <a:rPr lang="en-US" dirty="0"/>
-              <a:t> or </a:t>
-            </a:r>
-            <a:r>
-              <a:rPr lang="en-US" dirty="0" err="1"/>
-              <a:t>negedge</a:t>
-            </a:r>
-            <a:r>
-              <a:rPr lang="en-US" dirty="0"/>
-              <a:t> </a:t>
-            </a:r>
-            <a:r>
-              <a:rPr lang="en-US" dirty="0" err="1"/>
-              <a:t>my_if.rst</a:t>
-            </a:r>
-            <a:r>
-              <a:rPr lang="en-US" dirty="0"/>
-              <a:t> ) begin</a:t>
-            </a:r>
-          </a:p>
-          <a:p>
-            <a:r>
-              <a:rPr lang="en-US" dirty="0" smtClean="0"/>
-              <a:t>    if </a:t>
-            </a:r>
-            <a:r>
-              <a:rPr lang="en-US" dirty="0"/>
-              <a:t>( ~</a:t>
-            </a:r>
-            <a:r>
-              <a:rPr lang="en-US" dirty="0" err="1"/>
-              <a:t>my_if.rst</a:t>
-            </a:r>
-            <a:r>
-              <a:rPr lang="en-US" dirty="0"/>
-              <a:t> ) </a:t>
-            </a:r>
-          </a:p>
-          <a:p>
-            <a:r>
-              <a:rPr lang="en-US" dirty="0" smtClean="0"/>
-              <a:t>        </a:t>
-            </a:r>
-            <a:r>
-              <a:rPr lang="en-US" dirty="0" err="1" smtClean="0"/>
-              <a:t>cnt</a:t>
-            </a:r>
-            <a:r>
-              <a:rPr lang="en-US" dirty="0" smtClean="0"/>
-              <a:t> </a:t>
-            </a:r>
-            <a:r>
-              <a:rPr lang="en-US" dirty="0"/>
-              <a:t>&lt;= 4'hF;</a:t>
-            </a:r>
-          </a:p>
-          <a:p>
-            <a:r>
-              <a:rPr lang="en-US" dirty="0" smtClean="0"/>
-              <a:t>    else </a:t>
-            </a:r>
-            <a:r>
-              <a:rPr lang="en-US" dirty="0"/>
-              <a:t>if ( </a:t>
-            </a:r>
-            <a:r>
-              <a:rPr lang="en-US" dirty="0" err="1"/>
-              <a:t>cnt</a:t>
-            </a:r>
-            <a:r>
-              <a:rPr lang="en-US" dirty="0"/>
-              <a:t> &lt; 4'h7 ) </a:t>
-            </a:r>
-          </a:p>
-          <a:p>
-            <a:r>
-              <a:rPr lang="en-US" dirty="0" smtClean="0"/>
-              <a:t>        </a:t>
-            </a:r>
-            <a:r>
-              <a:rPr lang="en-US" dirty="0" err="1" smtClean="0"/>
-              <a:t>cnt</a:t>
-            </a:r>
-            <a:r>
-              <a:rPr lang="en-US" dirty="0" smtClean="0"/>
-              <a:t> </a:t>
-            </a:r>
-            <a:r>
-              <a:rPr lang="en-US" dirty="0"/>
-              <a:t>&lt;= </a:t>
-            </a:r>
-            <a:r>
-              <a:rPr lang="en-US" dirty="0" err="1"/>
-              <a:t>cnt</a:t>
-            </a:r>
-            <a:r>
-              <a:rPr lang="en-US" dirty="0"/>
-              <a:t> + 1;</a:t>
-            </a:r>
-          </a:p>
-          <a:p>
-            <a:r>
-              <a:rPr lang="en-US" dirty="0" smtClean="0"/>
-              <a:t>    else</a:t>
-            </a:r>
-            <a:endParaRPr lang="en-US" dirty="0"/>
-          </a:p>
-          <a:p>
-            <a:r>
-              <a:rPr lang="en-US" dirty="0" smtClean="0"/>
-              <a:t>        </a:t>
-            </a:r>
-            <a:r>
-              <a:rPr lang="en-US" dirty="0" err="1" smtClean="0"/>
-              <a:t>cnt</a:t>
-            </a:r>
-            <a:r>
-              <a:rPr lang="en-US" dirty="0"/>
-              <a:t>	&lt;= 4'h0;</a:t>
-            </a:r>
-          </a:p>
-          <a:p>
-            <a:r>
-              <a:rPr lang="en-US" dirty="0" smtClean="0"/>
-              <a:t>end</a:t>
-            </a:r>
-            <a:endParaRPr lang="en-US" dirty="0"/>
-          </a:p>
-        </p:txBody>
-      </p:sp>
-    </p:spTree>
-    <p:extLst>
-      <p:ext uri="{BB962C8B-B14F-4D97-AF65-F5344CB8AC3E}">
-        <p14:creationId xmlns:p14="http://schemas.microsoft.com/office/powerpoint/2010/main" val="3758250143"/>
-      </p:ext>
-    </p:extLst>
-  </p:cSld>
-  <p:clrMapOvr>
-    <a:masterClrMapping/>
-  </p:clrMapOvr>
-  <p:timing>
-    <p:tnLst>
-      <p:par>
-        <p:cTn id="1" dur="indefinite" restart="never" nodeType="tmRoot"/>
-      </p:par>
-    </p:tnLst>
-  </p:timing>
-</p:sld>
-</file>
-
-<file path=ppt/slides/slide14.xml><?xml version="1.0" encoding="utf-8"?>
-<p:sld xmlns:a="http://schemas.openxmlformats.org/drawingml/2006/main" xmlns:r="http://schemas.openxmlformats.org/officeDocument/2006/relationships" xmlns:p="http://schemas.openxmlformats.org/presentationml/2006/main">
-  <p:cSld>
-    <p:spTree>
-      <p:nvGrpSpPr>
-        <p:cNvPr id="1" name=""/>
-        <p:cNvGrpSpPr/>
-        <p:nvPr/>
-      </p:nvGrpSpPr>
-      <p:grpSpPr>
-        <a:xfrm>
-          <a:off x="0" y="0"/>
-          <a:ext cx="0" cy="0"/>
-          <a:chOff x="0" y="0"/>
-          <a:chExt cx="0" cy="0"/>
-        </a:xfrm>
-      </p:grpSpPr>
-      <p:sp>
-        <p:nvSpPr>
-          <p:cNvPr id="2" name="Заголовок 1"/>
-          <p:cNvSpPr>
-            <a:spLocks noGrp="1"/>
-          </p:cNvSpPr>
-          <p:nvPr>
-            <p:ph type="title"/>
-          </p:nvPr>
-        </p:nvSpPr>
-        <p:spPr/>
-        <p:txBody>
-          <a:bodyPr/>
-          <a:lstStyle/>
-          <a:p>
-            <a:r>
-              <a:rPr lang="ru-RU" dirty="0" smtClean="0"/>
-              <a:t>Описание интерфейса </a:t>
-            </a:r>
-            <a:r>
-              <a:rPr lang="en-US" dirty="0" smtClean="0"/>
-              <a:t>SPI </a:t>
-            </a:r>
-            <a:r>
-              <a:rPr lang="ru-RU" dirty="0" smtClean="0"/>
-              <a:t>на </a:t>
-            </a:r>
-            <a:r>
-              <a:rPr lang="en-US" dirty="0" smtClean="0"/>
-              <a:t>SV</a:t>
-            </a:r>
-            <a:endParaRPr lang="ru-RU" dirty="0"/>
-          </a:p>
-        </p:txBody>
-      </p:sp>
-      <p:sp>
-        <p:nvSpPr>
-          <p:cNvPr id="3" name="Объект 2"/>
-          <p:cNvSpPr>
-            <a:spLocks noGrp="1"/>
-          </p:cNvSpPr>
-          <p:nvPr>
-            <p:ph idx="1"/>
-          </p:nvPr>
-        </p:nvSpPr>
-        <p:spPr/>
-        <p:txBody>
-          <a:bodyPr>
-            <a:normAutofit fontScale="92500" lnSpcReduction="10000"/>
-          </a:bodyPr>
-          <a:lstStyle/>
-          <a:p>
-            <a:r>
-              <a:rPr lang="en-US" dirty="0" err="1" smtClean="0"/>
-              <a:t>always_ff</a:t>
-            </a:r>
-            <a:r>
-              <a:rPr lang="en-US" dirty="0" smtClean="0"/>
-              <a:t> </a:t>
-            </a:r>
-            <a:r>
-              <a:rPr lang="en-US" dirty="0"/>
-              <a:t>@( </a:t>
-            </a:r>
-            <a:r>
-              <a:rPr lang="en-US" dirty="0" err="1"/>
-              <a:t>posedge</a:t>
-            </a:r>
-            <a:r>
-              <a:rPr lang="en-US" dirty="0"/>
-              <a:t> </a:t>
-            </a:r>
-            <a:r>
-              <a:rPr lang="en-US" dirty="0" err="1"/>
-              <a:t>my_if.clk</a:t>
-            </a:r>
-            <a:r>
-              <a:rPr lang="en-US" dirty="0"/>
-              <a:t> or </a:t>
-            </a:r>
-            <a:r>
-              <a:rPr lang="en-US" dirty="0" err="1"/>
-              <a:t>negedge</a:t>
-            </a:r>
-            <a:r>
-              <a:rPr lang="en-US" dirty="0"/>
-              <a:t> </a:t>
-            </a:r>
-            <a:r>
-              <a:rPr lang="en-US" dirty="0" err="1"/>
-              <a:t>my_if.rst</a:t>
-            </a:r>
-            <a:r>
-              <a:rPr lang="en-US" dirty="0"/>
-              <a:t> ) begin</a:t>
-            </a:r>
-          </a:p>
-          <a:p>
-            <a:r>
-              <a:rPr lang="en-US" dirty="0" smtClean="0"/>
-              <a:t>    if </a:t>
-            </a:r>
-            <a:r>
-              <a:rPr lang="en-US" dirty="0"/>
-              <a:t>( ~</a:t>
-            </a:r>
-            <a:r>
-              <a:rPr lang="en-US" dirty="0" err="1"/>
-              <a:t>my_if.rst</a:t>
-            </a:r>
-            <a:r>
-              <a:rPr lang="en-US" dirty="0"/>
-              <a:t> ) </a:t>
-            </a:r>
-          </a:p>
-          <a:p>
-            <a:r>
-              <a:rPr lang="en-US" dirty="0" smtClean="0"/>
-              <a:t>        </a:t>
-            </a:r>
-            <a:r>
-              <a:rPr lang="en-US" dirty="0" err="1" smtClean="0"/>
-              <a:t>mosi_pkg</a:t>
-            </a:r>
-            <a:r>
-              <a:rPr lang="en-US" dirty="0" smtClean="0"/>
-              <a:t> </a:t>
-            </a:r>
-            <a:r>
-              <a:rPr lang="en-US" dirty="0"/>
-              <a:t>&lt;= 8'h00;</a:t>
-            </a:r>
-          </a:p>
-          <a:p>
-            <a:r>
-              <a:rPr lang="en-US" dirty="0" smtClean="0"/>
-              <a:t>    else</a:t>
-            </a:r>
-            <a:endParaRPr lang="en-US" dirty="0"/>
-          </a:p>
-          <a:p>
-            <a:r>
-              <a:rPr lang="en-US" dirty="0" smtClean="0"/>
-              <a:t>        </a:t>
-            </a:r>
-            <a:r>
-              <a:rPr lang="en-US" dirty="0" err="1" smtClean="0"/>
-              <a:t>mosi_pkg</a:t>
-            </a:r>
-            <a:r>
-              <a:rPr lang="en-US" dirty="0" smtClean="0"/>
-              <a:t> </a:t>
-            </a:r>
-            <a:r>
-              <a:rPr lang="en-US" dirty="0"/>
-              <a:t>&lt;= { </a:t>
-            </a:r>
-            <a:r>
-              <a:rPr lang="en-US" dirty="0" err="1"/>
-              <a:t>mosi_pkg</a:t>
-            </a:r>
-            <a:r>
-              <a:rPr lang="en-US" dirty="0"/>
-              <a:t>[6:0], </a:t>
-            </a:r>
-            <a:r>
-              <a:rPr lang="en-US" dirty="0" err="1"/>
-              <a:t>my_if.MOSI</a:t>
-            </a:r>
-            <a:r>
-              <a:rPr lang="en-US" dirty="0"/>
-              <a:t> };</a:t>
-            </a:r>
-          </a:p>
-          <a:p>
-            <a:r>
-              <a:rPr lang="en-US" dirty="0" smtClean="0"/>
-              <a:t>end</a:t>
-            </a:r>
-            <a:endParaRPr lang="en-US" dirty="0"/>
-          </a:p>
-          <a:p>
-            <a:r>
-              <a:rPr lang="en-US" dirty="0"/>
-              <a:t>	</a:t>
-            </a:r>
-          </a:p>
-          <a:p>
-            <a:r>
-              <a:rPr lang="en-US" dirty="0" err="1" smtClean="0"/>
-              <a:t>always_ff</a:t>
-            </a:r>
-            <a:r>
-              <a:rPr lang="en-US" dirty="0" smtClean="0"/>
-              <a:t> </a:t>
-            </a:r>
-            <a:r>
-              <a:rPr lang="en-US" dirty="0"/>
-              <a:t>@( </a:t>
-            </a:r>
-            <a:r>
-              <a:rPr lang="en-US" dirty="0" err="1"/>
-              <a:t>posedge</a:t>
-            </a:r>
-            <a:r>
-              <a:rPr lang="en-US" dirty="0"/>
-              <a:t> </a:t>
-            </a:r>
-            <a:r>
-              <a:rPr lang="en-US" dirty="0" err="1"/>
-              <a:t>my_if.clk</a:t>
-            </a:r>
-            <a:r>
-              <a:rPr lang="en-US" dirty="0"/>
-              <a:t> or </a:t>
-            </a:r>
-            <a:r>
-              <a:rPr lang="en-US" dirty="0" err="1"/>
-              <a:t>negedge</a:t>
-            </a:r>
-            <a:r>
-              <a:rPr lang="en-US" dirty="0"/>
-              <a:t> </a:t>
-            </a:r>
-            <a:r>
-              <a:rPr lang="en-US" dirty="0" err="1"/>
-              <a:t>my_if.rst</a:t>
-            </a:r>
-            <a:r>
-              <a:rPr lang="en-US" dirty="0"/>
-              <a:t> ) begin</a:t>
-            </a:r>
-          </a:p>
-          <a:p>
-            <a:r>
-              <a:rPr lang="en-US" dirty="0" smtClean="0"/>
-              <a:t>    if </a:t>
-            </a:r>
-            <a:r>
-              <a:rPr lang="en-US" dirty="0"/>
-              <a:t>( ~</a:t>
-            </a:r>
-            <a:r>
-              <a:rPr lang="en-US" dirty="0" err="1"/>
-              <a:t>my_if.rst</a:t>
-            </a:r>
-            <a:r>
-              <a:rPr lang="en-US" dirty="0"/>
-              <a:t> )</a:t>
-            </a:r>
-          </a:p>
-          <a:p>
-            <a:r>
-              <a:rPr lang="en-US" dirty="0" smtClean="0"/>
-              <a:t>        memory </a:t>
-            </a:r>
-            <a:r>
-              <a:rPr lang="en-US" dirty="0"/>
-              <a:t>&lt;= 0;</a:t>
-            </a:r>
-          </a:p>
-          <a:p>
-            <a:r>
-              <a:rPr lang="en-US" dirty="0" smtClean="0"/>
-              <a:t>    else </a:t>
-            </a:r>
-            <a:r>
-              <a:rPr lang="en-US" dirty="0"/>
-              <a:t>if ( </a:t>
-            </a:r>
-            <a:r>
-              <a:rPr lang="en-US" dirty="0" err="1"/>
-              <a:t>cnt</a:t>
-            </a:r>
-            <a:r>
-              <a:rPr lang="en-US" dirty="0"/>
-              <a:t> == 4'h7 &amp;&amp; </a:t>
-            </a:r>
-            <a:r>
-              <a:rPr lang="en-US" dirty="0" err="1"/>
-              <a:t>mosi_pkg</a:t>
-            </a:r>
-            <a:r>
-              <a:rPr lang="en-US" dirty="0"/>
-              <a:t>[4] )</a:t>
-            </a:r>
-          </a:p>
-          <a:p>
-            <a:r>
-              <a:rPr lang="en-US" dirty="0" smtClean="0"/>
-              <a:t>        memory[</a:t>
-            </a:r>
-            <a:r>
-              <a:rPr lang="en-US" dirty="0" err="1" smtClean="0"/>
-              <a:t>mosi_pkg</a:t>
-            </a:r>
-            <a:r>
-              <a:rPr lang="en-US" dirty="0" smtClean="0"/>
-              <a:t>[7:6</a:t>
-            </a:r>
-            <a:r>
-              <a:rPr lang="en-US" dirty="0"/>
-              <a:t>]] &lt;= </a:t>
-            </a:r>
-            <a:r>
-              <a:rPr lang="en-US" dirty="0" err="1"/>
-              <a:t>mosi_pkg</a:t>
-            </a:r>
-            <a:r>
-              <a:rPr lang="en-US" dirty="0"/>
-              <a:t>[3:0];</a:t>
-            </a:r>
-          </a:p>
-          <a:p>
-            <a:r>
-              <a:rPr lang="en-US" dirty="0" smtClean="0"/>
-              <a:t>end</a:t>
-            </a:r>
-            <a:endParaRPr lang="en-US" dirty="0"/>
-          </a:p>
-        </p:txBody>
-      </p:sp>
-    </p:spTree>
-    <p:extLst>
-      <p:ext uri="{BB962C8B-B14F-4D97-AF65-F5344CB8AC3E}">
-        <p14:creationId xmlns:p14="http://schemas.microsoft.com/office/powerpoint/2010/main" val="216476226"/>
-      </p:ext>
-    </p:extLst>
-  </p:cSld>
-  <p:clrMapOvr>
-    <a:masterClrMapping/>
-  </p:clrMapOvr>
-  <p:timing>
-    <p:tnLst>
-      <p:par>
-        <p:cTn id="1" dur="indefinite" restart="never" nodeType="tmRoot"/>
-      </p:par>
-    </p:tnLst>
-  </p:timing>
-</p:sld>
-</file>
-
-<file path=ppt/slides/slide15.xml><?xml version="1.0" encoding="utf-8"?>
-<p:sld xmlns:a="http://schemas.openxmlformats.org/drawingml/2006/main" xmlns:r="http://schemas.openxmlformats.org/officeDocument/2006/relationships" xmlns:p="http://schemas.openxmlformats.org/presentationml/2006/main">
-  <p:cSld>
-    <p:spTree>
-      <p:nvGrpSpPr>
-        <p:cNvPr id="1" name=""/>
-        <p:cNvGrpSpPr/>
-        <p:nvPr/>
-      </p:nvGrpSpPr>
-      <p:grpSpPr>
-        <a:xfrm>
-          <a:off x="0" y="0"/>
-          <a:ext cx="0" cy="0"/>
-          <a:chOff x="0" y="0"/>
-          <a:chExt cx="0" cy="0"/>
-        </a:xfrm>
-      </p:grpSpPr>
-      <p:sp>
-        <p:nvSpPr>
-          <p:cNvPr id="2" name="Заголовок 1"/>
-          <p:cNvSpPr>
-            <a:spLocks noGrp="1"/>
-          </p:cNvSpPr>
-          <p:nvPr>
-            <p:ph type="title"/>
-          </p:nvPr>
-        </p:nvSpPr>
-        <p:spPr/>
-        <p:txBody>
-          <a:bodyPr/>
-          <a:lstStyle/>
-          <a:p>
-            <a:r>
-              <a:rPr lang="ru-RU" dirty="0" smtClean="0"/>
-              <a:t>Описание интерфейса </a:t>
-            </a:r>
-            <a:r>
-              <a:rPr lang="en-US" dirty="0" smtClean="0"/>
-              <a:t>SPI </a:t>
-            </a:r>
-            <a:r>
-              <a:rPr lang="ru-RU" dirty="0" smtClean="0"/>
-              <a:t>на </a:t>
-            </a:r>
-            <a:r>
-              <a:rPr lang="en-US" dirty="0" smtClean="0"/>
-              <a:t>SV</a:t>
-            </a:r>
-            <a:endParaRPr lang="ru-RU" dirty="0"/>
-          </a:p>
-        </p:txBody>
-      </p:sp>
-      <p:sp>
-        <p:nvSpPr>
-          <p:cNvPr id="3" name="Объект 2"/>
-          <p:cNvSpPr>
-            <a:spLocks noGrp="1"/>
-          </p:cNvSpPr>
-          <p:nvPr>
-            <p:ph idx="1"/>
-          </p:nvPr>
-        </p:nvSpPr>
-        <p:spPr>
-          <a:xfrm>
-            <a:off x="251520" y="1600200"/>
-            <a:ext cx="8712968" cy="4876800"/>
-          </a:xfrm>
-        </p:spPr>
-        <p:txBody>
-          <a:bodyPr>
-            <a:normAutofit/>
-          </a:bodyPr>
-          <a:lstStyle/>
-          <a:p>
-            <a:r>
-              <a:rPr lang="en-US" dirty="0" err="1" smtClean="0"/>
-              <a:t>always_ff</a:t>
-            </a:r>
-            <a:r>
-              <a:rPr lang="en-US" dirty="0" smtClean="0"/>
-              <a:t> </a:t>
-            </a:r>
-            <a:r>
-              <a:rPr lang="en-US" dirty="0"/>
-              <a:t>@( </a:t>
-            </a:r>
-            <a:r>
-              <a:rPr lang="en-US" dirty="0" err="1"/>
-              <a:t>negedge</a:t>
-            </a:r>
-            <a:r>
-              <a:rPr lang="en-US" dirty="0"/>
-              <a:t> </a:t>
-            </a:r>
-            <a:r>
-              <a:rPr lang="en-US" dirty="0" err="1"/>
-              <a:t>my_if.clk</a:t>
-            </a:r>
-            <a:r>
-              <a:rPr lang="en-US" dirty="0"/>
-              <a:t> or </a:t>
-            </a:r>
-            <a:r>
-              <a:rPr lang="en-US" dirty="0" err="1"/>
-              <a:t>negedge</a:t>
-            </a:r>
-            <a:r>
-              <a:rPr lang="en-US" dirty="0"/>
-              <a:t> </a:t>
-            </a:r>
-            <a:r>
-              <a:rPr lang="en-US" dirty="0" err="1"/>
-              <a:t>my_if.rst</a:t>
-            </a:r>
-            <a:r>
-              <a:rPr lang="en-US" dirty="0"/>
-              <a:t> ) begin</a:t>
-            </a:r>
-          </a:p>
-          <a:p>
-            <a:r>
-              <a:rPr lang="en-US" dirty="0" smtClean="0"/>
-              <a:t>    if </a:t>
-            </a:r>
-            <a:r>
-              <a:rPr lang="en-US" dirty="0"/>
-              <a:t>( ~</a:t>
-            </a:r>
-            <a:r>
-              <a:rPr lang="en-US" dirty="0" err="1"/>
-              <a:t>my_if.rst</a:t>
-            </a:r>
-            <a:r>
-              <a:rPr lang="en-US" dirty="0"/>
-              <a:t> )</a:t>
-            </a:r>
-          </a:p>
-          <a:p>
-            <a:r>
-              <a:rPr lang="en-US" dirty="0" smtClean="0"/>
-              <a:t>        </a:t>
-            </a:r>
-            <a:r>
-              <a:rPr lang="en-US" dirty="0" err="1" smtClean="0"/>
-              <a:t>miso_pkg</a:t>
-            </a:r>
-            <a:r>
-              <a:rPr lang="en-US" dirty="0" smtClean="0"/>
-              <a:t> </a:t>
-            </a:r>
-            <a:r>
-              <a:rPr lang="en-US" dirty="0"/>
-              <a:t>&lt;= 8'h00;</a:t>
-            </a:r>
-          </a:p>
-          <a:p>
-            <a:r>
-              <a:rPr lang="en-US" dirty="0" smtClean="0"/>
-              <a:t>    else </a:t>
-            </a:r>
-            <a:r>
-              <a:rPr lang="en-US" dirty="0"/>
-              <a:t>if ( </a:t>
-            </a:r>
-            <a:r>
-              <a:rPr lang="en-US" dirty="0" err="1"/>
-              <a:t>cnt</a:t>
-            </a:r>
-            <a:r>
-              <a:rPr lang="en-US" dirty="0"/>
-              <a:t> == 4'h7 &amp;&amp; </a:t>
-            </a:r>
-            <a:r>
-              <a:rPr lang="en-US" dirty="0" err="1"/>
-              <a:t>mosi_pkg</a:t>
-            </a:r>
-            <a:r>
-              <a:rPr lang="en-US" dirty="0"/>
-              <a:t>[5] )</a:t>
-            </a:r>
-          </a:p>
-          <a:p>
-            <a:r>
-              <a:rPr lang="en-US" dirty="0" smtClean="0"/>
-              <a:t>        </a:t>
-            </a:r>
-            <a:r>
-              <a:rPr lang="en-US" dirty="0" err="1" smtClean="0"/>
-              <a:t>miso_pkg</a:t>
-            </a:r>
-            <a:r>
-              <a:rPr lang="en-US" dirty="0" smtClean="0"/>
-              <a:t> </a:t>
-            </a:r>
-            <a:r>
-              <a:rPr lang="en-US" dirty="0"/>
-              <a:t>&lt;= { </a:t>
-            </a:r>
-            <a:r>
-              <a:rPr lang="en-US" dirty="0" err="1"/>
-              <a:t>mosi_pkg</a:t>
-            </a:r>
-            <a:r>
-              <a:rPr lang="en-US" dirty="0"/>
-              <a:t>[7:4</a:t>
-            </a:r>
-            <a:r>
-              <a:rPr lang="en-US" dirty="0" smtClean="0"/>
-              <a:t>], memory[</a:t>
-            </a:r>
-            <a:r>
-              <a:rPr lang="en-US" dirty="0" err="1" smtClean="0"/>
-              <a:t>mosi_pkg</a:t>
-            </a:r>
-            <a:r>
-              <a:rPr lang="en-US" dirty="0" smtClean="0"/>
-              <a:t>[7:6</a:t>
-            </a:r>
-            <a:r>
-              <a:rPr lang="en-US" dirty="0"/>
-              <a:t>]] };</a:t>
-            </a:r>
-          </a:p>
-          <a:p>
-            <a:r>
-              <a:rPr lang="en-US" dirty="0" smtClean="0"/>
-              <a:t>    else</a:t>
-            </a:r>
-            <a:endParaRPr lang="en-US" dirty="0"/>
-          </a:p>
-          <a:p>
-            <a:r>
-              <a:rPr lang="en-US" dirty="0" smtClean="0"/>
-              <a:t>        </a:t>
-            </a:r>
-            <a:r>
-              <a:rPr lang="en-US" dirty="0" err="1" smtClean="0"/>
-              <a:t>miso_pkg</a:t>
-            </a:r>
-            <a:r>
-              <a:rPr lang="en-US" dirty="0" smtClean="0"/>
-              <a:t> </a:t>
-            </a:r>
-            <a:r>
-              <a:rPr lang="en-US" dirty="0"/>
-              <a:t>&lt;= </a:t>
-            </a:r>
-            <a:r>
-              <a:rPr lang="en-US" dirty="0" err="1"/>
-              <a:t>miso_pkg</a:t>
-            </a:r>
-            <a:r>
-              <a:rPr lang="en-US" dirty="0"/>
-              <a:t> &lt;&lt; 1;</a:t>
-            </a:r>
-          </a:p>
-          <a:p>
-            <a:r>
-              <a:rPr lang="en-US" dirty="0" smtClean="0"/>
-              <a:t>end</a:t>
-            </a:r>
-            <a:endParaRPr lang="en-US" dirty="0"/>
-          </a:p>
-          <a:p>
-            <a:r>
-              <a:rPr lang="en-US" dirty="0"/>
-              <a:t>	</a:t>
-            </a:r>
-          </a:p>
-          <a:p>
-            <a:r>
-              <a:rPr lang="en-US" dirty="0" smtClean="0"/>
-              <a:t>assign </a:t>
-            </a:r>
-            <a:r>
-              <a:rPr lang="en-US" dirty="0" err="1"/>
-              <a:t>my_if.MISO</a:t>
-            </a:r>
-            <a:r>
-              <a:rPr lang="en-US" dirty="0"/>
-              <a:t> = </a:t>
-            </a:r>
-            <a:r>
-              <a:rPr lang="en-US" dirty="0" err="1"/>
-              <a:t>miso_pkg</a:t>
-            </a:r>
-            <a:r>
-              <a:rPr lang="en-US" dirty="0"/>
-              <a:t>[7</a:t>
-            </a:r>
-            <a:r>
-              <a:rPr lang="en-US" dirty="0" smtClean="0"/>
-              <a:t>];</a:t>
-            </a:r>
-          </a:p>
-          <a:p>
-            <a:r>
-              <a:rPr lang="en-US" dirty="0" err="1"/>
-              <a:t>endmodule</a:t>
-            </a:r>
-            <a:endParaRPr lang="en-US" dirty="0"/>
-          </a:p>
-        </p:txBody>
-      </p:sp>
-    </p:spTree>
-    <p:extLst>
-      <p:ext uri="{BB962C8B-B14F-4D97-AF65-F5344CB8AC3E}">
-        <p14:creationId xmlns:p14="http://schemas.microsoft.com/office/powerpoint/2010/main" val="3074225050"/>
-      </p:ext>
-    </p:extLst>
-  </p:cSld>
-  <p:clrMapOvr>
-    <a:masterClrMapping/>
-  </p:clrMapOvr>
-  <p:timing>
-    <p:tnLst>
-      <p:par>
-        <p:cTn id="1" dur="indefinite" restart="never" nodeType="tmRoot"/>
-      </p:par>
-    </p:tnLst>
-  </p:timing>
-</p:sld>
-</file>
-
-<file path=ppt/slides/slide16.xml><?xml version="1.0" encoding="utf-8"?>
-<p:sld xmlns:a="http://schemas.openxmlformats.org/drawingml/2006/main" xmlns:r="http://schemas.openxmlformats.org/officeDocument/2006/relationships" xmlns:p="http://schemas.openxmlformats.org/presentationml/2006/main">
-  <p:cSld>
-    <p:spTree>
-      <p:nvGrpSpPr>
-        <p:cNvPr id="1" name=""/>
-        <p:cNvGrpSpPr/>
-        <p:nvPr/>
-      </p:nvGrpSpPr>
-      <p:grpSpPr>
-        <a:xfrm>
-          <a:off x="0" y="0"/>
-          <a:ext cx="0" cy="0"/>
-          <a:chOff x="0" y="0"/>
-          <a:chExt cx="0" cy="0"/>
-        </a:xfrm>
-      </p:grpSpPr>
-      <p:sp>
-        <p:nvSpPr>
-          <p:cNvPr id="2" name="Заголовок 1"/>
-          <p:cNvSpPr>
-            <a:spLocks noGrp="1"/>
-          </p:cNvSpPr>
-          <p:nvPr>
-            <p:ph type="title"/>
-          </p:nvPr>
-        </p:nvSpPr>
-        <p:spPr/>
-        <p:txBody>
-          <a:bodyPr/>
-          <a:lstStyle/>
-          <a:p>
-            <a:r>
-              <a:rPr lang="ru-RU" dirty="0" smtClean="0"/>
-              <a:t>Описание </a:t>
-            </a:r>
-            <a:r>
-              <a:rPr lang="en-US" dirty="0" smtClean="0"/>
-              <a:t>TB</a:t>
-            </a:r>
-            <a:r>
-              <a:rPr lang="ru-RU" dirty="0" smtClean="0"/>
-              <a:t> </a:t>
-            </a:r>
-            <a:r>
-              <a:rPr lang="en-US" dirty="0" smtClean="0"/>
-              <a:t>SPI </a:t>
-            </a:r>
-            <a:r>
-              <a:rPr lang="ru-RU" dirty="0" smtClean="0"/>
-              <a:t>на </a:t>
-            </a:r>
-            <a:r>
-              <a:rPr lang="en-US" dirty="0" smtClean="0"/>
-              <a:t>SV</a:t>
-            </a:r>
-            <a:endParaRPr lang="ru-RU" dirty="0"/>
-          </a:p>
-        </p:txBody>
-      </p:sp>
-      <p:sp>
-        <p:nvSpPr>
-          <p:cNvPr id="3" name="Объект 2"/>
-          <p:cNvSpPr>
-            <a:spLocks noGrp="1"/>
-          </p:cNvSpPr>
-          <p:nvPr>
-            <p:ph idx="1"/>
-          </p:nvPr>
-        </p:nvSpPr>
-        <p:spPr>
-          <a:xfrm>
-            <a:off x="251520" y="1600200"/>
-            <a:ext cx="8712968" cy="4876800"/>
-          </a:xfrm>
-        </p:spPr>
-        <p:txBody>
-          <a:bodyPr>
-            <a:normAutofit/>
-          </a:bodyPr>
-          <a:lstStyle/>
-          <a:p>
-            <a:r>
-              <a:rPr lang="en-US" dirty="0"/>
-              <a:t>module TB ();</a:t>
-            </a:r>
-          </a:p>
-          <a:p>
-            <a:r>
-              <a:rPr lang="en-US" dirty="0"/>
-              <a:t>	</a:t>
-            </a:r>
-          </a:p>
-          <a:p>
-            <a:r>
-              <a:rPr lang="en-US" dirty="0" smtClean="0"/>
-              <a:t>    logic </a:t>
-            </a:r>
-            <a:r>
-              <a:rPr lang="en-US" dirty="0" err="1"/>
-              <a:t>clk</a:t>
-            </a:r>
-            <a:r>
-              <a:rPr lang="en-US" dirty="0"/>
-              <a:t>;</a:t>
-            </a:r>
-          </a:p>
-          <a:p>
-            <a:r>
-              <a:rPr lang="en-US" dirty="0" smtClean="0"/>
-              <a:t>    logic </a:t>
-            </a:r>
-            <a:r>
-              <a:rPr lang="en-US" dirty="0" err="1"/>
-              <a:t>rst</a:t>
-            </a:r>
-            <a:r>
-              <a:rPr lang="en-US" dirty="0"/>
-              <a:t>;</a:t>
-            </a:r>
-          </a:p>
-          <a:p>
-            <a:r>
-              <a:rPr lang="en-US" dirty="0" smtClean="0"/>
-              <a:t>    logic </a:t>
-            </a:r>
-            <a:r>
-              <a:rPr lang="en-US" dirty="0"/>
-              <a:t>[7:0] </a:t>
-            </a:r>
-            <a:r>
-              <a:rPr lang="en-US" dirty="0" err="1"/>
-              <a:t>mosi_pkg</a:t>
-            </a:r>
-            <a:r>
-              <a:rPr lang="en-US" dirty="0"/>
-              <a:t>;</a:t>
-            </a:r>
-          </a:p>
-          <a:p>
-            <a:r>
-              <a:rPr lang="en-US" dirty="0" smtClean="0"/>
-              <a:t>    logic </a:t>
-            </a:r>
-            <a:r>
-              <a:rPr lang="en-US" dirty="0"/>
-              <a:t>[7:0] </a:t>
-            </a:r>
-            <a:r>
-              <a:rPr lang="en-US" dirty="0" err="1"/>
-              <a:t>miso_pkg</a:t>
-            </a:r>
-            <a:r>
-              <a:rPr lang="en-US" dirty="0"/>
-              <a:t>;</a:t>
-            </a:r>
-          </a:p>
-          <a:p>
-            <a:r>
-              <a:rPr lang="en-US" dirty="0"/>
-              <a:t>	</a:t>
-            </a:r>
-          </a:p>
-          <a:p>
-            <a:r>
-              <a:rPr lang="en-US" dirty="0" smtClean="0"/>
-              <a:t>    SPI </a:t>
-            </a:r>
-            <a:r>
-              <a:rPr lang="en-US" dirty="0" err="1"/>
-              <a:t>my_spi</a:t>
-            </a:r>
-            <a:r>
-              <a:rPr lang="en-US" dirty="0"/>
-              <a:t>( </a:t>
-            </a:r>
-            <a:r>
-              <a:rPr lang="en-US" dirty="0" err="1"/>
-              <a:t>clk</a:t>
-            </a:r>
-            <a:r>
-              <a:rPr lang="en-US" dirty="0"/>
-              <a:t>, </a:t>
-            </a:r>
-            <a:r>
-              <a:rPr lang="en-US" dirty="0" err="1"/>
-              <a:t>rst</a:t>
-            </a:r>
-            <a:r>
-              <a:rPr lang="en-US" dirty="0"/>
-              <a:t> );</a:t>
-            </a:r>
-          </a:p>
-          <a:p>
-            <a:r>
-              <a:rPr lang="en-US" dirty="0" smtClean="0"/>
-              <a:t>    Slave </a:t>
-            </a:r>
-            <a:r>
-              <a:rPr lang="en-US" dirty="0" err="1"/>
-              <a:t>udb_slave</a:t>
-            </a:r>
-            <a:r>
-              <a:rPr lang="en-US" dirty="0"/>
-              <a:t>( </a:t>
-            </a:r>
-            <a:r>
-              <a:rPr lang="en-US" dirty="0" err="1"/>
-              <a:t>my_spi</a:t>
-            </a:r>
-            <a:r>
-              <a:rPr lang="en-US" dirty="0"/>
-              <a:t> );</a:t>
-            </a:r>
-          </a:p>
-        </p:txBody>
-      </p:sp>
-    </p:spTree>
-    <p:extLst>
-      <p:ext uri="{BB962C8B-B14F-4D97-AF65-F5344CB8AC3E}">
-        <p14:creationId xmlns:p14="http://schemas.microsoft.com/office/powerpoint/2010/main" val="764449564"/>
-      </p:ext>
-    </p:extLst>
-  </p:cSld>
-  <p:clrMapOvr>
-    <a:masterClrMapping/>
-  </p:clrMapOvr>
-  <p:timing>
-    <p:tnLst>
-      <p:par>
-        <p:cTn id="1" dur="indefinite" restart="never" nodeType="tmRoot"/>
-      </p:par>
-    </p:tnLst>
-  </p:timing>
-</p:sld>
-</file>
-
-<file path=ppt/slides/slide17.xml><?xml version="1.0" encoding="utf-8"?>
-<p:sld xmlns:a="http://schemas.openxmlformats.org/drawingml/2006/main" xmlns:r="http://schemas.openxmlformats.org/officeDocument/2006/relationships" xmlns:p="http://schemas.openxmlformats.org/presentationml/2006/main">
-  <p:cSld>
-    <p:spTree>
-      <p:nvGrpSpPr>
-        <p:cNvPr id="1" name=""/>
-        <p:cNvGrpSpPr/>
-        <p:nvPr/>
-      </p:nvGrpSpPr>
-      <p:grpSpPr>
-        <a:xfrm>
-          <a:off x="0" y="0"/>
-          <a:ext cx="0" cy="0"/>
-          <a:chOff x="0" y="0"/>
-          <a:chExt cx="0" cy="0"/>
-        </a:xfrm>
-      </p:grpSpPr>
-      <p:sp>
-        <p:nvSpPr>
-          <p:cNvPr id="2" name="Заголовок 1"/>
-          <p:cNvSpPr>
-            <a:spLocks noGrp="1"/>
-          </p:cNvSpPr>
-          <p:nvPr>
-            <p:ph type="title"/>
-          </p:nvPr>
-        </p:nvSpPr>
-        <p:spPr/>
-        <p:txBody>
-          <a:bodyPr/>
-          <a:lstStyle/>
-          <a:p>
-            <a:r>
-              <a:rPr lang="ru-RU" dirty="0" smtClean="0"/>
-              <a:t>Описание </a:t>
-            </a:r>
-            <a:r>
-              <a:rPr lang="en-US" dirty="0" smtClean="0"/>
-              <a:t>TB</a:t>
-            </a:r>
-            <a:r>
-              <a:rPr lang="ru-RU" dirty="0" smtClean="0"/>
-              <a:t> </a:t>
-            </a:r>
-            <a:r>
-              <a:rPr lang="en-US" dirty="0" smtClean="0"/>
-              <a:t>SPI </a:t>
-            </a:r>
-            <a:r>
-              <a:rPr lang="ru-RU" dirty="0" smtClean="0"/>
-              <a:t>на </a:t>
-            </a:r>
-            <a:r>
-              <a:rPr lang="en-US" dirty="0" smtClean="0"/>
-              <a:t>SV</a:t>
-            </a:r>
-            <a:endParaRPr lang="ru-RU" dirty="0"/>
-          </a:p>
-        </p:txBody>
-      </p:sp>
-      <p:sp>
-        <p:nvSpPr>
-          <p:cNvPr id="3" name="Объект 2"/>
-          <p:cNvSpPr>
-            <a:spLocks noGrp="1"/>
-          </p:cNvSpPr>
-          <p:nvPr>
-            <p:ph idx="1"/>
-          </p:nvPr>
-        </p:nvSpPr>
-        <p:spPr>
-          <a:xfrm>
-            <a:off x="251520" y="1340768"/>
-            <a:ext cx="8712968" cy="5517232"/>
-          </a:xfrm>
-        </p:spPr>
-        <p:txBody>
-          <a:bodyPr>
-            <a:normAutofit fontScale="85000" lnSpcReduction="20000"/>
-          </a:bodyPr>
-          <a:lstStyle/>
-          <a:p>
-            <a:r>
-              <a:rPr lang="en-US" dirty="0" smtClean="0"/>
-              <a:t>task </a:t>
-            </a:r>
-            <a:r>
-              <a:rPr lang="en-US" dirty="0" err="1"/>
-              <a:t>spi_do</a:t>
-            </a:r>
-            <a:r>
-              <a:rPr lang="en-US" dirty="0"/>
-              <a:t> ( </a:t>
-            </a:r>
-          </a:p>
-          <a:p>
-            <a:r>
-              <a:rPr lang="en-US" dirty="0" smtClean="0"/>
-              <a:t>        input </a:t>
-            </a:r>
-            <a:r>
-              <a:rPr lang="en-US" dirty="0"/>
-              <a:t>[1:0]	</a:t>
-            </a:r>
-            <a:r>
-              <a:rPr lang="en-US" dirty="0" err="1"/>
-              <a:t>addr</a:t>
-            </a:r>
-            <a:r>
-              <a:rPr lang="en-US" dirty="0"/>
-              <a:t>,</a:t>
-            </a:r>
-          </a:p>
-          <a:p>
-            <a:r>
-              <a:rPr lang="en-US" dirty="0" smtClean="0"/>
-              <a:t>        input </a:t>
-            </a:r>
-            <a:r>
-              <a:rPr lang="en-US" dirty="0"/>
-              <a:t>		r,</a:t>
-            </a:r>
-          </a:p>
-          <a:p>
-            <a:r>
-              <a:rPr lang="en-US" dirty="0" smtClean="0"/>
-              <a:t>        input </a:t>
-            </a:r>
-            <a:r>
-              <a:rPr lang="en-US" dirty="0"/>
-              <a:t>		w,</a:t>
-            </a:r>
-          </a:p>
-          <a:p>
-            <a:r>
-              <a:rPr lang="en-US" dirty="0" smtClean="0"/>
-              <a:t>        input </a:t>
-            </a:r>
-            <a:r>
-              <a:rPr lang="en-US" dirty="0"/>
-              <a:t>[3:0] data</a:t>
-            </a:r>
-          </a:p>
-          <a:p>
-            <a:r>
-              <a:rPr lang="en-US" dirty="0" smtClean="0"/>
-              <a:t>    );</a:t>
-            </a:r>
-          </a:p>
-          <a:p>
-            <a:endParaRPr lang="en-US" dirty="0"/>
-          </a:p>
-          <a:p>
-            <a:r>
-              <a:rPr lang="en-US" dirty="0" smtClean="0"/>
-              <a:t>    logic </a:t>
-            </a:r>
-            <a:r>
-              <a:rPr lang="en-US" dirty="0"/>
-              <a:t>[7:0] </a:t>
-            </a:r>
-            <a:r>
-              <a:rPr lang="en-US" dirty="0" err="1"/>
-              <a:t>pkg</a:t>
-            </a:r>
-            <a:r>
-              <a:rPr lang="en-US" dirty="0"/>
-              <a:t>;</a:t>
-            </a:r>
-          </a:p>
-          <a:p>
-            <a:r>
-              <a:rPr lang="en-US" dirty="0" smtClean="0"/>
-              <a:t>    </a:t>
-            </a:r>
-            <a:r>
-              <a:rPr lang="en-US" dirty="0" err="1" smtClean="0"/>
-              <a:t>my_spi.SS</a:t>
-            </a:r>
-            <a:r>
-              <a:rPr lang="en-US" dirty="0"/>
-              <a:t>	= 1;</a:t>
-            </a:r>
-          </a:p>
-          <a:p>
-            <a:r>
-              <a:rPr lang="en-US" dirty="0" smtClean="0"/>
-              <a:t>    </a:t>
-            </a:r>
-            <a:r>
-              <a:rPr lang="en-US" dirty="0" err="1" smtClean="0"/>
-              <a:t>pkg</a:t>
-            </a:r>
-            <a:r>
-              <a:rPr lang="en-US" dirty="0" smtClean="0"/>
-              <a:t>		= </a:t>
-            </a:r>
-            <a:r>
-              <a:rPr lang="en-US" dirty="0"/>
-              <a:t>{ </a:t>
-            </a:r>
-            <a:r>
-              <a:rPr lang="en-US" dirty="0" err="1"/>
-              <a:t>addr</a:t>
-            </a:r>
-            <a:r>
-              <a:rPr lang="en-US" dirty="0"/>
-              <a:t>, r, w, data };		</a:t>
-            </a:r>
-          </a:p>
-          <a:p>
-            <a:r>
-              <a:rPr lang="en-US" dirty="0" smtClean="0"/>
-              <a:t>   </a:t>
-            </a:r>
-          </a:p>
-          <a:p>
-            <a:r>
-              <a:rPr lang="en-US" dirty="0" smtClean="0"/>
-              <a:t>    assign </a:t>
-            </a:r>
-            <a:r>
-              <a:rPr lang="en-US" dirty="0" err="1"/>
-              <a:t>my_spi.MOSI</a:t>
-            </a:r>
-            <a:r>
-              <a:rPr lang="en-US" dirty="0"/>
-              <a:t> = </a:t>
-            </a:r>
-            <a:r>
-              <a:rPr lang="en-US" dirty="0" err="1"/>
-              <a:t>pkg</a:t>
-            </a:r>
-            <a:r>
-              <a:rPr lang="en-US" dirty="0"/>
-              <a:t>[7];		</a:t>
-            </a:r>
-          </a:p>
-          <a:p>
-            <a:r>
-              <a:rPr lang="en-US" dirty="0"/>
-              <a:t>    </a:t>
-            </a:r>
-            <a:r>
-              <a:rPr lang="en-US" dirty="0" smtClean="0"/>
-              <a:t>repeat(8</a:t>
-            </a:r>
-            <a:r>
-              <a:rPr lang="en-US" dirty="0"/>
-              <a:t>) @( </a:t>
-            </a:r>
-            <a:r>
-              <a:rPr lang="en-US" dirty="0" err="1"/>
-              <a:t>negedge</a:t>
-            </a:r>
-            <a:r>
-              <a:rPr lang="en-US" dirty="0"/>
-              <a:t> </a:t>
-            </a:r>
-            <a:r>
-              <a:rPr lang="en-US" dirty="0" err="1"/>
-              <a:t>clk</a:t>
-            </a:r>
-            <a:r>
-              <a:rPr lang="en-US" dirty="0"/>
-              <a:t> ) </a:t>
-            </a:r>
-            <a:r>
-              <a:rPr lang="en-US" dirty="0" smtClean="0"/>
-              <a:t>begin</a:t>
-            </a:r>
-          </a:p>
-          <a:p>
-            <a:r>
-              <a:rPr lang="en-US" dirty="0" smtClean="0"/>
-              <a:t>        </a:t>
-            </a:r>
-            <a:r>
-              <a:rPr lang="en-US" dirty="0" err="1" smtClean="0"/>
-              <a:t>my_spi.MOSI</a:t>
-            </a:r>
-            <a:r>
-              <a:rPr lang="en-US" dirty="0" smtClean="0"/>
-              <a:t> </a:t>
-            </a:r>
-            <a:r>
-              <a:rPr lang="en-US" dirty="0"/>
-              <a:t>= </a:t>
-            </a:r>
-            <a:r>
-              <a:rPr lang="en-US" dirty="0" err="1"/>
-              <a:t>pkg</a:t>
-            </a:r>
-            <a:r>
-              <a:rPr lang="en-US" dirty="0"/>
-              <a:t>[7];</a:t>
-            </a:r>
-          </a:p>
-          <a:p>
-            <a:r>
-              <a:rPr lang="en-US" dirty="0" smtClean="0"/>
-              <a:t>        </a:t>
-            </a:r>
-            <a:r>
-              <a:rPr lang="en-US" dirty="0" err="1" smtClean="0"/>
-              <a:t>pkg</a:t>
-            </a:r>
-            <a:r>
-              <a:rPr lang="en-US" dirty="0" smtClean="0"/>
-              <a:t> </a:t>
-            </a:r>
-            <a:r>
-              <a:rPr lang="en-US" dirty="0"/>
-              <a:t>	</a:t>
-            </a:r>
-            <a:r>
-              <a:rPr lang="en-US" dirty="0" smtClean="0"/>
-              <a:t>   = </a:t>
-            </a:r>
-            <a:r>
-              <a:rPr lang="en-US" dirty="0" err="1"/>
-              <a:t>pkg</a:t>
-            </a:r>
-            <a:r>
-              <a:rPr lang="en-US" dirty="0"/>
-              <a:t> &lt;&lt; 1;</a:t>
-            </a:r>
-          </a:p>
-          <a:p>
-            <a:r>
-              <a:rPr lang="en-US" dirty="0" smtClean="0"/>
-              <a:t>    end</a:t>
-            </a:r>
-            <a:endParaRPr lang="en-US" dirty="0"/>
-          </a:p>
-          <a:p>
-            <a:r>
-              <a:rPr lang="en-US" dirty="0"/>
-              <a:t>		</a:t>
-            </a:r>
-          </a:p>
-          <a:p>
-            <a:r>
-              <a:rPr lang="en-US" dirty="0" err="1" smtClean="0"/>
-              <a:t>endtask</a:t>
-            </a:r>
-            <a:endParaRPr lang="en-US" dirty="0"/>
-          </a:p>
-        </p:txBody>
-      </p:sp>
-    </p:spTree>
-    <p:extLst>
-      <p:ext uri="{BB962C8B-B14F-4D97-AF65-F5344CB8AC3E}">
-        <p14:creationId xmlns:p14="http://schemas.microsoft.com/office/powerpoint/2010/main" val="2933807225"/>
-      </p:ext>
-    </p:extLst>
-  </p:cSld>
-  <p:clrMapOvr>
-    <a:masterClrMapping/>
-  </p:clrMapOvr>
-  <p:timing>
-    <p:tnLst>
-      <p:par>
-        <p:cTn id="1" dur="indefinite" restart="never" nodeType="tmRoot"/>
-      </p:par>
-    </p:tnLst>
-  </p:timing>
-</p:sld>
-</file>
-
-<file path=ppt/slides/slide18.xml><?xml version="1.0" encoding="utf-8"?>
-<p:sld xmlns:a="http://schemas.openxmlformats.org/drawingml/2006/main" xmlns:r="http://schemas.openxmlformats.org/officeDocument/2006/relationships" xmlns:p="http://schemas.openxmlformats.org/presentationml/2006/main">
-  <p:cSld>
-    <p:spTree>
-      <p:nvGrpSpPr>
-        <p:cNvPr id="1" name=""/>
-        <p:cNvGrpSpPr/>
-        <p:nvPr/>
-      </p:nvGrpSpPr>
-      <p:grpSpPr>
-        <a:xfrm>
-          <a:off x="0" y="0"/>
-          <a:ext cx="0" cy="0"/>
-          <a:chOff x="0" y="0"/>
-          <a:chExt cx="0" cy="0"/>
-        </a:xfrm>
-      </p:grpSpPr>
-      <p:sp>
-        <p:nvSpPr>
-          <p:cNvPr id="2" name="Заголовок 1"/>
-          <p:cNvSpPr>
-            <a:spLocks noGrp="1"/>
-          </p:cNvSpPr>
-          <p:nvPr>
-            <p:ph type="title"/>
-          </p:nvPr>
-        </p:nvSpPr>
-        <p:spPr/>
-        <p:txBody>
-          <a:bodyPr/>
-          <a:lstStyle/>
-          <a:p>
-            <a:r>
-              <a:rPr lang="ru-RU" dirty="0" smtClean="0"/>
-              <a:t>Описание </a:t>
-            </a:r>
-            <a:r>
-              <a:rPr lang="en-US" dirty="0" smtClean="0"/>
-              <a:t>TB</a:t>
-            </a:r>
-            <a:r>
-              <a:rPr lang="ru-RU" dirty="0" smtClean="0"/>
-              <a:t> </a:t>
-            </a:r>
-            <a:r>
-              <a:rPr lang="en-US" dirty="0" smtClean="0"/>
-              <a:t>SPI </a:t>
-            </a:r>
-            <a:r>
-              <a:rPr lang="ru-RU" dirty="0" smtClean="0"/>
-              <a:t>на </a:t>
-            </a:r>
-            <a:r>
-              <a:rPr lang="en-US" dirty="0" smtClean="0"/>
-              <a:t>SV</a:t>
-            </a:r>
-            <a:endParaRPr lang="ru-RU" dirty="0"/>
-          </a:p>
-        </p:txBody>
-      </p:sp>
-      <p:sp>
-        <p:nvSpPr>
-          <p:cNvPr id="3" name="Объект 2"/>
-          <p:cNvSpPr>
-            <a:spLocks noGrp="1"/>
-          </p:cNvSpPr>
-          <p:nvPr>
-            <p:ph idx="1"/>
-          </p:nvPr>
-        </p:nvSpPr>
-        <p:spPr>
-          <a:xfrm>
-            <a:off x="251520" y="1628800"/>
-            <a:ext cx="8712968" cy="5141168"/>
-          </a:xfrm>
-        </p:spPr>
-        <p:txBody>
-          <a:bodyPr>
-            <a:normAutofit lnSpcReduction="10000"/>
-          </a:bodyPr>
-          <a:lstStyle/>
-          <a:p>
-            <a:r>
-              <a:rPr lang="en-US" dirty="0" smtClean="0"/>
-              <a:t>initial </a:t>
-            </a:r>
-            <a:r>
-              <a:rPr lang="en-US" dirty="0"/>
-              <a:t>begin</a:t>
-            </a:r>
-          </a:p>
-          <a:p>
-            <a:r>
-              <a:rPr lang="en-US" dirty="0" smtClean="0"/>
-              <a:t>    </a:t>
-            </a:r>
-            <a:r>
-              <a:rPr lang="en-US" dirty="0" err="1" smtClean="0"/>
-              <a:t>clk</a:t>
-            </a:r>
-            <a:r>
-              <a:rPr lang="en-US" dirty="0" smtClean="0"/>
-              <a:t> </a:t>
-            </a:r>
-            <a:r>
-              <a:rPr lang="en-US" dirty="0"/>
-              <a:t>= 0;</a:t>
-            </a:r>
-          </a:p>
-          <a:p>
-            <a:r>
-              <a:rPr lang="en-US" dirty="0" smtClean="0"/>
-              <a:t>    </a:t>
-            </a:r>
-            <a:r>
-              <a:rPr lang="en-US" dirty="0" err="1" smtClean="0"/>
-              <a:t>rst</a:t>
-            </a:r>
-            <a:r>
-              <a:rPr lang="en-US" dirty="0" smtClean="0"/>
-              <a:t> </a:t>
-            </a:r>
-            <a:r>
-              <a:rPr lang="en-US" dirty="0"/>
-              <a:t>= 0;</a:t>
-            </a:r>
-          </a:p>
-          <a:p>
-            <a:r>
-              <a:rPr lang="en-US" dirty="0" smtClean="0"/>
-              <a:t>    #</a:t>
-            </a:r>
-            <a:r>
-              <a:rPr lang="en-US" dirty="0"/>
-              <a:t>5;</a:t>
-            </a:r>
-          </a:p>
-          <a:p>
-            <a:r>
-              <a:rPr lang="en-US" dirty="0" smtClean="0"/>
-              <a:t>    </a:t>
-            </a:r>
-            <a:r>
-              <a:rPr lang="en-US" dirty="0" err="1" smtClean="0"/>
-              <a:t>rst</a:t>
-            </a:r>
-            <a:r>
-              <a:rPr lang="en-US" dirty="0" smtClean="0"/>
-              <a:t> </a:t>
-            </a:r>
-            <a:r>
-              <a:rPr lang="en-US" dirty="0"/>
-              <a:t>= 1;</a:t>
-            </a:r>
-          </a:p>
-          <a:p>
-            <a:r>
-              <a:rPr lang="en-US" dirty="0" smtClean="0"/>
-              <a:t>    </a:t>
-            </a:r>
-            <a:r>
-              <a:rPr lang="en-US" dirty="0" err="1" smtClean="0"/>
-              <a:t>spi_do</a:t>
-            </a:r>
-            <a:r>
-              <a:rPr lang="en-US" dirty="0"/>
-              <a:t>( 2'b01, 1'b0, 1'b1, 4'b1011 </a:t>
-            </a:r>
-            <a:r>
-              <a:rPr lang="en-US" dirty="0" smtClean="0"/>
-              <a:t>);</a:t>
-            </a:r>
-          </a:p>
-          <a:p>
-            <a:r>
-              <a:rPr lang="en-US" dirty="0" smtClean="0"/>
-              <a:t>    #15 </a:t>
-            </a:r>
-            <a:r>
-              <a:rPr lang="en-US" dirty="0"/>
-              <a:t>$stop;</a:t>
-            </a:r>
-          </a:p>
-          <a:p>
-            <a:r>
-              <a:rPr lang="en-US" dirty="0"/>
-              <a:t>e</a:t>
-            </a:r>
-            <a:r>
-              <a:rPr lang="en-US" dirty="0" smtClean="0"/>
-              <a:t>nd</a:t>
-            </a:r>
-          </a:p>
-          <a:p>
-            <a:endParaRPr lang="en-US" dirty="0" smtClean="0"/>
-          </a:p>
-          <a:p>
-            <a:r>
-              <a:rPr lang="en-US" dirty="0" smtClean="0"/>
-              <a:t>always </a:t>
-            </a:r>
-            <a:r>
-              <a:rPr lang="en-US" dirty="0"/>
-              <a:t>#10 </a:t>
-            </a:r>
-            <a:r>
-              <a:rPr lang="en-US" dirty="0" err="1"/>
-              <a:t>clk</a:t>
-            </a:r>
-            <a:r>
-              <a:rPr lang="en-US" dirty="0"/>
-              <a:t> = ~</a:t>
-            </a:r>
-            <a:r>
-              <a:rPr lang="en-US" dirty="0" err="1"/>
-              <a:t>clk</a:t>
-            </a:r>
-            <a:r>
-              <a:rPr lang="en-US" dirty="0"/>
-              <a:t>;</a:t>
-            </a:r>
-          </a:p>
-          <a:p>
-            <a:endParaRPr lang="en-US" dirty="0"/>
-          </a:p>
-          <a:p>
-            <a:r>
-              <a:rPr lang="en-US" dirty="0" err="1"/>
-              <a:t>endmodule</a:t>
-            </a:r>
-            <a:endParaRPr lang="en-US" dirty="0"/>
-          </a:p>
-        </p:txBody>
-      </p:sp>
-    </p:spTree>
-    <p:extLst>
-      <p:ext uri="{BB962C8B-B14F-4D97-AF65-F5344CB8AC3E}">
-        <p14:creationId xmlns:p14="http://schemas.microsoft.com/office/powerpoint/2010/main" val="786673594"/>
-      </p:ext>
-    </p:extLst>
-  </p:cSld>
-  <p:clrMapOvr>
-    <a:masterClrMapping/>
-  </p:clrMapOvr>
-  <p:timing>
-    <p:tnLst>
-      <p:par>
-        <p:cTn id="1" dur="indefinite" restart="never" nodeType="tmRoot"/>
-      </p:par>
-    </p:tnLst>
-  </p:timing>
-</p:sld>
-</file>
-
-<file path=ppt/slides/slide19.xml><?xml version="1.0" encoding="utf-8"?>
-<p:sld xmlns:a="http://schemas.openxmlformats.org/drawingml/2006/main" xmlns:r="http://schemas.openxmlformats.org/officeDocument/2006/relationships" xmlns:p="http://schemas.openxmlformats.org/presentationml/2006/main">
-  <p:cSld>
-    <p:spTree>
-      <p:nvGrpSpPr>
-        <p:cNvPr id="1" name=""/>
-        <p:cNvGrpSpPr/>
-        <p:nvPr/>
-      </p:nvGrpSpPr>
-      <p:grpSpPr>
-        <a:xfrm>
-          <a:off x="0" y="0"/>
-          <a:ext cx="0" cy="0"/>
-          <a:chOff x="0" y="0"/>
-          <a:chExt cx="0" cy="0"/>
-        </a:xfrm>
-      </p:grpSpPr>
-      <p:sp>
-        <p:nvSpPr>
-          <p:cNvPr id="2" name="Заголовок 1"/>
-          <p:cNvSpPr>
-            <a:spLocks noGrp="1"/>
-          </p:cNvSpPr>
-          <p:nvPr>
-            <p:ph type="title"/>
-          </p:nvPr>
-        </p:nvSpPr>
-        <p:spPr/>
-        <p:txBody>
-          <a:bodyPr/>
-          <a:lstStyle/>
-          <a:p>
-            <a:r>
-              <a:rPr lang="ru-RU" dirty="0" smtClean="0"/>
-              <a:t>Интерфейс </a:t>
-            </a:r>
-            <a:r>
-              <a:rPr lang="en-US" dirty="0" smtClean="0"/>
-              <a:t>APB</a:t>
+              <a:t>AMBA APB3</a:t>
             </a:r>
             <a:endParaRPr lang="ru-RU" dirty="0"/>
           </a:p>
@@ -5951,7 +5788,7 @@
         </p:blipFill>
         <p:spPr bwMode="auto">
           <a:xfrm>
-            <a:off x="1589330" y="1556792"/>
+            <a:off x="1619672" y="1772816"/>
             <a:ext cx="5904656" cy="4446846"/>
           </a:xfrm>
           <a:prstGeom prst="rect">
@@ -5979,17 +5816,10 @@
   <p:clrMapOvr>
     <a:masterClrMapping/>
   </p:clrMapOvr>
-  <p:timing>
-    <p:tnLst>
-      <p:par>
-        <p:cTn id="1" dur="indefinite" restart="never" nodeType="tmRoot"/>
-      </p:par>
-    </p:tnLst>
-  </p:timing>
 </p:sld>
 </file>
 
-<file path=ppt/slides/slide2.xml><?xml version="1.0" encoding="utf-8"?>
+<file path=ppt/slides/slide14.xml><?xml version="1.0" encoding="utf-8"?>
 <p:sld xmlns:a="http://schemas.openxmlformats.org/drawingml/2006/main" xmlns:r="http://schemas.openxmlformats.org/officeDocument/2006/relationships" xmlns:p="http://schemas.openxmlformats.org/presentationml/2006/main">
   <p:cSld>
     <p:spTree>
@@ -6022,248 +5852,17 @@
           <a:lstStyle/>
           <a:p>
             <a:r>
+              <a:rPr lang="ru-RU" dirty="0"/>
+              <a:t>Интерфейс </a:t>
+            </a:r>
+            <a:r>
               <a:rPr lang="en-US" dirty="0"/>
-              <a:t>System on chip</a:t>
-            </a:r>
-            <a:endParaRPr lang="ru-RU" dirty="0"/>
-          </a:p>
-        </p:txBody>
-      </p:sp>
-      <p:sp>
-        <p:nvSpPr>
-          <p:cNvPr id="3" name="Объект 2"/>
-          <p:cNvSpPr>
-            <a:spLocks noGrp="1"/>
-          </p:cNvSpPr>
-          <p:nvPr>
-            <p:ph idx="1"/>
-          </p:nvPr>
-        </p:nvSpPr>
-        <p:spPr/>
-        <p:txBody>
-          <a:bodyPr/>
-          <a:lstStyle/>
-          <a:p>
-            <a:pPr marL="0" indent="0">
-              <a:buNone/>
-            </a:pPr>
-            <a:r>
-              <a:rPr lang="en-US" dirty="0"/>
-              <a:t>• </a:t>
-            </a:r>
-            <a:r>
-              <a:rPr lang="en-US" dirty="0" smtClean="0"/>
-              <a:t>Definition </a:t>
-            </a:r>
-            <a:endParaRPr lang="ru-RU" dirty="0" smtClean="0"/>
-          </a:p>
-          <a:p>
-            <a:pPr marL="0" indent="0">
-              <a:buNone/>
-            </a:pPr>
-            <a:r>
-              <a:rPr lang="ru-RU" dirty="0" smtClean="0"/>
-              <a:t>  </a:t>
-            </a:r>
-            <a:r>
-              <a:rPr lang="en-US" dirty="0" smtClean="0"/>
-              <a:t>• </a:t>
-            </a:r>
-            <a:r>
-              <a:rPr lang="en-US" dirty="0"/>
-              <a:t>(nearly) complete embedded system on a single chip </a:t>
-            </a:r>
-            <a:endParaRPr lang="ru-RU" dirty="0" smtClean="0"/>
-          </a:p>
-          <a:p>
-            <a:pPr marL="0" indent="0">
-              <a:buNone/>
-            </a:pPr>
-            <a:r>
-              <a:rPr lang="en-US" dirty="0" smtClean="0"/>
-              <a:t>• </a:t>
-            </a:r>
-            <a:r>
-              <a:rPr lang="en-US" dirty="0"/>
-              <a:t>Usually includes </a:t>
-            </a:r>
-            <a:endParaRPr lang="ru-RU" dirty="0" smtClean="0"/>
-          </a:p>
-          <a:p>
-            <a:pPr marL="0" indent="0">
-              <a:buNone/>
-            </a:pPr>
-            <a:r>
-              <a:rPr lang="ru-RU" dirty="0" smtClean="0"/>
-              <a:t>  </a:t>
-            </a:r>
-            <a:r>
-              <a:rPr lang="en-US" dirty="0" smtClean="0"/>
-              <a:t>• </a:t>
-            </a:r>
-            <a:r>
-              <a:rPr lang="en-US" dirty="0"/>
-              <a:t>Programmable processor(s) </a:t>
-            </a:r>
-            <a:endParaRPr lang="ru-RU" dirty="0" smtClean="0"/>
-          </a:p>
-          <a:p>
-            <a:pPr marL="0" indent="0">
-              <a:buNone/>
-            </a:pPr>
-            <a:r>
-              <a:rPr lang="ru-RU" dirty="0" smtClean="0"/>
-              <a:t>  </a:t>
-            </a:r>
-            <a:r>
-              <a:rPr lang="en-US" dirty="0" smtClean="0"/>
-              <a:t>• </a:t>
-            </a:r>
-            <a:r>
-              <a:rPr lang="en-US" dirty="0"/>
-              <a:t>Memory </a:t>
-            </a:r>
-            <a:endParaRPr lang="ru-RU" dirty="0" smtClean="0"/>
-          </a:p>
-          <a:p>
-            <a:pPr marL="0" indent="0">
-              <a:buNone/>
-            </a:pPr>
-            <a:r>
-              <a:rPr lang="ru-RU" dirty="0" smtClean="0"/>
-              <a:t>  </a:t>
-            </a:r>
-            <a:r>
-              <a:rPr lang="en-US" dirty="0" smtClean="0"/>
-              <a:t>• </a:t>
-            </a:r>
-            <a:r>
-              <a:rPr lang="en-US" dirty="0"/>
-              <a:t>Accelerating function units </a:t>
-            </a:r>
-            <a:endParaRPr lang="ru-RU" dirty="0" smtClean="0"/>
-          </a:p>
-          <a:p>
-            <a:pPr marL="0" indent="0">
-              <a:buNone/>
-            </a:pPr>
-            <a:r>
-              <a:rPr lang="ru-RU" dirty="0" smtClean="0"/>
-              <a:t>  </a:t>
-            </a:r>
-            <a:r>
-              <a:rPr lang="en-US" dirty="0" smtClean="0"/>
-              <a:t>• </a:t>
-            </a:r>
-            <a:r>
-              <a:rPr lang="en-US" dirty="0"/>
-              <a:t>Input/output interfaces </a:t>
-            </a:r>
-            <a:endParaRPr lang="ru-RU" dirty="0" smtClean="0"/>
-          </a:p>
-          <a:p>
-            <a:pPr marL="0" indent="0">
-              <a:buNone/>
-            </a:pPr>
-            <a:r>
-              <a:rPr lang="ru-RU" dirty="0" smtClean="0"/>
-              <a:t>  </a:t>
-            </a:r>
-            <a:r>
-              <a:rPr lang="en-US" dirty="0" smtClean="0"/>
-              <a:t>• </a:t>
-            </a:r>
-            <a:r>
-              <a:rPr lang="en-US" dirty="0"/>
-              <a:t>Software </a:t>
-            </a:r>
-            <a:endParaRPr lang="ru-RU" dirty="0" smtClean="0"/>
-          </a:p>
-          <a:p>
-            <a:pPr marL="0" indent="0">
-              <a:buNone/>
-            </a:pPr>
-            <a:r>
-              <a:rPr lang="ru-RU" dirty="0" smtClean="0"/>
-              <a:t>  </a:t>
-            </a:r>
-            <a:r>
-              <a:rPr lang="en-US" dirty="0" smtClean="0"/>
-              <a:t>• </a:t>
-            </a:r>
-            <a:r>
-              <a:rPr lang="en-US" dirty="0"/>
-              <a:t>Re-usable intellectual property blocks (HW + SW)</a:t>
-            </a:r>
-            <a:endParaRPr lang="ru-RU" dirty="0"/>
-          </a:p>
-        </p:txBody>
-      </p:sp>
-    </p:spTree>
-    <p:extLst>
-      <p:ext uri="{BB962C8B-B14F-4D97-AF65-F5344CB8AC3E}">
-        <p14:creationId xmlns:p14="http://schemas.microsoft.com/office/powerpoint/2010/main" val="1525184700"/>
-      </p:ext>
-    </p:extLst>
-  </p:cSld>
-  <p:clrMapOvr>
-    <a:masterClrMapping/>
-  </p:clrMapOvr>
-  <p:timing>
-    <p:tnLst>
-      <p:par>
-        <p:cTn id="1" dur="indefinite" restart="never" nodeType="tmRoot"/>
-      </p:par>
-    </p:tnLst>
-  </p:timing>
-</p:sld>
-</file>
-
-<file path=ppt/slides/slide20.xml><?xml version="1.0" encoding="utf-8"?>
-<p:sld xmlns:a="http://schemas.openxmlformats.org/drawingml/2006/main" xmlns:r="http://schemas.openxmlformats.org/officeDocument/2006/relationships" xmlns:p="http://schemas.openxmlformats.org/presentationml/2006/main">
-  <p:cSld>
-    <p:spTree>
-      <p:nvGrpSpPr>
-        <p:cNvPr id="1" name=""/>
-        <p:cNvGrpSpPr/>
-        <p:nvPr/>
-      </p:nvGrpSpPr>
-      <p:grpSpPr>
-        <a:xfrm>
-          <a:off x="0" y="0"/>
-          <a:ext cx="0" cy="0"/>
-          <a:chOff x="0" y="0"/>
-          <a:chExt cx="0" cy="0"/>
-        </a:xfrm>
-      </p:grpSpPr>
-      <p:sp>
-        <p:nvSpPr>
-          <p:cNvPr id="2" name="Заголовок 1"/>
-          <p:cNvSpPr>
-            <a:spLocks noGrp="1"/>
-          </p:cNvSpPr>
-          <p:nvPr>
-            <p:ph type="title"/>
-          </p:nvPr>
-        </p:nvSpPr>
-        <p:spPr/>
-        <p:txBody>
-          <a:bodyPr/>
-          <a:lstStyle/>
-          <a:p>
-            <a:r>
-              <a:rPr lang="ru-RU" dirty="0" smtClean="0"/>
-              <a:t>Интерфейс </a:t>
-            </a:r>
-            <a:r>
-              <a:rPr lang="en-US" dirty="0" smtClean="0"/>
               <a:t>APB, </a:t>
             </a:r>
             <a:r>
-              <a:rPr lang="ru-RU" dirty="0" smtClean="0"/>
+              <a:rPr lang="ru-RU" dirty="0"/>
               <a:t>запись</a:t>
             </a:r>
-            <a:endParaRPr lang="ru-RU" dirty="0"/>
           </a:p>
         </p:txBody>
       </p:sp>
@@ -6341,17 +5940,10 @@
   <p:clrMapOvr>
     <a:masterClrMapping/>
   </p:clrMapOvr>
-  <p:timing>
-    <p:tnLst>
-      <p:par>
-        <p:cTn id="1" dur="indefinite" restart="never" nodeType="tmRoot"/>
-      </p:par>
-    </p:tnLst>
-  </p:timing>
 </p:sld>
 </file>
 
-<file path=ppt/slides/slide21.xml><?xml version="1.0" encoding="utf-8"?>
+<file path=ppt/slides/slide15.xml><?xml version="1.0" encoding="utf-8"?>
 <p:sld xmlns:a="http://schemas.openxmlformats.org/drawingml/2006/main" xmlns:r="http://schemas.openxmlformats.org/officeDocument/2006/relationships" xmlns:p="http://schemas.openxmlformats.org/presentationml/2006/main">
   <p:cSld>
     <p:spTree>
@@ -6386,19 +5978,19 @@
           <a:lstStyle/>
           <a:p>
             <a:r>
-              <a:rPr lang="ru-RU" dirty="0" smtClean="0"/>
+              <a:rPr lang="ru-RU" dirty="0"/>
               <a:t>Интерфейс </a:t>
             </a:r>
             <a:r>
-              <a:rPr lang="en-US" dirty="0" smtClean="0"/>
+              <a:rPr lang="en-US" dirty="0"/>
               <a:t>APB, </a:t>
             </a:r>
             <a:r>
-              <a:rPr lang="ru-RU" dirty="0" smtClean="0"/>
+              <a:rPr lang="ru-RU" dirty="0"/>
               <a:t>запись (</a:t>
             </a:r>
             <a:r>
-              <a:rPr lang="en-US" dirty="0" smtClean="0"/>
+              <a:rPr lang="en-US" dirty="0"/>
               <a:t>wait)</a:t>
             </a:r>
             <a:endParaRPr lang="ru-RU" dirty="0"/>
@@ -6479,17 +6071,10 @@
   <p:clrMapOvr>
     <a:masterClrMapping/>
   </p:clrMapOvr>
-  <p:timing>
-    <p:tnLst>
-      <p:par>
-        <p:cTn id="1" dur="indefinite" restart="never" nodeType="tmRoot"/>
-      </p:par>
-    </p:tnLst>
-  </p:timing>
 </p:sld>
 </file>
 
-<file path=ppt/slides/slide22.xml><?xml version="1.0" encoding="utf-8"?>
+<file path=ppt/slides/slide16.xml><?xml version="1.0" encoding="utf-8"?>
 <p:sld xmlns:a="http://schemas.openxmlformats.org/drawingml/2006/main" xmlns:r="http://schemas.openxmlformats.org/officeDocument/2006/relationships" xmlns:p="http://schemas.openxmlformats.org/presentationml/2006/main">
   <p:cSld>
     <p:spTree>
@@ -6524,18 +6109,17 @@
           <a:lstStyle/>
           <a:p>
             <a:r>
-              <a:rPr lang="ru-RU" dirty="0" smtClean="0"/>
+              <a:rPr lang="ru-RU" dirty="0"/>
               <a:t>Интерфейс </a:t>
             </a:r>
             <a:r>
-              <a:rPr lang="en-US" dirty="0" smtClean="0"/>
+              <a:rPr lang="en-US" dirty="0"/>
               <a:t>APB, </a:t>
             </a:r>
             <a:r>
-              <a:rPr lang="ru-RU" dirty="0" smtClean="0"/>
+              <a:rPr lang="ru-RU" dirty="0"/>
               <a:t>чтение</a:t>
             </a:r>
-            <a:endParaRPr lang="ru-RU" dirty="0"/>
           </a:p>
         </p:txBody>
       </p:sp>
@@ -6613,17 +6197,10 @@
   <p:clrMapOvr>
     <a:masterClrMapping/>
   </p:clrMapOvr>
-  <p:timing>
-    <p:tnLst>
-      <p:par>
-        <p:cTn id="1" dur="indefinite" restart="never" nodeType="tmRoot"/>
-      </p:par>
-    </p:tnLst>
-  </p:timing>
 </p:sld>
 </file>
 
-<file path=ppt/slides/slide23.xml><?xml version="1.0" encoding="utf-8"?>
+<file path=ppt/slides/slide17.xml><?xml version="1.0" encoding="utf-8"?>
 <p:sld xmlns:a="http://schemas.openxmlformats.org/drawingml/2006/main" xmlns:r="http://schemas.openxmlformats.org/officeDocument/2006/relationships" xmlns:p="http://schemas.openxmlformats.org/presentationml/2006/main">
   <p:cSld>
     <p:spTree>
@@ -6658,19 +6235,19 @@
           <a:lstStyle/>
           <a:p>
             <a:r>
-              <a:rPr lang="ru-RU" dirty="0" smtClean="0"/>
+              <a:rPr lang="ru-RU" dirty="0"/>
               <a:t>Интерфейс </a:t>
             </a:r>
             <a:r>
-              <a:rPr lang="en-US" dirty="0" smtClean="0"/>
+              <a:rPr lang="en-US" dirty="0"/>
               <a:t>APB, </a:t>
             </a:r>
             <a:r>
-              <a:rPr lang="ru-RU" dirty="0" smtClean="0"/>
+              <a:rPr lang="ru-RU" dirty="0"/>
               <a:t>чтение (</a:t>
             </a:r>
             <a:r>
-              <a:rPr lang="en-US" dirty="0" smtClean="0"/>
+              <a:rPr lang="en-US" dirty="0"/>
               <a:t>wait)</a:t>
             </a:r>
             <a:endParaRPr lang="ru-RU" dirty="0"/>
@@ -6751,13 +6328,357 @@
   <p:clrMapOvr>
     <a:masterClrMapping/>
   </p:clrMapOvr>
-  <p:timing>
-    <p:tnLst>
-      <p:par>
-        <p:cTn id="1" dur="indefinite" restart="never" nodeType="tmRoot"/>
-      </p:par>
-    </p:tnLst>
-  </p:timing>
+</p:sld>
+</file>
+
+<file path=ppt/slides/slide18.xml><?xml version="1.0" encoding="utf-8"?>
+<p:sld xmlns:a="http://schemas.openxmlformats.org/drawingml/2006/main" xmlns:r="http://schemas.openxmlformats.org/officeDocument/2006/relationships" xmlns:p="http://schemas.openxmlformats.org/presentationml/2006/main">
+  <p:cSld>
+    <p:spTree>
+      <p:nvGrpSpPr>
+        <p:cNvPr id="1" name=""/>
+        <p:cNvGrpSpPr/>
+        <p:nvPr/>
+      </p:nvGrpSpPr>
+      <p:grpSpPr>
+        <a:xfrm>
+          <a:off x="0" y="0"/>
+          <a:ext cx="0" cy="0"/>
+          <a:chOff x="0" y="0"/>
+          <a:chExt cx="0" cy="0"/>
+        </a:xfrm>
+      </p:grpSpPr>
+      <p:sp>
+        <p:nvSpPr>
+          <p:cNvPr id="3" name="Объект 2">
+            <a:extLst>
+              <a:ext uri="{FF2B5EF4-FFF2-40B4-BE49-F238E27FC236}">
+                <a16:creationId xmlns:a16="http://schemas.microsoft.com/office/drawing/2014/main" id="{342F5B4A-C29B-4C94-876A-94A944501DBF}"/>
+              </a:ext>
+            </a:extLst>
+          </p:cNvPr>
+          <p:cNvSpPr>
+            <a:spLocks noGrp="1"/>
+          </p:cNvSpPr>
+          <p:nvPr>
+            <p:ph idx="1"/>
+          </p:nvPr>
+        </p:nvSpPr>
+        <p:spPr>
+          <a:xfrm>
+            <a:off x="457200" y="2442592"/>
+            <a:ext cx="8229600" cy="2930624"/>
+          </a:xfrm>
+        </p:spPr>
+        <p:txBody>
+          <a:bodyPr>
+            <a:normAutofit/>
+          </a:bodyPr>
+          <a:lstStyle/>
+          <a:p>
+            <a:pPr marL="457200" indent="-457200">
+              <a:buAutoNum type="arabicParenR"/>
+            </a:pPr>
+            <a:r>
+              <a:rPr lang="ru-RU" dirty="0"/>
+              <a:t>Реализовать </a:t>
+            </a:r>
+            <a:r>
+              <a:rPr lang="en-US" dirty="0"/>
+              <a:t>APB3</a:t>
+            </a:r>
+            <a:r>
+              <a:rPr lang="ru-RU" dirty="0"/>
+              <a:t> </a:t>
+            </a:r>
+            <a:r>
+              <a:rPr lang="en-US" dirty="0" err="1"/>
+              <a:t>SystemVerilog</a:t>
+            </a:r>
+            <a:r>
+              <a:rPr lang="en-US" dirty="0"/>
+              <a:t> </a:t>
+            </a:r>
+            <a:r>
+              <a:rPr lang="ru-RU" dirty="0"/>
+              <a:t>интерфейс</a:t>
+            </a:r>
+            <a:r>
+              <a:rPr lang="en-US" dirty="0"/>
+              <a:t>;</a:t>
+            </a:r>
+          </a:p>
+          <a:p>
+            <a:pPr marL="457200" indent="-457200">
+              <a:buAutoNum type="arabicParenR"/>
+            </a:pPr>
+            <a:r>
+              <a:rPr lang="ru-RU" dirty="0"/>
+              <a:t>Написать модуль, реализующий протокол </a:t>
+            </a:r>
+            <a:r>
+              <a:rPr lang="en-US" dirty="0"/>
+              <a:t>APB3 </a:t>
+            </a:r>
+            <a:r>
+              <a:rPr lang="ru-RU" dirty="0"/>
+              <a:t>с использованием написанного вами интерфейса (без адресной логики – достаточно 1 регистра-памяти)</a:t>
+            </a:r>
+            <a:r>
+              <a:rPr lang="en-US" dirty="0"/>
+              <a:t>;</a:t>
+            </a:r>
+            <a:endParaRPr lang="ru-RU" dirty="0"/>
+          </a:p>
+          <a:p>
+            <a:pPr marL="457200" indent="-457200">
+              <a:buAutoNum type="arabicParenR"/>
+            </a:pPr>
+            <a:r>
+              <a:rPr lang="ru-RU" dirty="0"/>
+              <a:t>Сделать тестбенч для вашего модуля, продемонстрировать процессы записи и чтения.</a:t>
+            </a:r>
+          </a:p>
+          <a:p>
+            <a:pPr marL="0" indent="0">
+              <a:buNone/>
+            </a:pPr>
+            <a:endParaRPr lang="ru-RU" dirty="0"/>
+          </a:p>
+        </p:txBody>
+      </p:sp>
+      <p:sp>
+        <p:nvSpPr>
+          <p:cNvPr id="5" name="Заголовок 1">
+            <a:extLst>
+              <a:ext uri="{FF2B5EF4-FFF2-40B4-BE49-F238E27FC236}">
+                <a16:creationId xmlns:a16="http://schemas.microsoft.com/office/drawing/2014/main" id="{92A987DF-307E-4C50-98E9-DF5A55DD1985}"/>
+              </a:ext>
+            </a:extLst>
+          </p:cNvPr>
+          <p:cNvSpPr>
+            <a:spLocks noGrp="1"/>
+          </p:cNvSpPr>
+          <p:nvPr>
+            <p:ph type="title"/>
+          </p:nvPr>
+        </p:nvSpPr>
+        <p:spPr>
+          <a:xfrm>
+            <a:off x="457200" y="533400"/>
+            <a:ext cx="8229600" cy="990600"/>
+          </a:xfrm>
+        </p:spPr>
+        <p:txBody>
+          <a:bodyPr>
+            <a:normAutofit/>
+          </a:bodyPr>
+          <a:lstStyle/>
+          <a:p>
+            <a:r>
+              <a:rPr lang="ru-RU" dirty="0"/>
+              <a:t>Цели лабораторной работы</a:t>
+            </a:r>
+          </a:p>
+        </p:txBody>
+      </p:sp>
+    </p:spTree>
+    <p:extLst>
+      <p:ext uri="{BB962C8B-B14F-4D97-AF65-F5344CB8AC3E}">
+        <p14:creationId xmlns:p14="http://schemas.microsoft.com/office/powerpoint/2010/main" val="395608944"/>
+      </p:ext>
+    </p:extLst>
+  </p:cSld>
+  <p:clrMapOvr>
+    <a:masterClrMapping/>
+  </p:clrMapOvr>
+</p:sld>
+</file>
+
+<file path=ppt/slides/slide2.xml><?xml version="1.0" encoding="utf-8"?>
+<p:sld xmlns:a="http://schemas.openxmlformats.org/drawingml/2006/main" xmlns:r="http://schemas.openxmlformats.org/officeDocument/2006/relationships" xmlns:p="http://schemas.openxmlformats.org/presentationml/2006/main">
+  <p:cSld>
+    <p:spTree>
+      <p:nvGrpSpPr>
+        <p:cNvPr id="1" name=""/>
+        <p:cNvGrpSpPr/>
+        <p:nvPr/>
+      </p:nvGrpSpPr>
+      <p:grpSpPr>
+        <a:xfrm>
+          <a:off x="0" y="0"/>
+          <a:ext cx="0" cy="0"/>
+          <a:chOff x="0" y="0"/>
+          <a:chExt cx="0" cy="0"/>
+        </a:xfrm>
+      </p:grpSpPr>
+      <p:sp>
+        <p:nvSpPr>
+          <p:cNvPr id="2" name="Заголовок 1"/>
+          <p:cNvSpPr>
+            <a:spLocks noGrp="1"/>
+          </p:cNvSpPr>
+          <p:nvPr>
+            <p:ph type="title"/>
+          </p:nvPr>
+        </p:nvSpPr>
+        <p:spPr/>
+        <p:txBody>
+          <a:bodyPr/>
+          <a:lstStyle/>
+          <a:p>
+            <a:r>
+              <a:rPr lang="en-US" dirty="0"/>
+              <a:t>System on chip</a:t>
+            </a:r>
+            <a:endParaRPr lang="ru-RU" dirty="0"/>
+          </a:p>
+        </p:txBody>
+      </p:sp>
+      <p:sp>
+        <p:nvSpPr>
+          <p:cNvPr id="3" name="Объект 2"/>
+          <p:cNvSpPr>
+            <a:spLocks noGrp="1"/>
+          </p:cNvSpPr>
+          <p:nvPr>
+            <p:ph idx="1"/>
+          </p:nvPr>
+        </p:nvSpPr>
+        <p:spPr/>
+        <p:txBody>
+          <a:bodyPr/>
+          <a:lstStyle/>
+          <a:p>
+            <a:pPr marL="0" indent="0">
+              <a:buNone/>
+            </a:pPr>
+            <a:r>
+              <a:rPr lang="en-US" dirty="0"/>
+              <a:t>• Definition </a:t>
+            </a:r>
+            <a:endParaRPr lang="ru-RU" dirty="0"/>
+          </a:p>
+          <a:p>
+            <a:pPr marL="0" indent="0">
+              <a:buNone/>
+            </a:pPr>
+            <a:r>
+              <a:rPr lang="ru-RU" dirty="0"/>
+              <a:t>  </a:t>
+            </a:r>
+            <a:r>
+              <a:rPr lang="en-US" dirty="0"/>
+              <a:t>• (nearly) complete embedded system on a single chip </a:t>
+            </a:r>
+            <a:endParaRPr lang="ru-RU" dirty="0"/>
+          </a:p>
+          <a:p>
+            <a:pPr marL="0" indent="0">
+              <a:buNone/>
+            </a:pPr>
+            <a:r>
+              <a:rPr lang="en-US" dirty="0"/>
+              <a:t>• Usually includes </a:t>
+            </a:r>
+            <a:endParaRPr lang="ru-RU" dirty="0"/>
+          </a:p>
+          <a:p>
+            <a:pPr marL="0" indent="0">
+              <a:buNone/>
+            </a:pPr>
+            <a:r>
+              <a:rPr lang="ru-RU" dirty="0"/>
+              <a:t>  </a:t>
+            </a:r>
+            <a:r>
+              <a:rPr lang="en-US" dirty="0"/>
+              <a:t>• Programmable processor(s) </a:t>
+            </a:r>
+            <a:endParaRPr lang="ru-RU" dirty="0"/>
+          </a:p>
+          <a:p>
+            <a:pPr marL="0" indent="0">
+              <a:buNone/>
+            </a:pPr>
+            <a:r>
+              <a:rPr lang="ru-RU" dirty="0"/>
+              <a:t>  </a:t>
+            </a:r>
+            <a:r>
+              <a:rPr lang="en-US" dirty="0"/>
+              <a:t>• Memory </a:t>
+            </a:r>
+            <a:endParaRPr lang="ru-RU" dirty="0"/>
+          </a:p>
+          <a:p>
+            <a:pPr marL="0" indent="0">
+              <a:buNone/>
+            </a:pPr>
+            <a:r>
+              <a:rPr lang="ru-RU" dirty="0"/>
+              <a:t>  </a:t>
+            </a:r>
+            <a:r>
+              <a:rPr lang="en-US" dirty="0"/>
+              <a:t>• Accelerating function units </a:t>
+            </a:r>
+            <a:endParaRPr lang="ru-RU" dirty="0"/>
+          </a:p>
+          <a:p>
+            <a:pPr marL="0" indent="0">
+              <a:buNone/>
+            </a:pPr>
+            <a:r>
+              <a:rPr lang="ru-RU" dirty="0"/>
+              <a:t>  </a:t>
+            </a:r>
+            <a:r>
+              <a:rPr lang="en-US" dirty="0"/>
+              <a:t>• Input/output interfaces </a:t>
+            </a:r>
+            <a:endParaRPr lang="ru-RU" dirty="0"/>
+          </a:p>
+          <a:p>
+            <a:pPr marL="0" indent="0">
+              <a:buNone/>
+            </a:pPr>
+            <a:r>
+              <a:rPr lang="ru-RU" dirty="0"/>
+              <a:t>  </a:t>
+            </a:r>
+            <a:r>
+              <a:rPr lang="en-US" dirty="0"/>
+              <a:t>• Software </a:t>
+            </a:r>
+            <a:endParaRPr lang="ru-RU" dirty="0"/>
+          </a:p>
+          <a:p>
+            <a:pPr marL="0" indent="0">
+              <a:buNone/>
+            </a:pPr>
+            <a:r>
+              <a:rPr lang="ru-RU" dirty="0"/>
+              <a:t>  </a:t>
+            </a:r>
+            <a:r>
+              <a:rPr lang="en-US" dirty="0"/>
+              <a:t>• Re-usable intellectual property blocks (HW + SW)</a:t>
+            </a:r>
+            <a:endParaRPr lang="ru-RU" dirty="0"/>
+          </a:p>
+        </p:txBody>
+      </p:sp>
+    </p:spTree>
+    <p:extLst>
+      <p:ext uri="{BB962C8B-B14F-4D97-AF65-F5344CB8AC3E}">
+        <p14:creationId xmlns:p14="http://schemas.microsoft.com/office/powerpoint/2010/main" val="1525184700"/>
+      </p:ext>
+    </p:extLst>
+  </p:cSld>
+  <p:clrMapOvr>
+    <a:masterClrMapping/>
+  </p:clrMapOvr>
 </p:sld>
 </file>
 
@@ -6856,13 +6777,6 @@
   <p:clrMapOvr>
     <a:masterClrMapping/>
   </p:clrMapOvr>
-  <p:timing>
-    <p:tnLst>
-      <p:par>
-        <p:cTn id="1" dur="indefinite" restart="never" nodeType="tmRoot"/>
-      </p:par>
-    </p:tnLst>
-  </p:timing>
 </p:sld>
 </file>
 
@@ -6901,11 +6815,11 @@
           <a:lstStyle/>
           <a:p>
             <a:r>
-              <a:rPr lang="en-US" dirty="0" err="1" smtClean="0"/>
+              <a:rPr lang="en-US" dirty="0" err="1"/>
               <a:t>SoC</a:t>
             </a:r>
             <a:r>
-              <a:rPr lang="en-US" dirty="0" smtClean="0"/>
+              <a:rPr lang="en-US" dirty="0"/>
               <a:t> example</a:t>
             </a:r>
             <a:endParaRPr lang="ru-RU" dirty="0"/>
@@ -6986,13 +6900,6 @@
   <p:clrMapOvr>
     <a:masterClrMapping/>
   </p:clrMapOvr>
-  <p:timing>
-    <p:tnLst>
-      <p:par>
-        <p:cTn id="1" dur="indefinite" restart="never" nodeType="tmRoot"/>
-      </p:par>
-    </p:tnLst>
-  </p:timing>
 </p:sld>
 </file>
 
@@ -7029,10 +6936,9 @@
           <a:lstStyle/>
           <a:p>
             <a:r>
-              <a:rPr lang="ru-RU" dirty="0" smtClean="0"/>
+              <a:rPr lang="ru-RU" dirty="0"/>
               <a:t>Интерфейс</a:t>
             </a:r>
-            <a:endParaRPr lang="ru-RU" dirty="0"/>
           </a:p>
         </p:txBody>
       </p:sp>
@@ -7087,13 +6993,6 @@
   <p:clrMapOvr>
     <a:masterClrMapping/>
   </p:clrMapOvr>
-  <p:timing>
-    <p:tnLst>
-      <p:par>
-        <p:cTn id="1" dur="indefinite" restart="never" nodeType="tmRoot"/>
-      </p:par>
-    </p:tnLst>
-  </p:timing>
 </p:sld>
 </file>
 
@@ -7130,11 +7029,11 @@
           <a:lstStyle/>
           <a:p>
             <a:r>
-              <a:rPr lang="ru-RU" dirty="0" smtClean="0"/>
+              <a:rPr lang="ru-RU" dirty="0"/>
               <a:t>Интерфейс </a:t>
             </a:r>
             <a:r>
-              <a:rPr lang="en-US" dirty="0" smtClean="0"/>
+              <a:rPr lang="en-US" dirty="0"/>
               <a:t>SPI</a:t>
             </a:r>
             <a:endParaRPr lang="ru-RU" dirty="0"/>
@@ -7192,13 +7091,6 @@
   <p:clrMapOvr>
     <a:masterClrMapping/>
   </p:clrMapOvr>
-  <p:timing>
-    <p:tnLst>
-      <p:par>
-        <p:cTn id="1" dur="indefinite" restart="never" nodeType="tmRoot"/>
-      </p:par>
-    </p:tnLst>
-  </p:timing>
 </p:sld>
 </file>
 
@@ -7235,11 +7127,11 @@
           <a:lstStyle/>
           <a:p>
             <a:r>
-              <a:rPr lang="ru-RU" dirty="0" smtClean="0"/>
+              <a:rPr lang="ru-RU" dirty="0"/>
               <a:t>Интерфейс</a:t>
             </a:r>
             <a:r>
-              <a:rPr lang="en-US" dirty="0" smtClean="0"/>
+              <a:rPr lang="en-US" dirty="0"/>
               <a:t> SPI</a:t>
             </a:r>
             <a:endParaRPr lang="ru-RU" dirty="0"/>
@@ -7297,13 +7189,6 @@
   <p:clrMapOvr>
     <a:masterClrMapping/>
   </p:clrMapOvr>
-  <p:timing>
-    <p:tnLst>
-      <p:par>
-        <p:cTn id="1" dur="indefinite" restart="never" nodeType="tmRoot"/>
-      </p:par>
-    </p:tnLst>
-  </p:timing>
 </p:sld>
 </file>
 
@@ -7334,22 +7219,25 @@
             <p:ph type="title"/>
           </p:nvPr>
         </p:nvSpPr>
-        <p:spPr/>
-        <p:txBody>
-          <a:bodyPr/>
+        <p:spPr>
+          <a:xfrm>
+            <a:off x="457200" y="533400"/>
+            <a:ext cx="8229600" cy="591344"/>
+          </a:xfrm>
+        </p:spPr>
+        <p:txBody>
+          <a:bodyPr>
+            <a:normAutofit fontScale="90000"/>
+          </a:bodyPr>
           <a:lstStyle/>
           <a:p>
             <a:r>
-              <a:rPr lang="ru-RU" dirty="0" smtClean="0"/>
+              <a:rPr lang="ru-RU" dirty="0"/>
               <a:t>Интерфейс</a:t>
             </a:r>
             <a:r>
-              <a:rPr lang="en-US" dirty="0" smtClean="0"/>
-              <a:t> SPI, </a:t>
-            </a:r>
-            <a:r>
-              <a:rPr lang="ru-RU" dirty="0" smtClean="0"/>
-              <a:t>запись</a:t>
+              <a:rPr lang="en-US" dirty="0"/>
+              <a:t> SPI</a:t>
             </a:r>
             <a:endParaRPr lang="ru-RU" dirty="0"/>
           </a:p>
@@ -7378,7 +7266,7 @@
         </p:blipFill>
         <p:spPr bwMode="auto">
           <a:xfrm>
-            <a:off x="164068" y="2564904"/>
+            <a:off x="107504" y="1628800"/>
             <a:ext cx="8728412" cy="2232248"/>
           </a:xfrm>
           <a:prstGeom prst="rect">
@@ -7396,6 +7284,167 @@
           </a:extLst>
         </p:spPr>
       </p:pic>
+      <p:pic>
+        <p:nvPicPr>
+          <p:cNvPr id="4" name="Picture 2" descr="C:\Users\kalistratov\Downloads\Untitled Diagram-Page-4.drawio (1).png">
+            <a:extLst>
+              <a:ext uri="{FF2B5EF4-FFF2-40B4-BE49-F238E27FC236}">
+                <a16:creationId xmlns:a16="http://schemas.microsoft.com/office/drawing/2014/main" id="{6590C860-B276-4FDC-86F1-99F2BA416071}"/>
+              </a:ext>
+            </a:extLst>
+          </p:cNvPr>
+          <p:cNvPicPr>
+            <a:picLocks noChangeAspect="1" noChangeArrowheads="1"/>
+          </p:cNvPicPr>
+          <p:nvPr/>
+        </p:nvPicPr>
+        <p:blipFill>
+          <a:blip r:embed="rId3">
+            <a:extLst>
+              <a:ext uri="{28A0092B-C50C-407E-A947-70E740481C1C}">
+                <a14:useLocalDpi xmlns:a14="http://schemas.microsoft.com/office/drawing/2010/main" val="0"/>
+              </a:ext>
+            </a:extLst>
+          </a:blip>
+          <a:srcRect/>
+          <a:stretch>
+            <a:fillRect/>
+          </a:stretch>
+        </p:blipFill>
+        <p:spPr bwMode="auto">
+          <a:xfrm>
+            <a:off x="79222" y="4210643"/>
+            <a:ext cx="8784976" cy="2246713"/>
+          </a:xfrm>
+          <a:prstGeom prst="rect">
+            <a:avLst/>
+          </a:prstGeom>
+          <a:noFill/>
+          <a:extLst>
+            <a:ext uri="{909E8E84-426E-40DD-AFC4-6F175D3DCCD1}">
+              <a14:hiddenFill xmlns:a14="http://schemas.microsoft.com/office/drawing/2010/main">
+                <a:solidFill>
+                  <a:srgbClr val="FFFFFF"/>
+                </a:solidFill>
+              </a14:hiddenFill>
+            </a:ext>
+          </a:extLst>
+        </p:spPr>
+      </p:pic>
+      <p:sp>
+        <p:nvSpPr>
+          <p:cNvPr id="5" name="Заголовок 1">
+            <a:extLst>
+              <a:ext uri="{FF2B5EF4-FFF2-40B4-BE49-F238E27FC236}">
+                <a16:creationId xmlns:a16="http://schemas.microsoft.com/office/drawing/2014/main" id="{C7B9CDE6-7130-43A2-BD20-21AC53DA3232}"/>
+              </a:ext>
+            </a:extLst>
+          </p:cNvPr>
+          <p:cNvSpPr txBox="1">
+            <a:spLocks/>
+          </p:cNvSpPr>
+          <p:nvPr/>
+        </p:nvSpPr>
+        <p:spPr>
+          <a:xfrm>
+            <a:off x="450230" y="1279204"/>
+            <a:ext cx="1169442" cy="393239"/>
+          </a:xfrm>
+          <a:prstGeom prst="rect">
+            <a:avLst/>
+          </a:prstGeom>
+        </p:spPr>
+        <p:txBody>
+          <a:bodyPr vert="horz" lIns="91440" tIns="45720" rIns="91440" bIns="45720" rtlCol="0" anchor="ctr">
+            <a:normAutofit fontScale="90000" lnSpcReduction="10000"/>
+          </a:bodyPr>
+          <a:lstStyle>
+            <a:lvl1pPr algn="l" defTabSz="914400" rtl="0" eaLnBrk="1" latinLnBrk="0" hangingPunct="1">
+              <a:spcBef>
+                <a:spcPct val="0"/>
+              </a:spcBef>
+              <a:buNone/>
+              <a:defRPr sz="4000" kern="1200" spc="-100" baseline="0">
+                <a:solidFill>
+                  <a:schemeClr val="tx2"/>
+                </a:solidFill>
+                <a:latin typeface="+mj-lt"/>
+                <a:ea typeface="+mj-ea"/>
+                <a:cs typeface="+mj-cs"/>
+              </a:defRPr>
+            </a:lvl1pPr>
+          </a:lstStyle>
+          <a:p>
+            <a:r>
+              <a:rPr lang="ru-RU" sz="2400" dirty="0">
+                <a:solidFill>
+                  <a:schemeClr val="accent6">
+                    <a:lumMod val="50000"/>
+                  </a:schemeClr>
+                </a:solidFill>
+              </a:rPr>
+              <a:t>Запись</a:t>
+            </a:r>
+          </a:p>
+        </p:txBody>
+      </p:sp>
+      <p:sp>
+        <p:nvSpPr>
+          <p:cNvPr id="6" name="Заголовок 1">
+            <a:extLst>
+              <a:ext uri="{FF2B5EF4-FFF2-40B4-BE49-F238E27FC236}">
+                <a16:creationId xmlns:a16="http://schemas.microsoft.com/office/drawing/2014/main" id="{D68498DB-2CE4-40E7-891E-3BC77A18CD31}"/>
+              </a:ext>
+            </a:extLst>
+          </p:cNvPr>
+          <p:cNvSpPr txBox="1">
+            <a:spLocks/>
+          </p:cNvSpPr>
+          <p:nvPr/>
+        </p:nvSpPr>
+        <p:spPr>
+          <a:xfrm>
+            <a:off x="450230" y="3817404"/>
+            <a:ext cx="1169442" cy="393239"/>
+          </a:xfrm>
+          <a:prstGeom prst="rect">
+            <a:avLst/>
+          </a:prstGeom>
+        </p:spPr>
+        <p:txBody>
+          <a:bodyPr vert="horz" lIns="91440" tIns="45720" rIns="91440" bIns="45720" rtlCol="0" anchor="ctr">
+            <a:normAutofit fontScale="90000" lnSpcReduction="10000"/>
+          </a:bodyPr>
+          <a:lstStyle>
+            <a:lvl1pPr algn="l" defTabSz="914400" rtl="0" eaLnBrk="1" latinLnBrk="0" hangingPunct="1">
+              <a:spcBef>
+                <a:spcPct val="0"/>
+              </a:spcBef>
+              <a:buNone/>
+              <a:defRPr sz="4000" kern="1200" spc="-100" baseline="0">
+                <a:solidFill>
+                  <a:schemeClr val="tx2"/>
+                </a:solidFill>
+                <a:latin typeface="+mj-lt"/>
+                <a:ea typeface="+mj-ea"/>
+                <a:cs typeface="+mj-cs"/>
+              </a:defRPr>
+            </a:lvl1pPr>
+          </a:lstStyle>
+          <a:p>
+            <a:r>
+              <a:rPr lang="ru-RU" sz="2400" dirty="0">
+                <a:solidFill>
+                  <a:schemeClr val="accent6">
+                    <a:lumMod val="50000"/>
+                  </a:schemeClr>
+                </a:solidFill>
+              </a:rPr>
+              <a:t>Чтение</a:t>
+            </a:r>
+          </a:p>
+        </p:txBody>
+      </p:sp>
     </p:spTree>
     <p:extLst>
       <p:ext uri="{BB962C8B-B14F-4D97-AF65-F5344CB8AC3E}">
@@ -7406,13 +7455,6 @@
   <p:clrMapOvr>
     <a:masterClrMapping/>
   </p:clrMapOvr>
-  <p:timing>
-    <p:tnLst>
-      <p:par>
-        <p:cTn id="1" dur="indefinite" restart="never" nodeType="tmRoot"/>
-      </p:par>
-    </p:tnLst>
-  </p:timing>
 </p:sld>
 </file>
 
@@ -7443,85 +7485,442 @@
             <p:ph type="title"/>
           </p:nvPr>
         </p:nvSpPr>
-        <p:spPr/>
-        <p:txBody>
-          <a:bodyPr/>
+        <p:spPr>
+          <a:xfrm>
+            <a:off x="457200" y="533400"/>
+            <a:ext cx="8229600" cy="663352"/>
+          </a:xfrm>
+        </p:spPr>
+        <p:txBody>
+          <a:bodyPr>
+            <a:normAutofit fontScale="90000"/>
+          </a:bodyPr>
           <a:lstStyle/>
           <a:p>
             <a:r>
-              <a:rPr lang="ru-RU" dirty="0" smtClean="0"/>
-              <a:t>Интерфейс</a:t>
-            </a:r>
-            <a:r>
-              <a:rPr lang="en-US" dirty="0" smtClean="0"/>
-              <a:t> SPI</a:t>
-            </a:r>
-            <a:r>
-              <a:rPr lang="ru-RU" dirty="0" smtClean="0"/>
-              <a:t>, чтение</a:t>
+              <a:rPr lang="ru-RU" dirty="0"/>
+              <a:t>Описание интерфейса </a:t>
+            </a:r>
+            <a:r>
+              <a:rPr lang="en-US" dirty="0"/>
+              <a:t>SPI </a:t>
+            </a:r>
+            <a:r>
+              <a:rPr lang="ru-RU" dirty="0"/>
+              <a:t>на </a:t>
+            </a:r>
+            <a:r>
+              <a:rPr lang="en-US" dirty="0"/>
+              <a:t>SV</a:t>
             </a:r>
             <a:endParaRPr lang="ru-RU" dirty="0"/>
           </a:p>
         </p:txBody>
       </p:sp>
-      <p:pic>
-        <p:nvPicPr>
-          <p:cNvPr id="1026" name="Picture 2" descr="C:\Users\kalistratov\Downloads\Untitled Diagram-Page-4.drawio (1).png"/>
-          <p:cNvPicPr>
-            <a:picLocks noChangeAspect="1" noChangeArrowheads="1"/>
-          </p:cNvPicPr>
-          <p:nvPr/>
-        </p:nvPicPr>
-        <p:blipFill>
-          <a:blip r:embed="rId2">
+      <p:sp>
+        <p:nvSpPr>
+          <p:cNvPr id="8" name="TextBox 7">
             <a:extLst>
-              <a:ext uri="{28A0092B-C50C-407E-A947-70E740481C1C}">
-                <a14:useLocalDpi xmlns:a14="http://schemas.microsoft.com/office/drawing/2010/main" val="0"/>
+              <a:ext uri="{FF2B5EF4-FFF2-40B4-BE49-F238E27FC236}">
+                <a16:creationId xmlns:a16="http://schemas.microsoft.com/office/drawing/2014/main" id="{7DA1C336-C8AB-4100-9E7E-567D0A0A8A57}"/>
               </a:ext>
             </a:extLst>
-          </a:blip>
-          <a:srcRect/>
-          <a:stretch>
-            <a:fillRect/>
-          </a:stretch>
-        </p:blipFill>
-        <p:spPr bwMode="auto">
+          </p:cNvPr>
+          <p:cNvSpPr txBox="1"/>
+          <p:nvPr/>
+        </p:nvSpPr>
+        <p:spPr>
           <a:xfrm>
-            <a:off x="107504" y="2550439"/>
-            <a:ext cx="8784976" cy="2246713"/>
+            <a:off x="3851920" y="2996952"/>
+            <a:ext cx="4968552" cy="3416320"/>
           </a:xfrm>
           <a:prstGeom prst="rect">
             <a:avLst/>
           </a:prstGeom>
           <a:noFill/>
-          <a:extLst>
-            <a:ext uri="{909E8E84-426E-40DD-AFC4-6F175D3DCCD1}">
-              <a14:hiddenFill xmlns:a14="http://schemas.microsoft.com/office/drawing/2010/main">
-                <a:solidFill>
-                  <a:srgbClr val="FFFFFF"/>
-                </a:solidFill>
-              </a14:hiddenFill>
-            </a:ext>
-          </a:extLst>
+          <a:ln>
+            <a:solidFill>
+              <a:schemeClr val="tx1"/>
+            </a:solidFill>
+          </a:ln>
         </p:spPr>
-      </p:pic>
+        <p:txBody>
+          <a:bodyPr wrap="square" rtlCol="0">
+            <a:spAutoFit/>
+          </a:bodyPr>
+          <a:lstStyle/>
+          <a:p>
+            <a:pPr marL="324000">
+              <a:buFont typeface="+mj-lt"/>
+              <a:buAutoNum type="arabicPeriod"/>
+            </a:pPr>
+            <a:r>
+              <a:rPr lang="en-US" dirty="0">
+                <a:solidFill>
+                  <a:srgbClr val="002060"/>
+                </a:solidFill>
+              </a:rPr>
+              <a:t>    interface SPI#(</a:t>
+            </a:r>
+          </a:p>
+          <a:p>
+            <a:pPr marL="324000">
+              <a:buFont typeface="+mj-lt"/>
+              <a:buAutoNum type="arabicPeriod"/>
+            </a:pPr>
+            <a:r>
+              <a:rPr lang="en-US" dirty="0">
+                <a:solidFill>
+                  <a:srgbClr val="002060"/>
+                </a:solidFill>
+              </a:rPr>
+              <a:t>        parameter   SLAVES_NUM  = 2</a:t>
+            </a:r>
+          </a:p>
+          <a:p>
+            <a:pPr marL="324000">
+              <a:buFont typeface="+mj-lt"/>
+              <a:buAutoNum type="arabicPeriod"/>
+            </a:pPr>
+            <a:r>
+              <a:rPr lang="en-US" dirty="0">
+                <a:solidFill>
+                  <a:srgbClr val="002060"/>
+                </a:solidFill>
+              </a:rPr>
+              <a:t>    )(	</a:t>
+            </a:r>
+          </a:p>
+          <a:p>
+            <a:pPr marL="324000">
+              <a:buFont typeface="+mj-lt"/>
+              <a:buAutoNum type="arabicPeriod"/>
+            </a:pPr>
+            <a:r>
+              <a:rPr lang="en-US" dirty="0">
+                <a:solidFill>
+                  <a:srgbClr val="002060"/>
+                </a:solidFill>
+              </a:rPr>
+              <a:t>        input       clk,</a:t>
+            </a:r>
+          </a:p>
+          <a:p>
+            <a:pPr marL="324000">
+              <a:buFont typeface="+mj-lt"/>
+              <a:buAutoNum type="arabicPeriod"/>
+            </a:pPr>
+            <a:r>
+              <a:rPr lang="en-US" dirty="0">
+                <a:solidFill>
+                  <a:srgbClr val="002060"/>
+                </a:solidFill>
+              </a:rPr>
+              <a:t>        input       </a:t>
+            </a:r>
+            <a:r>
+              <a:rPr lang="en-US" dirty="0" err="1">
+                <a:solidFill>
+                  <a:srgbClr val="002060"/>
+                </a:solidFill>
+              </a:rPr>
+              <a:t>rst</a:t>
+            </a:r>
+            <a:endParaRPr lang="en-US" dirty="0">
+              <a:solidFill>
+                <a:srgbClr val="002060"/>
+              </a:solidFill>
+            </a:endParaRPr>
+          </a:p>
+          <a:p>
+            <a:pPr marL="324000">
+              <a:buFont typeface="+mj-lt"/>
+              <a:buAutoNum type="arabicPeriod"/>
+            </a:pPr>
+            <a:r>
+              <a:rPr lang="en-US" dirty="0">
+                <a:solidFill>
+                  <a:srgbClr val="002060"/>
+                </a:solidFill>
+              </a:rPr>
+              <a:t>    );</a:t>
+            </a:r>
+          </a:p>
+          <a:p>
+            <a:pPr marL="324000">
+              <a:buFont typeface="+mj-lt"/>
+              <a:buAutoNum type="arabicPeriod"/>
+            </a:pPr>
+            <a:r>
+              <a:rPr lang="en-US" dirty="0">
+                <a:solidFill>
+                  <a:srgbClr val="002060"/>
+                </a:solidFill>
+              </a:rPr>
+              <a:t>    </a:t>
+            </a:r>
+          </a:p>
+          <a:p>
+            <a:pPr marL="324000">
+              <a:buFont typeface="+mj-lt"/>
+              <a:buAutoNum type="arabicPeriod"/>
+            </a:pPr>
+            <a:r>
+              <a:rPr lang="en-US" dirty="0">
+                <a:solidFill>
+                  <a:srgbClr val="002060"/>
+                </a:solidFill>
+              </a:rPr>
+              <a:t>        logic                   MOSI;</a:t>
+            </a:r>
+          </a:p>
+          <a:p>
+            <a:pPr marL="324000">
+              <a:buFont typeface="+mj-lt"/>
+              <a:buAutoNum type="arabicPeriod"/>
+            </a:pPr>
+            <a:r>
+              <a:rPr lang="en-US" dirty="0">
+                <a:solidFill>
+                  <a:srgbClr val="002060"/>
+                </a:solidFill>
+              </a:rPr>
+              <a:t>        logic                   MISO;</a:t>
+            </a:r>
+          </a:p>
+          <a:p>
+            <a:pPr marL="324000">
+              <a:buFont typeface="+mj-lt"/>
+              <a:buAutoNum type="arabicPeriod"/>
+            </a:pPr>
+            <a:r>
+              <a:rPr lang="en-US" dirty="0">
+                <a:solidFill>
+                  <a:srgbClr val="002060"/>
+                </a:solidFill>
+              </a:rPr>
+              <a:t>      logic [SLAVES_NUM-1:0]  SS;</a:t>
+            </a:r>
+          </a:p>
+          <a:p>
+            <a:pPr marL="324000">
+              <a:buFont typeface="+mj-lt"/>
+              <a:buAutoNum type="arabicPeriod"/>
+            </a:pPr>
+            <a:r>
+              <a:rPr lang="en-US" dirty="0">
+                <a:solidFill>
+                  <a:srgbClr val="002060"/>
+                </a:solidFill>
+              </a:rPr>
+              <a:t>    </a:t>
+            </a:r>
+          </a:p>
+          <a:p>
+            <a:pPr marL="324000">
+              <a:buFont typeface="+mj-lt"/>
+              <a:buAutoNum type="arabicPeriod"/>
+            </a:pPr>
+            <a:r>
+              <a:rPr lang="en-US" dirty="0">
+                <a:solidFill>
+                  <a:srgbClr val="002060"/>
+                </a:solidFill>
+              </a:rPr>
+              <a:t>    </a:t>
+            </a:r>
+            <a:r>
+              <a:rPr lang="en-US" dirty="0" err="1">
+                <a:solidFill>
+                  <a:srgbClr val="002060"/>
+                </a:solidFill>
+              </a:rPr>
+              <a:t>endinterface</a:t>
+            </a:r>
+            <a:r>
+              <a:rPr lang="en-US" dirty="0">
+                <a:solidFill>
+                  <a:srgbClr val="002060"/>
+                </a:solidFill>
+              </a:rPr>
+              <a:t> : SPI</a:t>
+            </a:r>
+            <a:endParaRPr lang="ru-RU" dirty="0"/>
+          </a:p>
+        </p:txBody>
+      </p:sp>
+      <p:sp>
+        <p:nvSpPr>
+          <p:cNvPr id="9" name="TextBox 8">
+            <a:extLst>
+              <a:ext uri="{FF2B5EF4-FFF2-40B4-BE49-F238E27FC236}">
+                <a16:creationId xmlns:a16="http://schemas.microsoft.com/office/drawing/2014/main" id="{6650159E-5159-4F4F-84F2-EA83DE001A8B}"/>
+              </a:ext>
+            </a:extLst>
+          </p:cNvPr>
+          <p:cNvSpPr txBox="1"/>
+          <p:nvPr/>
+        </p:nvSpPr>
+        <p:spPr>
+          <a:xfrm>
+            <a:off x="457200" y="1340768"/>
+            <a:ext cx="8229600" cy="1200329"/>
+          </a:xfrm>
+          <a:prstGeom prst="rect">
+            <a:avLst/>
+          </a:prstGeom>
+          <a:noFill/>
+        </p:spPr>
+        <p:txBody>
+          <a:bodyPr wrap="square" rtlCol="0">
+            <a:spAutoFit/>
+          </a:bodyPr>
+          <a:lstStyle/>
+          <a:p>
+            <a:r>
+              <a:rPr lang="ru-RU" b="1" dirty="0"/>
+              <a:t>Интерфейс (в </a:t>
+            </a:r>
+            <a:r>
+              <a:rPr lang="en-US" b="1" dirty="0" err="1"/>
+              <a:t>SystemVerilog</a:t>
+            </a:r>
+            <a:r>
+              <a:rPr lang="en-US" b="1" dirty="0"/>
+              <a:t>) </a:t>
+            </a:r>
+            <a:r>
+              <a:rPr lang="ru-RU" dirty="0"/>
+              <a:t>– метод инкапсуляции сигналов в логическую группу с целью упрощения взаимодействия с необходимой группой сигналов. Используется для дальнейшего упрощения использования группы сигналов в разрабатываемых модулях.</a:t>
+            </a:r>
+          </a:p>
+        </p:txBody>
+      </p:sp>
+      <p:sp>
+        <p:nvSpPr>
+          <p:cNvPr id="10" name="TextBox 9">
+            <a:extLst>
+              <a:ext uri="{FF2B5EF4-FFF2-40B4-BE49-F238E27FC236}">
+                <a16:creationId xmlns:a16="http://schemas.microsoft.com/office/drawing/2014/main" id="{A7FC6EE4-841F-41F6-8B0C-0CA2FCC167B3}"/>
+              </a:ext>
+            </a:extLst>
+          </p:cNvPr>
+          <p:cNvSpPr txBox="1"/>
+          <p:nvPr/>
+        </p:nvSpPr>
+        <p:spPr>
+          <a:xfrm>
+            <a:off x="457200" y="3573016"/>
+            <a:ext cx="3168352" cy="2862322"/>
+          </a:xfrm>
+          <a:prstGeom prst="rect">
+            <a:avLst/>
+          </a:prstGeom>
+          <a:noFill/>
+        </p:spPr>
+        <p:txBody>
+          <a:bodyPr wrap="square" rtlCol="0">
+            <a:spAutoFit/>
+          </a:bodyPr>
+          <a:lstStyle/>
+          <a:p>
+            <a:r>
+              <a:rPr lang="ru-RU" b="1" dirty="0"/>
+              <a:t>Свойства интерфейсов:</a:t>
+            </a:r>
+          </a:p>
+          <a:p>
+            <a:pPr marL="285750" indent="-285750">
+              <a:buFont typeface="Arial" panose="020B0604020202020204" pitchFamily="34" charset="0"/>
+              <a:buChar char="•"/>
+            </a:pPr>
+            <a:r>
+              <a:rPr lang="ru-RU" dirty="0"/>
+              <a:t>Параметризация</a:t>
+            </a:r>
+            <a:r>
+              <a:rPr lang="en-US" dirty="0"/>
+              <a:t>;</a:t>
+            </a:r>
+            <a:endParaRPr lang="ru-RU" dirty="0"/>
+          </a:p>
+          <a:p>
+            <a:pPr marL="285750" indent="-285750">
+              <a:buFont typeface="Arial" panose="020B0604020202020204" pitchFamily="34" charset="0"/>
+              <a:buChar char="•"/>
+            </a:pPr>
+            <a:r>
+              <a:rPr lang="ru-RU" dirty="0"/>
+              <a:t>Можно задать внешние сигналы (</a:t>
+            </a:r>
+            <a:r>
+              <a:rPr lang="en-US" dirty="0"/>
+              <a:t>clk, </a:t>
+            </a:r>
+            <a:r>
+              <a:rPr lang="en-US" dirty="0" err="1"/>
+              <a:t>rst</a:t>
+            </a:r>
+            <a:r>
+              <a:rPr lang="ru-RU" dirty="0"/>
+              <a:t> и </a:t>
+            </a:r>
+            <a:r>
+              <a:rPr lang="ru-RU" dirty="0" err="1"/>
+              <a:t>д.р</a:t>
+            </a:r>
+            <a:r>
+              <a:rPr lang="ru-RU" dirty="0"/>
+              <a:t>.)</a:t>
+            </a:r>
+            <a:r>
+              <a:rPr lang="en-US" dirty="0"/>
+              <a:t>;</a:t>
+            </a:r>
+          </a:p>
+          <a:p>
+            <a:pPr marL="285750" indent="-285750">
+              <a:buFont typeface="Arial" panose="020B0604020202020204" pitchFamily="34" charset="0"/>
+              <a:buChar char="•"/>
+            </a:pPr>
+            <a:r>
+              <a:rPr lang="ru-RU" dirty="0"/>
+              <a:t>Определение направления каждого из сигналов через </a:t>
+            </a:r>
+            <a:r>
+              <a:rPr lang="en-US" dirty="0" err="1"/>
+              <a:t>modportl</a:t>
+            </a:r>
+            <a:r>
+              <a:rPr lang="en-US" dirty="0"/>
+              <a:t>;</a:t>
+            </a:r>
+          </a:p>
+          <a:p>
+            <a:pPr marL="285750" indent="-285750">
+              <a:buFont typeface="Arial" panose="020B0604020202020204" pitchFamily="34" charset="0"/>
+              <a:buChar char="•"/>
+            </a:pPr>
+            <a:r>
+              <a:rPr lang="ru-RU" dirty="0"/>
+              <a:t>Наследуемость параметров.</a:t>
+            </a:r>
+          </a:p>
+          <a:p>
+            <a:endParaRPr lang="ru-RU" dirty="0"/>
+          </a:p>
+        </p:txBody>
+      </p:sp>
     </p:spTree>
     <p:extLst>
       <p:ext uri="{BB962C8B-B14F-4D97-AF65-F5344CB8AC3E}">
-        <p14:creationId xmlns:p14="http://schemas.microsoft.com/office/powerpoint/2010/main" val="893655256"/>
+        <p14:creationId xmlns:p14="http://schemas.microsoft.com/office/powerpoint/2010/main" val="3757627621"/>
       </p:ext>
     </p:extLst>
   </p:cSld>
   <p:clrMapOvr>
     <a:masterClrMapping/>
   </p:clrMapOvr>
-  <p:timing>
-    <p:tnLst>
-      <p:par>
-        <p:cTn id="1" dur="indefinite" restart="never" nodeType="tmRoot"/>
-      </p:par>
-    </p:tnLst>
-  </p:timing>
 </p:sld>
 </file>
 
@@ -7811,4 +8210,299 @@
   <a:objectDefaults/>
   <a:extraClrSchemeLst/>
 </a:theme>
+</file>
+
+<file path=ppt/theme/theme2.xml><?xml version="1.0" encoding="utf-8"?>
+<a:theme xmlns:a="http://schemas.openxmlformats.org/drawingml/2006/main" name="Тема Office">
+  <a:themeElements>
+    <a:clrScheme name="Стандартная">
+      <a:dk1>
+        <a:sysClr val="windowText" lastClr="000000"/>
+      </a:dk1>
+      <a:lt1>
+        <a:sysClr val="window" lastClr="FFFFFF"/>
+      </a:lt1>
+      <a:dk2>
+        <a:srgbClr val="44546A"/>
+      </a:dk2>
+      <a:lt2>
+        <a:srgbClr val="E7E6E6"/>
+      </a:lt2>
+      <a:accent1>
+        <a:srgbClr val="4472C4"/>
+      </a:accent1>
+      <a:accent2>
+        <a:srgbClr val="ED7D31"/>
+      </a:accent2>
+      <a:accent3>
+        <a:srgbClr val="A5A5A5"/>
+      </a:accent3>
+      <a:accent4>
+        <a:srgbClr val="FFC000"/>
+      </a:accent4>
+      <a:accent5>
+        <a:srgbClr val="5B9BD5"/>
+      </a:accent5>
+      <a:accent6>
+        <a:srgbClr val="70AD47"/>
+      </a:accent6>
+      <a:hlink>
+        <a:srgbClr val="0563C1"/>
+      </a:hlink>
+      <a:folHlink>
+        <a:srgbClr val="954F72"/>
+      </a:folHlink>
+    </a:clrScheme>
+    <a:fontScheme name="Стандартная">
+      <a:majorFont>
+        <a:latin typeface="Calibri Light" panose="020F0302020204030204"/>
+        <a:ea typeface=""/>
+        <a:cs typeface=""/>
+        <a:font script="Jpan" typeface="游ゴシック Light"/>
+        <a:font script="Hang" typeface="맑은 고딕"/>
+        <a:font script="Hans" typeface="等线 Light"/>
+        <a:font script="Hant" typeface="新細明體"/>
+        <a:font script="Arab" typeface="Times New Roman"/>
+        <a:font script="Hebr" typeface="Times New Roman"/>
+        <a:font script="Thai" typeface="Angsana New"/>
+        <a:font script="Ethi" typeface="Nyala"/>
+        <a:font script="Beng" typeface="Vrinda"/>
+        <a:font script="Gujr" typeface="Shruti"/>
+        <a:font script="Khmr" typeface="MoolBoran"/>
+        <a:font script="Knda" typeface="Tunga"/>
+        <a:font script="Guru" typeface="Raavi"/>
+        <a:font script="Cans" typeface="Euphemia"/>
+        <a:font script="Cher" typeface="Plantagenet Cherokee"/>
+        <a:font script="Yiii" typeface="Microsoft Yi Baiti"/>
+        <a:font script="Tibt" typeface="Microsoft Himalaya"/>
+        <a:font script="Thaa" typeface="MV Boli"/>
+        <a:font script="Deva" typeface="Mangal"/>
+        <a:font script="Telu" typeface="Gautami"/>
+        <a:font script="Taml" typeface="Latha"/>
+        <a:font script="Syrc" typeface="Estrangelo Edessa"/>
+        <a:font script="Orya" typeface="Kalinga"/>
+        <a:font script="Mlym" typeface="Kartika"/>
+        <a:font script="Laoo" typeface="DokChampa"/>
+        <a:font script="Sinh" typeface="Iskoola Pota"/>
+        <a:font script="Mong" typeface="Mongolian Baiti"/>
+        <a:font script="Viet" typeface="Times New Roman"/>
+        <a:font script="Uigh" typeface="Microsoft Uighur"/>
+        <a:font script="Geor" typeface="Sylfaen"/>
+        <a:font script="Armn" typeface="Arial"/>
+        <a:font script="Bugi" typeface="Leelawadee UI"/>
+        <a:font script="Bopo" typeface="Microsoft JhengHei"/>
+        <a:font script="Java" typeface="Javanese Text"/>
+        <a:font script="Lisu" typeface="Segoe UI"/>
+        <a:font script="Mymr" typeface="Myanmar Text"/>
+        <a:font script="Nkoo" typeface="Ebrima"/>
+        <a:font script="Olck" typeface="Nirmala UI"/>
+        <a:font script="Osma" typeface="Ebrima"/>
+        <a:font script="Phag" typeface="Phagspa"/>
+        <a:font script="Syrn" typeface="Estrangelo Edessa"/>
+        <a:font script="Syrj" typeface="Estrangelo Edessa"/>
+        <a:font script="Syre" typeface="Estrangelo Edessa"/>
+        <a:font script="Sora" typeface="Nirmala UI"/>
+        <a:font script="Tale" typeface="Microsoft Tai Le"/>
+        <a:font script="Talu" typeface="Microsoft New Tai Lue"/>
+        <a:font script="Tfng" typeface="Ebrima"/>
+      </a:majorFont>
+      <a:minorFont>
+        <a:latin typeface="Calibri" panose="020F0502020204030204"/>
+        <a:ea typeface=""/>
+        <a:cs typeface=""/>
+        <a:font script="Jpan" typeface="游ゴシック"/>
+        <a:font script="Hang" typeface="맑은 고딕"/>
+        <a:font script="Hans" typeface="等线"/>
+        <a:font script="Hant" typeface="新細明體"/>
+        <a:font script="Arab" typeface="Arial"/>
+        <a:font script="Hebr" typeface="Arial"/>
+        <a:font script="Thai" typeface="Cordia New"/>
+        <a:font script="Ethi" typeface="Nyala"/>
+        <a:font script="Beng" typeface="Vrinda"/>
+        <a:font script="Gujr" typeface="Shruti"/>
+        <a:font script="Khmr" typeface="DaunPenh"/>
+        <a:font script="Knda" typeface="Tunga"/>
+        <a:font script="Guru" typeface="Raavi"/>
+        <a:font script="Cans" typeface="Euphemia"/>
+        <a:font script="Cher" typeface="Plantagenet Cherokee"/>
+        <a:font script="Yiii" typeface="Microsoft Yi Baiti"/>
+        <a:font script="Tibt" typeface="Microsoft Himalaya"/>
+        <a:font script="Thaa" typeface="MV Boli"/>
+        <a:font script="Deva" typeface="Mangal"/>
+        <a:font script="Telu" typeface="Gautami"/>
+        <a:font script="Taml" typeface="Latha"/>
+        <a:font script="Syrc" typeface="Estrangelo Edessa"/>
+        <a:font script="Orya" typeface="Kalinga"/>
+        <a:font script="Mlym" typeface="Kartika"/>
+        <a:font script="Laoo" typeface="DokChampa"/>
+        <a:font script="Sinh" typeface="Iskoola Pota"/>
+        <a:font script="Mong" typeface="Mongolian Baiti"/>
+        <a:font script="Viet" typeface="Arial"/>
+        <a:font script="Uigh" typeface="Microsoft Uighur"/>
+        <a:font script="Geor" typeface="Sylfaen"/>
+        <a:font script="Armn" typeface="Arial"/>
+        <a:font script="Bugi" typeface="Leelawadee UI"/>
+        <a:font script="Bopo" typeface="Microsoft JhengHei"/>
+        <a:font script="Java" typeface="Javanese Text"/>
+        <a:font script="Lisu" typeface="Segoe UI"/>
+        <a:font script="Mymr" typeface="Myanmar Text"/>
+        <a:font script="Nkoo" typeface="Ebrima"/>
+        <a:font script="Olck" typeface="Nirmala UI"/>
+        <a:font script="Osma" typeface="Ebrima"/>
+        <a:font script="Phag" typeface="Phagspa"/>
+        <a:font script="Syrn" typeface="Estrangelo Edessa"/>
+        <a:font script="Syrj" typeface="Estrangelo Edessa"/>
+        <a:font script="Syre" typeface="Estrangelo Edessa"/>
+        <a:font script="Sora" typeface="Nirmala UI"/>
+        <a:font script="Tale" typeface="Microsoft Tai Le"/>
+        <a:font script="Talu" typeface="Microsoft New Tai Lue"/>
+        <a:font script="Tfng" typeface="Ebrima"/>
+      </a:minorFont>
+    </a:fontScheme>
+    <a:fmtScheme name="Стандартная">
+      <a:fillStyleLst>
+        <a:solidFill>
+          <a:schemeClr val="phClr"/>
+        </a:solidFill>
+        <a:gradFill rotWithShape="1">
+          <a:gsLst>
+            <a:gs pos="0">
+              <a:schemeClr val="phClr">
+                <a:lumMod val="110000"/>
+                <a:satMod val="105000"/>
+                <a:tint val="67000"/>
+              </a:schemeClr>
+            </a:gs>
+            <a:gs pos="50000">
+              <a:schemeClr val="phClr">
+                <a:lumMod val="105000"/>
+                <a:satMod val="103000"/>
+                <a:tint val="73000"/>
+              </a:schemeClr>
+            </a:gs>
+            <a:gs pos="100000">
+              <a:schemeClr val="phClr">
+                <a:lumMod val="105000"/>
+                <a:satMod val="109000"/>
+                <a:tint val="81000"/>
+              </a:schemeClr>
+            </a:gs>
+          </a:gsLst>
+          <a:lin ang="5400000" scaled="0"/>
+        </a:gradFill>
+        <a:gradFill rotWithShape="1">
+          <a:gsLst>
+            <a:gs pos="0">
+              <a:schemeClr val="phClr">
+                <a:satMod val="103000"/>
+                <a:lumMod val="102000"/>
+                <a:tint val="94000"/>
+              </a:schemeClr>
+            </a:gs>
+            <a:gs pos="50000">
+              <a:schemeClr val="phClr">
+                <a:satMod val="110000"/>
+                <a:lumMod val="100000"/>
+                <a:shade val="100000"/>
+              </a:schemeClr>
+            </a:gs>
+            <a:gs pos="100000">
+              <a:schemeClr val="phClr">
+                <a:lumMod val="99000"/>
+                <a:satMod val="120000"/>
+                <a:shade val="78000"/>
+              </a:schemeClr>
+            </a:gs>
+          </a:gsLst>
+          <a:lin ang="5400000" scaled="0"/>
+        </a:gradFill>
+      </a:fillStyleLst>
+      <a:lnStyleLst>
+        <a:ln w="6350" cap="flat" cmpd="sng" algn="ctr">
+          <a:solidFill>
+            <a:schemeClr val="phClr"/>
+          </a:solidFill>
+          <a:prstDash val="solid"/>
+          <a:miter lim="800000"/>
+        </a:ln>
+        <a:ln w="12700" cap="flat" cmpd="sng" algn="ctr">
+          <a:solidFill>
+            <a:schemeClr val="phClr"/>
+          </a:solidFill>
+          <a:prstDash val="solid"/>
+          <a:miter lim="800000"/>
+        </a:ln>
+        <a:ln w="19050" cap="flat" cmpd="sng" algn="ctr">
+          <a:solidFill>
+            <a:schemeClr val="phClr"/>
+          </a:solidFill>
+          <a:prstDash val="solid"/>
+          <a:miter lim="800000"/>
+        </a:ln>
+      </a:lnStyleLst>
+      <a:effectStyleLst>
+        <a:effectStyle>
+          <a:effectLst/>
+        </a:effectStyle>
+        <a:effectStyle>
+          <a:effectLst/>
+        </a:effectStyle>
+        <a:effectStyle>
+          <a:effectLst>
+            <a:outerShdw blurRad="57150" dist="19050" dir="5400000" algn="ctr" rotWithShape="0">
+              <a:srgbClr val="000000">
+                <a:alpha val="63000"/>
+              </a:srgbClr>
+            </a:outerShdw>
+          </a:effectLst>
+        </a:effectStyle>
+      </a:effectStyleLst>
+      <a:bgFillStyleLst>
+        <a:solidFill>
+          <a:schemeClr val="phClr"/>
+        </a:solidFill>
+        <a:solidFill>
+          <a:schemeClr val="phClr">
+            <a:tint val="95000"/>
+            <a:satMod val="170000"/>
+          </a:schemeClr>
+        </a:solidFill>
+        <a:gradFill rotWithShape="1">
+          <a:gsLst>
+            <a:gs pos="0">
+              <a:schemeClr val="phClr">
+                <a:tint val="93000"/>
+                <a:satMod val="150000"/>
+                <a:shade val="98000"/>
+                <a:lumMod val="102000"/>
+              </a:schemeClr>
+            </a:gs>
+            <a:gs pos="50000">
+              <a:schemeClr val="phClr">
+                <a:tint val="98000"/>
+                <a:satMod val="130000"/>
+                <a:shade val="90000"/>
+                <a:lumMod val="103000"/>
+              </a:schemeClr>
+            </a:gs>
+            <a:gs pos="100000">
+              <a:schemeClr val="phClr">
+                <a:shade val="63000"/>
+                <a:satMod val="120000"/>
+              </a:schemeClr>
+            </a:gs>
+          </a:gsLst>
+          <a:lin ang="5400000" scaled="0"/>
+        </a:gradFill>
+      </a:bgFillStyleLst>
+    </a:fmtScheme>
+  </a:themeElements>
+  <a:objectDefaults/>
+  <a:extraClrSchemeLst/>
+  <a:extLst>
+    <a:ext uri="{05A4C25C-085E-4340-85A3-A5531E510DB2}">
+      <thm15:themeFamily xmlns:thm15="http://schemas.microsoft.com/office/thememl/2012/main" name="Office Theme" id="{62F939B6-93AF-4DB8-9C6B-D6C7DFDC589F}" vid="{4A3C46E8-61CC-4603-A589-7422A47A8E4A}"/>
+    </a:ext>
+  </a:extLst>
+</a:theme>
 </file>